--- a/doc/articles/part3/presentation.pptx
+++ b/doc/articles/part3/presentation.pptx
@@ -7,24 +7,31 @@
   <p:sldIdLst>
     <p:sldId id="256" r:id="rId2"/>
     <p:sldId id="257" r:id="rId3"/>
-    <p:sldId id="258" r:id="rId4"/>
-    <p:sldId id="259" r:id="rId5"/>
-    <p:sldId id="261" r:id="rId6"/>
-    <p:sldId id="260" r:id="rId7"/>
-    <p:sldId id="262" r:id="rId8"/>
-    <p:sldId id="263" r:id="rId9"/>
-    <p:sldId id="264" r:id="rId10"/>
-    <p:sldId id="265" r:id="rId11"/>
-    <p:sldId id="266" r:id="rId12"/>
-    <p:sldId id="267" r:id="rId13"/>
-    <p:sldId id="268" r:id="rId14"/>
-    <p:sldId id="269" r:id="rId15"/>
-    <p:sldId id="270" r:id="rId16"/>
-    <p:sldId id="271" r:id="rId17"/>
-    <p:sldId id="272" r:id="rId18"/>
-    <p:sldId id="273" r:id="rId19"/>
-    <p:sldId id="274" r:id="rId20"/>
-    <p:sldId id="275" r:id="rId21"/>
+    <p:sldId id="276" r:id="rId4"/>
+    <p:sldId id="277" r:id="rId5"/>
+    <p:sldId id="278" r:id="rId6"/>
+    <p:sldId id="279" r:id="rId7"/>
+    <p:sldId id="280" r:id="rId8"/>
+    <p:sldId id="281" r:id="rId9"/>
+    <p:sldId id="261" r:id="rId10"/>
+    <p:sldId id="282" r:id="rId11"/>
+    <p:sldId id="283" r:id="rId12"/>
+    <p:sldId id="284" r:id="rId13"/>
+    <p:sldId id="260" r:id="rId14"/>
+    <p:sldId id="262" r:id="rId15"/>
+    <p:sldId id="263" r:id="rId16"/>
+    <p:sldId id="264" r:id="rId17"/>
+    <p:sldId id="265" r:id="rId18"/>
+    <p:sldId id="266" r:id="rId19"/>
+    <p:sldId id="267" r:id="rId20"/>
+    <p:sldId id="268" r:id="rId21"/>
+    <p:sldId id="269" r:id="rId22"/>
+    <p:sldId id="270" r:id="rId23"/>
+    <p:sldId id="271" r:id="rId24"/>
+    <p:sldId id="272" r:id="rId25"/>
+    <p:sldId id="273" r:id="rId26"/>
+    <p:sldId id="274" r:id="rId27"/>
+    <p:sldId id="275" r:id="rId28"/>
   </p:sldIdLst>
   <p:sldSz cx="9144000" cy="6858000" type="screen4x3"/>
   <p:notesSz cx="6858000" cy="9144000"/>
@@ -622,7 +629,7 @@
             <a:fld id="{8ACDB3CC-F982-40F9-8DD6-BCC9AFBF44BD}" type="datetime1">
               <a:rPr lang="en-US" smtClean="0"/>
               <a:pPr/>
-              <a:t>3/5/13</a:t>
+              <a:t>4/2/13</a:t>
             </a:fld>
             <a:endParaRPr lang="en-US" dirty="0"/>
           </a:p>
@@ -850,7 +857,7 @@
             <a:fld id="{F7371C1A-CAFA-43FD-A579-55B116A1448A}" type="datetime1">
               <a:rPr lang="en-US" smtClean="0"/>
               <a:pPr/>
-              <a:t>3/5/13</a:t>
+              <a:t>4/2/13</a:t>
             </a:fld>
             <a:endParaRPr lang="en-US"/>
           </a:p>
@@ -1027,7 +1034,7 @@
             <a:fld id="{FDA1BC03-21BF-4F6B-A3BE-29C937D452B1}" type="datetime1">
               <a:rPr lang="en-US" smtClean="0"/>
               <a:pPr/>
-              <a:t>3/5/13</a:t>
+              <a:t>4/2/13</a:t>
             </a:fld>
             <a:endParaRPr lang="en-US"/>
           </a:p>
@@ -1194,7 +1201,7 @@
             <a:fld id="{F3008867-0964-49C4-9DE5-8FBB189497BC}" type="datetime1">
               <a:rPr lang="en-US" smtClean="0"/>
               <a:pPr/>
-              <a:t>3/5/13</a:t>
+              <a:t>4/2/13</a:t>
             </a:fld>
             <a:endParaRPr lang="en-US"/>
           </a:p>
@@ -1437,7 +1444,7 @@
             <a:fld id="{64DDAE5B-B07C-441A-8026-C23A427A74DC}" type="datetime1">
               <a:rPr lang="en-US" smtClean="0"/>
               <a:pPr/>
-              <a:t>3/5/13</a:t>
+              <a:t>4/2/13</a:t>
             </a:fld>
             <a:endParaRPr lang="en-US"/>
           </a:p>
@@ -1552,7 +1559,7 @@
             <a:fld id="{4151D5B8-D9C5-419F-913D-2186935717ED}" type="datetime1">
               <a:rPr lang="en-US" smtClean="0"/>
               <a:pPr/>
-              <a:t>3/5/13</a:t>
+              <a:t>4/2/13</a:t>
             </a:fld>
             <a:endParaRPr lang="en-US"/>
           </a:p>
@@ -1931,7 +1938,7 @@
             <a:fld id="{586F952F-F888-4FB8-9CB7-51D5F02FA3C8}" type="datetime1">
               <a:rPr lang="en-US" smtClean="0"/>
               <a:pPr/>
-              <a:t>3/5/13</a:t>
+              <a:t>4/2/13</a:t>
             </a:fld>
             <a:endParaRPr lang="en-US"/>
           </a:p>
@@ -7578,7 +7585,7 @@
             <a:fld id="{2188DB32-6162-43C0-9325-230E0A9B0177}" type="datetime1">
               <a:rPr lang="en-US" smtClean="0"/>
               <a:pPr/>
-              <a:t>3/5/13</a:t>
+              <a:t>4/2/13</a:t>
             </a:fld>
             <a:endParaRPr lang="en-US"/>
           </a:p>
@@ -7670,7 +7677,7 @@
             <a:fld id="{AF219B57-0E9E-4DE4-A7F5-9A169EF1CEE0}" type="datetime1">
               <a:rPr lang="en-US" smtClean="0"/>
               <a:pPr/>
-              <a:t>3/5/13</a:t>
+              <a:t>4/2/13</a:t>
             </a:fld>
             <a:endParaRPr lang="en-US"/>
           </a:p>
@@ -7944,7 +7951,7 @@
             <a:fld id="{74F8F86C-0F1B-4333-B99B-B3B2B1F87225}" type="datetime1">
               <a:rPr lang="en-US" smtClean="0"/>
               <a:pPr/>
-              <a:t>3/5/13</a:t>
+              <a:t>4/2/13</a:t>
             </a:fld>
             <a:endParaRPr lang="en-US"/>
           </a:p>
@@ -8254,7 +8261,7 @@
             <a:fld id="{40D7FCD9-7699-43D6-8D62-436E2DD234FF}" type="datetime1">
               <a:rPr lang="en-US" smtClean="0"/>
               <a:pPr/>
-              <a:t>3/5/13</a:t>
+              <a:t>4/2/13</a:t>
             </a:fld>
             <a:endParaRPr lang="en-US"/>
           </a:p>
@@ -8493,7 +8500,7 @@
             <a:fld id="{610FC3EB-42FB-4C38-8CAE-7A1293B83421}" type="datetime1">
               <a:rPr lang="en-US" smtClean="0"/>
               <a:pPr/>
-              <a:t>3/5/13</a:t>
+              <a:t>4/2/13</a:t>
             </a:fld>
             <a:endParaRPr lang="en-US" dirty="0"/>
           </a:p>
@@ -9033,7 +9040,30 @@
           <a:p>
             <a:r>
               <a:rPr lang="en-US" dirty="0" smtClean="0"/>
-              <a:t>Views, Indexes, Stored Procedures, Triggers and Transactions</a:t>
+              <a:t>Backup, </a:t>
+            </a:r>
+            <a:r>
+              <a:rPr lang="en-US" dirty="0" err="1" smtClean="0"/>
+              <a:t>Recuperação</a:t>
+            </a:r>
+            <a:r>
+              <a:rPr lang="en-US" dirty="0" smtClean="0"/>
+              <a:t>, </a:t>
+            </a:r>
+            <a:r>
+              <a:rPr lang="en-US" dirty="0" err="1" smtClean="0"/>
+              <a:t>Autorização</a:t>
+            </a:r>
+            <a:r>
+              <a:rPr lang="en-US" dirty="0" smtClean="0"/>
+              <a:t>, </a:t>
+            </a:r>
+            <a:br>
+              <a:rPr lang="en-US" dirty="0" smtClean="0"/>
+            </a:br>
+            <a:r>
+              <a:rPr lang="en-US" dirty="0" smtClean="0"/>
+              <a:t>Auditoria e XML</a:t>
             </a:r>
             <a:endParaRPr lang="en-US" dirty="0"/>
           </a:p>
@@ -9116,6 +9146,2643 @@
 </file>
 
 <file path=ppt/slides/slide10.xml><?xml version="1.0" encoding="utf-8"?>
+<p:sld xmlns:a="http://schemas.openxmlformats.org/drawingml/2006/main" xmlns:r="http://schemas.openxmlformats.org/officeDocument/2006/relationships" xmlns:p="http://schemas.openxmlformats.org/presentationml/2006/main">
+  <p:cSld>
+    <p:spTree>
+      <p:nvGrpSpPr>
+        <p:cNvPr id="1" name=""/>
+        <p:cNvGrpSpPr/>
+        <p:nvPr/>
+      </p:nvGrpSpPr>
+      <p:grpSpPr>
+        <a:xfrm>
+          <a:off x="0" y="0"/>
+          <a:ext cx="0" cy="0"/>
+          <a:chOff x="0" y="0"/>
+          <a:chExt cx="0" cy="0"/>
+        </a:xfrm>
+      </p:grpSpPr>
+      <p:sp>
+        <p:nvSpPr>
+          <p:cNvPr id="4" name="Title 3"/>
+          <p:cNvSpPr>
+            <a:spLocks noGrp="1"/>
+          </p:cNvSpPr>
+          <p:nvPr>
+            <p:ph type="title"/>
+          </p:nvPr>
+        </p:nvSpPr>
+        <p:spPr/>
+        <p:txBody>
+          <a:bodyPr/>
+          <a:lstStyle/>
+          <a:p>
+            <a:r>
+              <a:rPr lang="en-US" dirty="0" err="1" smtClean="0"/>
+              <a:t>An</a:t>
+            </a:r>
+            <a:r>
+              <a:rPr lang="en-US" dirty="0" err="1" smtClean="0"/>
+              <a:t>álise</a:t>
+            </a:r>
+            <a:r>
+              <a:rPr lang="en-US" dirty="0" smtClean="0"/>
+              <a:t> da </a:t>
+            </a:r>
+            <a:r>
+              <a:rPr lang="en-US" dirty="0" err="1" smtClean="0"/>
+              <a:t>aplicação</a:t>
+            </a:r>
+            <a:endParaRPr lang="en-US" dirty="0"/>
+          </a:p>
+        </p:txBody>
+      </p:sp>
+      <p:sp>
+        <p:nvSpPr>
+          <p:cNvPr id="5" name="Content Placeholder 4"/>
+          <p:cNvSpPr>
+            <a:spLocks noGrp="1"/>
+          </p:cNvSpPr>
+          <p:nvPr>
+            <p:ph idx="1"/>
+          </p:nvPr>
+        </p:nvSpPr>
+        <p:spPr/>
+        <p:txBody>
+          <a:bodyPr>
+            <a:normAutofit fontScale="92500" lnSpcReduction="20000"/>
+          </a:bodyPr>
+          <a:lstStyle/>
+          <a:p>
+            <a:r>
+              <a:rPr lang="en-US" dirty="0" smtClean="0"/>
+              <a:t>3 </a:t>
+            </a:r>
+            <a:r>
+              <a:rPr lang="en-US" dirty="0" err="1" smtClean="0"/>
+              <a:t>n</a:t>
+            </a:r>
+            <a:r>
+              <a:rPr lang="en-US" dirty="0" err="1" smtClean="0"/>
+              <a:t>íveis</a:t>
+            </a:r>
+            <a:r>
+              <a:rPr lang="en-US" dirty="0" smtClean="0"/>
+              <a:t> de </a:t>
+            </a:r>
+            <a:r>
+              <a:rPr lang="en-US" dirty="0" err="1" smtClean="0"/>
+              <a:t>usuário</a:t>
+            </a:r>
+            <a:r>
+              <a:rPr lang="en-US" dirty="0" smtClean="0"/>
+              <a:t>:</a:t>
+            </a:r>
+          </a:p>
+          <a:p>
+            <a:pPr lvl="1"/>
+            <a:r>
+              <a:rPr lang="en-US" dirty="0" err="1" smtClean="0"/>
+              <a:t>Visitantes</a:t>
+            </a:r>
+            <a:r>
+              <a:rPr lang="en-US" dirty="0" smtClean="0"/>
+              <a:t> (guests)</a:t>
+            </a:r>
+          </a:p>
+          <a:p>
+            <a:pPr lvl="1"/>
+            <a:r>
+              <a:rPr lang="en-US" dirty="0" err="1" smtClean="0"/>
+              <a:t>Estudantes</a:t>
+            </a:r>
+            <a:r>
+              <a:rPr lang="en-US" dirty="0" smtClean="0"/>
+              <a:t> (professors)</a:t>
+            </a:r>
+          </a:p>
+          <a:p>
+            <a:pPr lvl="1"/>
+            <a:r>
+              <a:rPr lang="en-US" dirty="0" err="1"/>
+              <a:t>Professores</a:t>
+            </a:r>
+            <a:r>
+              <a:rPr lang="en-US" dirty="0"/>
+              <a:t> </a:t>
+            </a:r>
+            <a:r>
+              <a:rPr lang="en-US" dirty="0" smtClean="0"/>
+              <a:t>(students)</a:t>
+            </a:r>
+          </a:p>
+          <a:p>
+            <a:r>
+              <a:rPr lang="en-US" dirty="0" err="1" smtClean="0"/>
+              <a:t>Visitantes</a:t>
+            </a:r>
+            <a:endParaRPr lang="en-US" dirty="0" smtClean="0"/>
+          </a:p>
+          <a:p>
+            <a:pPr lvl="1"/>
+            <a:r>
+              <a:rPr lang="en-US" dirty="0" smtClean="0"/>
+              <a:t>S</a:t>
+            </a:r>
+            <a:r>
+              <a:rPr lang="en-US" dirty="0" smtClean="0"/>
+              <a:t>ão </a:t>
+            </a:r>
+            <a:r>
+              <a:rPr lang="en-US" dirty="0" err="1" smtClean="0"/>
+              <a:t>capazes</a:t>
+            </a:r>
+            <a:r>
+              <a:rPr lang="en-US" dirty="0" smtClean="0"/>
+              <a:t> de se </a:t>
+            </a:r>
+            <a:r>
+              <a:rPr lang="en-US" dirty="0" err="1" smtClean="0"/>
+              <a:t>inscrever</a:t>
+            </a:r>
+            <a:r>
+              <a:rPr lang="en-US" dirty="0" smtClean="0"/>
+              <a:t> </a:t>
+            </a:r>
+            <a:r>
+              <a:rPr lang="en-US" dirty="0" err="1" smtClean="0"/>
+              <a:t>na</a:t>
+            </a:r>
+            <a:r>
+              <a:rPr lang="en-US" dirty="0" smtClean="0"/>
+              <a:t> </a:t>
+            </a:r>
+            <a:r>
+              <a:rPr lang="en-US" dirty="0" err="1" smtClean="0"/>
+              <a:t>plataforma</a:t>
+            </a:r>
+            <a:r>
+              <a:rPr lang="en-US" dirty="0" smtClean="0"/>
+              <a:t>;</a:t>
+            </a:r>
+          </a:p>
+          <a:p>
+            <a:r>
+              <a:rPr lang="en-US" dirty="0" err="1" smtClean="0"/>
+              <a:t>Estudantes</a:t>
+            </a:r>
+            <a:endParaRPr lang="en-US" dirty="0" smtClean="0"/>
+          </a:p>
+          <a:p>
+            <a:pPr lvl="1"/>
+            <a:r>
+              <a:rPr lang="en-US" dirty="0" err="1" smtClean="0"/>
+              <a:t>Visualização</a:t>
+            </a:r>
+            <a:r>
+              <a:rPr lang="en-US" dirty="0" smtClean="0"/>
+              <a:t> dos </a:t>
+            </a:r>
+            <a:r>
+              <a:rPr lang="en-US" dirty="0" err="1" smtClean="0"/>
+              <a:t>projetos</a:t>
+            </a:r>
+            <a:r>
+              <a:rPr lang="en-US" dirty="0" smtClean="0"/>
+              <a:t> dos </a:t>
+            </a:r>
+            <a:r>
+              <a:rPr lang="en-US" dirty="0" err="1" smtClean="0"/>
+              <a:t>professores</a:t>
+            </a:r>
+            <a:r>
+              <a:rPr lang="en-US" dirty="0"/>
+              <a:t> </a:t>
+            </a:r>
+            <a:r>
+              <a:rPr lang="en-US" dirty="0" smtClean="0"/>
+              <a:t>(view);</a:t>
+            </a:r>
+          </a:p>
+          <a:p>
+            <a:pPr lvl="1"/>
+            <a:r>
+              <a:rPr lang="en-US" dirty="0" err="1" smtClean="0"/>
+              <a:t>Gerenciamento</a:t>
+            </a:r>
+            <a:r>
+              <a:rPr lang="en-US" dirty="0" smtClean="0"/>
+              <a:t> de </a:t>
+            </a:r>
+            <a:r>
+              <a:rPr lang="en-US" dirty="0" err="1" smtClean="0"/>
+              <a:t>recursos</a:t>
+            </a:r>
+            <a:r>
+              <a:rPr lang="en-US" dirty="0" smtClean="0"/>
+              <a:t> e </a:t>
+            </a:r>
+            <a:r>
+              <a:rPr lang="en-US" dirty="0" err="1" smtClean="0"/>
+              <a:t>tarefas</a:t>
+            </a:r>
+            <a:r>
+              <a:rPr lang="en-US" dirty="0" smtClean="0"/>
+              <a:t>;</a:t>
+            </a:r>
+          </a:p>
+          <a:p>
+            <a:r>
+              <a:rPr lang="en-US" dirty="0" err="1" smtClean="0"/>
+              <a:t>Professores</a:t>
+            </a:r>
+            <a:endParaRPr lang="en-US" dirty="0" smtClean="0"/>
+          </a:p>
+          <a:p>
+            <a:pPr lvl="1"/>
+            <a:r>
+              <a:rPr lang="en-US" dirty="0" err="1" smtClean="0"/>
+              <a:t>Gerencia</a:t>
+            </a:r>
+            <a:r>
+              <a:rPr lang="en-US" dirty="0" smtClean="0"/>
+              <a:t> </a:t>
+            </a:r>
+            <a:r>
+              <a:rPr lang="en-US" dirty="0" err="1" smtClean="0"/>
+              <a:t>qualquer</a:t>
+            </a:r>
+            <a:r>
+              <a:rPr lang="en-US" dirty="0" smtClean="0"/>
+              <a:t> </a:t>
+            </a:r>
+            <a:r>
+              <a:rPr lang="en-US" dirty="0" err="1" smtClean="0"/>
+              <a:t>modelo</a:t>
+            </a:r>
+            <a:r>
+              <a:rPr lang="en-US" dirty="0" smtClean="0"/>
+              <a:t> </a:t>
+            </a:r>
+            <a:r>
+              <a:rPr lang="en-US" dirty="0" err="1" smtClean="0"/>
+              <a:t>pertencente</a:t>
+            </a:r>
+            <a:r>
+              <a:rPr lang="en-US" dirty="0" smtClean="0"/>
+              <a:t> a </a:t>
+            </a:r>
+            <a:r>
+              <a:rPr lang="en-US" dirty="0" err="1" smtClean="0"/>
+              <a:t>si</a:t>
+            </a:r>
+            <a:r>
+              <a:rPr lang="en-US" dirty="0" smtClean="0"/>
+              <a:t> </a:t>
+            </a:r>
+            <a:r>
+              <a:rPr lang="en-US" dirty="0" err="1" smtClean="0"/>
+              <a:t>ou</a:t>
+            </a:r>
+            <a:r>
+              <a:rPr lang="en-US" dirty="0" smtClean="0"/>
+              <a:t> de </a:t>
+            </a:r>
+            <a:r>
+              <a:rPr lang="en-US" dirty="0" err="1" smtClean="0"/>
+              <a:t>seus</a:t>
+            </a:r>
+            <a:r>
+              <a:rPr lang="en-US" dirty="0" smtClean="0"/>
+              <a:t> </a:t>
+            </a:r>
+            <a:r>
+              <a:rPr lang="en-US" dirty="0" err="1" smtClean="0"/>
+              <a:t>estudantes</a:t>
+            </a:r>
+            <a:r>
+              <a:rPr lang="en-US" dirty="0" smtClean="0"/>
+              <a:t> (</a:t>
+            </a:r>
+            <a:r>
+              <a:rPr lang="en-US" dirty="0" err="1" smtClean="0"/>
+              <a:t>exceto</a:t>
+            </a:r>
+            <a:r>
+              <a:rPr lang="en-US" dirty="0" smtClean="0"/>
+              <a:t> </a:t>
+            </a:r>
+            <a:r>
+              <a:rPr lang="en-US" dirty="0" err="1" smtClean="0"/>
+              <a:t>informaç</a:t>
+            </a:r>
+            <a:r>
+              <a:rPr lang="en-US" dirty="0" err="1" smtClean="0"/>
+              <a:t>ões</a:t>
+            </a:r>
+            <a:r>
+              <a:rPr lang="en-US" dirty="0" smtClean="0"/>
+              <a:t> </a:t>
+            </a:r>
+            <a:r>
+              <a:rPr lang="en-US" dirty="0" err="1" smtClean="0"/>
+              <a:t>pessoais</a:t>
+            </a:r>
+            <a:r>
+              <a:rPr lang="en-US" dirty="0" smtClean="0"/>
+              <a:t>);</a:t>
+            </a:r>
+            <a:endParaRPr lang="en-US" dirty="0"/>
+          </a:p>
+        </p:txBody>
+      </p:sp>
+    </p:spTree>
+    <p:extLst>
+      <p:ext uri="{BB962C8B-B14F-4D97-AF65-F5344CB8AC3E}">
+        <p14:creationId xmlns:p14="http://schemas.microsoft.com/office/powerpoint/2010/main" val="3430149788"/>
+      </p:ext>
+    </p:extLst>
+  </p:cSld>
+  <p:clrMapOvr>
+    <a:masterClrMapping/>
+  </p:clrMapOvr>
+</p:sld>
+</file>
+
+<file path=ppt/slides/slide11.xml><?xml version="1.0" encoding="utf-8"?>
+<p:sld xmlns:a="http://schemas.openxmlformats.org/drawingml/2006/main" xmlns:r="http://schemas.openxmlformats.org/officeDocument/2006/relationships" xmlns:p="http://schemas.openxmlformats.org/presentationml/2006/main">
+  <p:cSld>
+    <p:spTree>
+      <p:nvGrpSpPr>
+        <p:cNvPr id="1" name=""/>
+        <p:cNvGrpSpPr/>
+        <p:nvPr/>
+      </p:nvGrpSpPr>
+      <p:grpSpPr>
+        <a:xfrm>
+          <a:off x="0" y="0"/>
+          <a:ext cx="0" cy="0"/>
+          <a:chOff x="0" y="0"/>
+          <a:chExt cx="0" cy="0"/>
+        </a:xfrm>
+      </p:grpSpPr>
+      <p:sp>
+        <p:nvSpPr>
+          <p:cNvPr id="2" name="Title 1"/>
+          <p:cNvSpPr>
+            <a:spLocks noGrp="1"/>
+          </p:cNvSpPr>
+          <p:nvPr>
+            <p:ph type="title"/>
+          </p:nvPr>
+        </p:nvSpPr>
+        <p:spPr/>
+        <p:txBody>
+          <a:bodyPr/>
+          <a:lstStyle/>
+          <a:p>
+            <a:r>
+              <a:rPr lang="en-US" dirty="0" err="1" smtClean="0"/>
+              <a:t>Criaç</a:t>
+            </a:r>
+            <a:r>
+              <a:rPr lang="en-US" dirty="0" err="1" smtClean="0"/>
+              <a:t>ão</a:t>
+            </a:r>
+            <a:r>
+              <a:rPr lang="en-US" dirty="0" smtClean="0"/>
+              <a:t> de </a:t>
+            </a:r>
+            <a:r>
+              <a:rPr lang="en-US" dirty="0" err="1" smtClean="0"/>
+              <a:t>papéis</a:t>
+            </a:r>
+            <a:r>
+              <a:rPr lang="en-US" dirty="0" smtClean="0"/>
+              <a:t>;</a:t>
+            </a:r>
+            <a:endParaRPr lang="en-US" dirty="0"/>
+          </a:p>
+        </p:txBody>
+      </p:sp>
+      <p:sp>
+        <p:nvSpPr>
+          <p:cNvPr id="3" name="Content Placeholder 2"/>
+          <p:cNvSpPr>
+            <a:spLocks noGrp="1"/>
+          </p:cNvSpPr>
+          <p:nvPr>
+            <p:ph idx="1"/>
+          </p:nvPr>
+        </p:nvSpPr>
+        <p:spPr/>
+        <p:txBody>
+          <a:bodyPr/>
+          <a:lstStyle/>
+          <a:p>
+            <a:endParaRPr lang="en-US" dirty="0" smtClean="0"/>
+          </a:p>
+          <a:p>
+            <a:r>
+              <a:rPr lang="en-US" dirty="0" err="1" smtClean="0"/>
+              <a:t>Os</a:t>
+            </a:r>
+            <a:r>
+              <a:rPr lang="en-US" dirty="0" smtClean="0"/>
+              <a:t> </a:t>
+            </a:r>
+            <a:r>
+              <a:rPr lang="en-US" dirty="0" err="1" smtClean="0"/>
+              <a:t>pap</a:t>
+            </a:r>
+            <a:r>
+              <a:rPr lang="en-US" dirty="0" err="1" smtClean="0"/>
+              <a:t>éis</a:t>
+            </a:r>
+            <a:r>
+              <a:rPr lang="en-US" dirty="0" smtClean="0"/>
+              <a:t> </a:t>
+            </a:r>
+            <a:r>
+              <a:rPr lang="en-US" dirty="0" err="1" smtClean="0"/>
+              <a:t>são</a:t>
+            </a:r>
+            <a:r>
+              <a:rPr lang="en-US" dirty="0" smtClean="0"/>
+              <a:t> </a:t>
+            </a:r>
+            <a:r>
+              <a:rPr lang="en-US" dirty="0" err="1" smtClean="0"/>
+              <a:t>criados</a:t>
+            </a:r>
+            <a:r>
+              <a:rPr lang="en-US" dirty="0" smtClean="0"/>
+              <a:t> com o </a:t>
+            </a:r>
+            <a:r>
+              <a:rPr lang="en-US" dirty="0" err="1" smtClean="0"/>
+              <a:t>seguinte</a:t>
+            </a:r>
+            <a:r>
+              <a:rPr lang="en-US" dirty="0" smtClean="0"/>
+              <a:t> </a:t>
+            </a:r>
+            <a:r>
+              <a:rPr lang="en-US" dirty="0" err="1" smtClean="0"/>
+              <a:t>comando</a:t>
+            </a:r>
+            <a:r>
+              <a:rPr lang="en-US" dirty="0" smtClean="0"/>
+              <a:t>:</a:t>
+            </a:r>
+          </a:p>
+          <a:p>
+            <a:endParaRPr lang="en-US" dirty="0"/>
+          </a:p>
+          <a:p>
+            <a:endParaRPr lang="en-US" dirty="0" smtClean="0"/>
+          </a:p>
+          <a:p>
+            <a:endParaRPr lang="en-US" dirty="0"/>
+          </a:p>
+          <a:p>
+            <a:endParaRPr lang="en-US" dirty="0"/>
+          </a:p>
+        </p:txBody>
+      </p:sp>
+      <p:sp>
+        <p:nvSpPr>
+          <p:cNvPr id="4" name="Rectangle 3"/>
+          <p:cNvSpPr/>
+          <p:nvPr/>
+        </p:nvSpPr>
+        <p:spPr>
+          <a:xfrm>
+            <a:off x="551280" y="3109909"/>
+            <a:ext cx="8041440" cy="958890"/>
+          </a:xfrm>
+          <a:prstGeom prst="rect">
+            <a:avLst/>
+          </a:prstGeom>
+          <a:solidFill>
+            <a:schemeClr val="tx1">
+              <a:lumMod val="75000"/>
+              <a:lumOff val="25000"/>
+            </a:schemeClr>
+          </a:solidFill>
+          <a:ln>
+            <a:solidFill>
+              <a:schemeClr val="tx1">
+                <a:lumMod val="85000"/>
+                <a:lumOff val="15000"/>
+              </a:schemeClr>
+            </a:solidFill>
+          </a:ln>
+        </p:spPr>
+        <p:style>
+          <a:lnRef idx="1">
+            <a:schemeClr val="dk1"/>
+          </a:lnRef>
+          <a:fillRef idx="3">
+            <a:schemeClr val="dk1"/>
+          </a:fillRef>
+          <a:effectRef idx="2">
+            <a:schemeClr val="dk1"/>
+          </a:effectRef>
+          <a:fontRef idx="minor">
+            <a:schemeClr val="lt1"/>
+          </a:fontRef>
+        </p:style>
+        <p:txBody>
+          <a:bodyPr rtlCol="0" anchor="ctr"/>
+          <a:lstStyle/>
+          <a:p>
+            <a:r>
+              <a:rPr lang="en-US" dirty="0">
+                <a:latin typeface="Consolas"/>
+                <a:cs typeface="Consolas"/>
+              </a:rPr>
+              <a:t>CREATE ROLE guests WITH LOGIN</a:t>
+            </a:r>
+            <a:r>
+              <a:rPr lang="en-US" dirty="0" smtClean="0">
+                <a:latin typeface="Consolas"/>
+                <a:cs typeface="Consolas"/>
+              </a:rPr>
+              <a:t>;</a:t>
+            </a:r>
+          </a:p>
+          <a:p>
+            <a:r>
+              <a:rPr lang="en-US" dirty="0">
+                <a:latin typeface="Consolas"/>
+                <a:cs typeface="Consolas"/>
+              </a:rPr>
+              <a:t>CREATE ROLE </a:t>
+            </a:r>
+            <a:r>
+              <a:rPr lang="en-US" dirty="0" smtClean="0">
+                <a:latin typeface="Consolas"/>
+                <a:cs typeface="Consolas"/>
+              </a:rPr>
+              <a:t>students;</a:t>
+            </a:r>
+          </a:p>
+          <a:p>
+            <a:r>
+              <a:rPr lang="en-US" dirty="0">
+                <a:latin typeface="Consolas"/>
+                <a:cs typeface="Consolas"/>
+              </a:rPr>
+              <a:t>CREATE ROLE </a:t>
+            </a:r>
+            <a:r>
+              <a:rPr lang="en-US" dirty="0" smtClean="0">
+                <a:latin typeface="Consolas"/>
+                <a:cs typeface="Consolas"/>
+              </a:rPr>
+              <a:t>professors;</a:t>
+            </a:r>
+            <a:endParaRPr lang="en-US" dirty="0">
+              <a:latin typeface="Consolas"/>
+              <a:cs typeface="Consolas"/>
+            </a:endParaRPr>
+          </a:p>
+        </p:txBody>
+      </p:sp>
+    </p:spTree>
+    <p:extLst>
+      <p:ext uri="{BB962C8B-B14F-4D97-AF65-F5344CB8AC3E}">
+        <p14:creationId xmlns:p14="http://schemas.microsoft.com/office/powerpoint/2010/main" val="1042275962"/>
+      </p:ext>
+    </p:extLst>
+  </p:cSld>
+  <p:clrMapOvr>
+    <a:masterClrMapping/>
+  </p:clrMapOvr>
+  <p:timing>
+    <p:tnLst>
+      <p:par>
+        <p:cTn xmlns:p14="http://schemas.microsoft.com/office/powerpoint/2010/main" id="1" dur="indefinite" restart="never" nodeType="tmRoot"/>
+      </p:par>
+    </p:tnLst>
+  </p:timing>
+</p:sld>
+</file>
+
+<file path=ppt/slides/slide12.xml><?xml version="1.0" encoding="utf-8"?>
+<p:sld xmlns:a="http://schemas.openxmlformats.org/drawingml/2006/main" xmlns:r="http://schemas.openxmlformats.org/officeDocument/2006/relationships" xmlns:p="http://schemas.openxmlformats.org/presentationml/2006/main">
+  <p:cSld>
+    <p:spTree>
+      <p:nvGrpSpPr>
+        <p:cNvPr id="1" name=""/>
+        <p:cNvGrpSpPr/>
+        <p:nvPr/>
+      </p:nvGrpSpPr>
+      <p:grpSpPr>
+        <a:xfrm>
+          <a:off x="0" y="0"/>
+          <a:ext cx="0" cy="0"/>
+          <a:chOff x="0" y="0"/>
+          <a:chExt cx="0" cy="0"/>
+        </a:xfrm>
+      </p:grpSpPr>
+      <p:sp>
+        <p:nvSpPr>
+          <p:cNvPr id="2" name="Title 1"/>
+          <p:cNvSpPr>
+            <a:spLocks noGrp="1"/>
+          </p:cNvSpPr>
+          <p:nvPr>
+            <p:ph type="title"/>
+          </p:nvPr>
+        </p:nvSpPr>
+        <p:spPr/>
+        <p:txBody>
+          <a:bodyPr/>
+          <a:lstStyle/>
+          <a:p>
+            <a:r>
+              <a:rPr lang="en-US" dirty="0" err="1" smtClean="0"/>
+              <a:t>Criaç</a:t>
+            </a:r>
+            <a:r>
+              <a:rPr lang="en-US" dirty="0" err="1" smtClean="0"/>
+              <a:t>ão</a:t>
+            </a:r>
+            <a:r>
+              <a:rPr lang="en-US" dirty="0" smtClean="0"/>
+              <a:t> de </a:t>
+            </a:r>
+            <a:r>
+              <a:rPr lang="en-US" dirty="0" err="1" smtClean="0"/>
+              <a:t>permissões</a:t>
+            </a:r>
+            <a:r>
+              <a:rPr lang="en-US" dirty="0" smtClean="0"/>
+              <a:t>;</a:t>
+            </a:r>
+            <a:endParaRPr lang="en-US" dirty="0"/>
+          </a:p>
+        </p:txBody>
+      </p:sp>
+      <p:sp>
+        <p:nvSpPr>
+          <p:cNvPr id="3" name="Content Placeholder 2"/>
+          <p:cNvSpPr>
+            <a:spLocks noGrp="1"/>
+          </p:cNvSpPr>
+          <p:nvPr>
+            <p:ph idx="1"/>
+          </p:nvPr>
+        </p:nvSpPr>
+        <p:spPr/>
+        <p:txBody>
+          <a:bodyPr/>
+          <a:lstStyle/>
+          <a:p>
+            <a:r>
+              <a:rPr lang="en-US" dirty="0" err="1" smtClean="0"/>
+              <a:t>Algumas</a:t>
+            </a:r>
+            <a:r>
+              <a:rPr lang="en-US" dirty="0" smtClean="0"/>
+              <a:t> das </a:t>
+            </a:r>
+            <a:r>
+              <a:rPr lang="en-US" dirty="0" err="1" smtClean="0"/>
+              <a:t>permiss</a:t>
+            </a:r>
+            <a:r>
+              <a:rPr lang="en-US" dirty="0" err="1" smtClean="0"/>
+              <a:t>ões</a:t>
+            </a:r>
+            <a:r>
+              <a:rPr lang="en-US" dirty="0" smtClean="0"/>
+              <a:t>:</a:t>
+            </a:r>
+          </a:p>
+          <a:p>
+            <a:endParaRPr lang="en-US" dirty="0"/>
+          </a:p>
+          <a:p>
+            <a:endParaRPr lang="en-US" dirty="0" smtClean="0"/>
+          </a:p>
+          <a:p>
+            <a:endParaRPr lang="en-US" dirty="0"/>
+          </a:p>
+          <a:p>
+            <a:endParaRPr lang="en-US" dirty="0"/>
+          </a:p>
+        </p:txBody>
+      </p:sp>
+      <p:sp>
+        <p:nvSpPr>
+          <p:cNvPr id="4" name="Rectangle 3"/>
+          <p:cNvSpPr/>
+          <p:nvPr/>
+        </p:nvSpPr>
+        <p:spPr>
+          <a:xfrm>
+            <a:off x="551280" y="2565677"/>
+            <a:ext cx="8041440" cy="3809640"/>
+          </a:xfrm>
+          <a:prstGeom prst="rect">
+            <a:avLst/>
+          </a:prstGeom>
+          <a:solidFill>
+            <a:schemeClr val="tx1">
+              <a:lumMod val="75000"/>
+              <a:lumOff val="25000"/>
+            </a:schemeClr>
+          </a:solidFill>
+          <a:ln>
+            <a:solidFill>
+              <a:schemeClr val="tx1">
+                <a:lumMod val="85000"/>
+                <a:lumOff val="15000"/>
+              </a:schemeClr>
+            </a:solidFill>
+          </a:ln>
+        </p:spPr>
+        <p:style>
+          <a:lnRef idx="1">
+            <a:schemeClr val="dk1"/>
+          </a:lnRef>
+          <a:fillRef idx="3">
+            <a:schemeClr val="dk1"/>
+          </a:fillRef>
+          <a:effectRef idx="2">
+            <a:schemeClr val="dk1"/>
+          </a:effectRef>
+          <a:fontRef idx="minor">
+            <a:schemeClr val="lt1"/>
+          </a:fontRef>
+        </p:style>
+        <p:txBody>
+          <a:bodyPr rtlCol="0" anchor="ctr"/>
+          <a:lstStyle/>
+          <a:p>
+            <a:r>
+              <a:rPr lang="en-US" sz="1400" dirty="0">
+                <a:latin typeface="Consolas"/>
+                <a:cs typeface="Consolas"/>
+              </a:rPr>
+              <a:t>GRANT SELECT, INSERT ON users TO guests</a:t>
+            </a:r>
+            <a:r>
+              <a:rPr lang="en-US" sz="1400" dirty="0" smtClean="0">
+                <a:latin typeface="Consolas"/>
+                <a:cs typeface="Consolas"/>
+              </a:rPr>
+              <a:t>;</a:t>
+            </a:r>
+          </a:p>
+          <a:p>
+            <a:r>
+              <a:rPr lang="en-US" sz="1400" dirty="0">
+                <a:latin typeface="Consolas"/>
+                <a:cs typeface="Consolas"/>
+              </a:rPr>
+              <a:t>GRANT USAGE, SELECT ON SEQUENCE </a:t>
+            </a:r>
+            <a:r>
+              <a:rPr lang="en-US" sz="1400" dirty="0" err="1">
+                <a:latin typeface="Consolas"/>
+                <a:cs typeface="Consolas"/>
+              </a:rPr>
+              <a:t>users_id_seq</a:t>
+            </a:r>
+            <a:r>
+              <a:rPr lang="en-US" sz="1400" dirty="0">
+                <a:latin typeface="Consolas"/>
+                <a:cs typeface="Consolas"/>
+              </a:rPr>
+              <a:t> TO guests</a:t>
+            </a:r>
+            <a:r>
+              <a:rPr lang="en-US" sz="1400" dirty="0" smtClean="0">
+                <a:latin typeface="Consolas"/>
+                <a:cs typeface="Consolas"/>
+              </a:rPr>
+              <a:t>;</a:t>
+            </a:r>
+          </a:p>
+          <a:p>
+            <a:endParaRPr lang="en-US" sz="1400" dirty="0">
+              <a:latin typeface="Consolas"/>
+              <a:cs typeface="Consolas"/>
+            </a:endParaRPr>
+          </a:p>
+          <a:p>
+            <a:r>
+              <a:rPr lang="en-US" sz="1400" dirty="0" smtClean="0">
+                <a:latin typeface="Consolas"/>
+                <a:cs typeface="Consolas"/>
+              </a:rPr>
+              <a:t>GRANT </a:t>
+            </a:r>
+            <a:r>
+              <a:rPr lang="en-US" sz="1400" dirty="0">
+                <a:latin typeface="Consolas"/>
+                <a:cs typeface="Consolas"/>
+              </a:rPr>
+              <a:t>ALL ON users TO students;</a:t>
+            </a:r>
+          </a:p>
+          <a:p>
+            <a:r>
+              <a:rPr lang="en-US" sz="1400" dirty="0" smtClean="0">
+                <a:latin typeface="Consolas"/>
+                <a:cs typeface="Consolas"/>
+              </a:rPr>
+              <a:t>GRANT </a:t>
+            </a:r>
+            <a:r>
+              <a:rPr lang="en-US" sz="1400" dirty="0">
+                <a:latin typeface="Consolas"/>
+                <a:cs typeface="Consolas"/>
+              </a:rPr>
+              <a:t>SELECT, INSERT ON notifications TO students;</a:t>
+            </a:r>
+          </a:p>
+          <a:p>
+            <a:r>
+              <a:rPr lang="en-US" sz="1400" dirty="0" smtClean="0">
+                <a:latin typeface="Consolas"/>
+                <a:cs typeface="Consolas"/>
+              </a:rPr>
+              <a:t>GRANT </a:t>
+            </a:r>
+            <a:r>
+              <a:rPr lang="en-US" sz="1400" dirty="0">
+                <a:latin typeface="Consolas"/>
+                <a:cs typeface="Consolas"/>
+              </a:rPr>
+              <a:t>ALL ON tasks, resources, quotations, notes, authors, </a:t>
+            </a:r>
+            <a:r>
+              <a:rPr lang="en-US" sz="1400" dirty="0" err="1">
+                <a:latin typeface="Consolas"/>
+                <a:cs typeface="Consolas"/>
+              </a:rPr>
+              <a:t>authors_resources</a:t>
+            </a:r>
+            <a:r>
+              <a:rPr lang="en-US" sz="1400" dirty="0">
+                <a:latin typeface="Consolas"/>
+                <a:cs typeface="Consolas"/>
+              </a:rPr>
+              <a:t> TO </a:t>
+            </a:r>
+            <a:r>
+              <a:rPr lang="en-US" sz="1400" dirty="0" smtClean="0">
+                <a:latin typeface="Consolas"/>
+                <a:cs typeface="Consolas"/>
+              </a:rPr>
+              <a:t>	students</a:t>
+            </a:r>
+            <a:r>
+              <a:rPr lang="en-US" sz="1400" dirty="0">
+                <a:latin typeface="Consolas"/>
+                <a:cs typeface="Consolas"/>
+              </a:rPr>
+              <a:t>;</a:t>
+            </a:r>
+          </a:p>
+          <a:p>
+            <a:r>
+              <a:rPr lang="en-US" sz="1400" dirty="0" smtClean="0">
+                <a:latin typeface="Consolas"/>
+                <a:cs typeface="Consolas"/>
+              </a:rPr>
+              <a:t>GRANT </a:t>
+            </a:r>
+            <a:r>
+              <a:rPr lang="en-US" sz="1400" dirty="0">
+                <a:latin typeface="Consolas"/>
+                <a:cs typeface="Consolas"/>
+              </a:rPr>
+              <a:t>SELECT ON </a:t>
+            </a:r>
+            <a:r>
+              <a:rPr lang="en-US" sz="1400" dirty="0" err="1">
+                <a:latin typeface="Consolas"/>
+                <a:cs typeface="Consolas"/>
+              </a:rPr>
+              <a:t>professor_projects</a:t>
+            </a:r>
+            <a:r>
+              <a:rPr lang="en-US" sz="1400" dirty="0">
+                <a:latin typeface="Consolas"/>
+                <a:cs typeface="Consolas"/>
+              </a:rPr>
+              <a:t> TO students</a:t>
+            </a:r>
+            <a:r>
+              <a:rPr lang="en-US" sz="1400" dirty="0" smtClean="0">
+                <a:latin typeface="Consolas"/>
+                <a:cs typeface="Consolas"/>
+              </a:rPr>
+              <a:t>;</a:t>
+            </a:r>
+          </a:p>
+          <a:p>
+            <a:endParaRPr lang="en-US" sz="1400" dirty="0">
+              <a:latin typeface="Consolas"/>
+              <a:cs typeface="Consolas"/>
+            </a:endParaRPr>
+          </a:p>
+          <a:p>
+            <a:r>
+              <a:rPr lang="en-US" sz="1400" dirty="0" smtClean="0">
+                <a:latin typeface="Consolas"/>
+                <a:cs typeface="Consolas"/>
+              </a:rPr>
+              <a:t>GRANT </a:t>
+            </a:r>
+            <a:r>
+              <a:rPr lang="en-US" sz="1400" dirty="0">
+                <a:latin typeface="Consolas"/>
+                <a:cs typeface="Consolas"/>
+              </a:rPr>
+              <a:t>ALL ON users TO professors;</a:t>
+            </a:r>
+          </a:p>
+          <a:p>
+            <a:r>
+              <a:rPr lang="en-US" sz="1400" dirty="0" smtClean="0">
+                <a:latin typeface="Consolas"/>
+                <a:cs typeface="Consolas"/>
+              </a:rPr>
+              <a:t>GRANT </a:t>
+            </a:r>
+            <a:r>
+              <a:rPr lang="en-US" sz="1400" dirty="0">
+                <a:latin typeface="Consolas"/>
+                <a:cs typeface="Consolas"/>
+              </a:rPr>
+              <a:t>SELECT, INSERT ON notifications TO professors;</a:t>
+            </a:r>
+          </a:p>
+          <a:p>
+            <a:r>
+              <a:rPr lang="en-US" sz="1400" dirty="0" smtClean="0">
+                <a:latin typeface="Consolas"/>
+                <a:cs typeface="Consolas"/>
+              </a:rPr>
+              <a:t>GRANT </a:t>
+            </a:r>
+            <a:r>
+              <a:rPr lang="en-US" sz="1400" dirty="0">
+                <a:latin typeface="Consolas"/>
+                <a:cs typeface="Consolas"/>
+              </a:rPr>
+              <a:t>ALL ON projects, tasks, resources, quotations, notes, authors, </a:t>
+            </a:r>
+            <a:r>
+              <a:rPr lang="en-US" sz="1400" dirty="0" smtClean="0">
+                <a:latin typeface="Consolas"/>
+                <a:cs typeface="Consolas"/>
+              </a:rPr>
+              <a:t>	</a:t>
+            </a:r>
+            <a:r>
+              <a:rPr lang="en-US" sz="1400" dirty="0" err="1" smtClean="0">
+                <a:latin typeface="Consolas"/>
+                <a:cs typeface="Consolas"/>
+              </a:rPr>
+              <a:t>authors_resources</a:t>
+            </a:r>
+            <a:r>
+              <a:rPr lang="en-US" sz="1400" dirty="0" smtClean="0">
+                <a:latin typeface="Consolas"/>
+                <a:cs typeface="Consolas"/>
+              </a:rPr>
+              <a:t> </a:t>
+            </a:r>
+            <a:r>
+              <a:rPr lang="en-US" sz="1400" dirty="0">
+                <a:latin typeface="Consolas"/>
+                <a:cs typeface="Consolas"/>
+              </a:rPr>
+              <a:t>TO professors</a:t>
+            </a:r>
+            <a:r>
+              <a:rPr lang="en-US" sz="1400" dirty="0" smtClean="0">
+                <a:latin typeface="Consolas"/>
+                <a:cs typeface="Consolas"/>
+              </a:rPr>
+              <a:t>;</a:t>
+            </a:r>
+          </a:p>
+          <a:p>
+            <a:endParaRPr lang="en-US" sz="1400" dirty="0">
+              <a:latin typeface="Consolas"/>
+              <a:cs typeface="Consolas"/>
+            </a:endParaRPr>
+          </a:p>
+          <a:p>
+            <a:r>
+              <a:rPr lang="en-US" sz="1400" dirty="0" smtClean="0">
+                <a:latin typeface="Consolas"/>
+                <a:cs typeface="Consolas"/>
+              </a:rPr>
+              <a:t>GRANT </a:t>
+            </a:r>
+            <a:r>
+              <a:rPr lang="en-US" sz="1400" dirty="0">
+                <a:latin typeface="Consolas"/>
+                <a:cs typeface="Consolas"/>
+              </a:rPr>
+              <a:t>USAGE, SELECT ON SEQUENCE </a:t>
+            </a:r>
+            <a:r>
+              <a:rPr lang="en-US" sz="1400" dirty="0" err="1">
+                <a:latin typeface="Consolas"/>
+                <a:cs typeface="Consolas"/>
+              </a:rPr>
+              <a:t>users_id_seq</a:t>
+            </a:r>
+            <a:r>
+              <a:rPr lang="en-US" sz="1400" dirty="0">
+                <a:latin typeface="Consolas"/>
+                <a:cs typeface="Consolas"/>
+              </a:rPr>
+              <a:t>, </a:t>
+            </a:r>
+            <a:r>
+              <a:rPr lang="en-US" sz="1400" dirty="0" err="1">
+                <a:latin typeface="Consolas"/>
+                <a:cs typeface="Consolas"/>
+              </a:rPr>
+              <a:t>notifications_id_seq</a:t>
+            </a:r>
+            <a:r>
+              <a:rPr lang="en-US" sz="1400" dirty="0">
+                <a:latin typeface="Consolas"/>
+                <a:cs typeface="Consolas"/>
+              </a:rPr>
+              <a:t>, </a:t>
+            </a:r>
+          </a:p>
+          <a:p>
+            <a:r>
+              <a:rPr lang="en-US" sz="1400" dirty="0" smtClean="0">
+                <a:latin typeface="Consolas"/>
+                <a:cs typeface="Consolas"/>
+              </a:rPr>
+              <a:t>	</a:t>
+            </a:r>
+            <a:r>
+              <a:rPr lang="en-US" sz="1400" dirty="0" err="1" smtClean="0">
+                <a:latin typeface="Consolas"/>
+                <a:cs typeface="Consolas"/>
+              </a:rPr>
+              <a:t>projects_id_seq</a:t>
+            </a:r>
+            <a:r>
+              <a:rPr lang="en-US" sz="1400" dirty="0">
+                <a:latin typeface="Consolas"/>
+                <a:cs typeface="Consolas"/>
+              </a:rPr>
+              <a:t>, </a:t>
+            </a:r>
+            <a:r>
+              <a:rPr lang="en-US" sz="1400" dirty="0" err="1">
+                <a:latin typeface="Consolas"/>
+                <a:cs typeface="Consolas"/>
+              </a:rPr>
+              <a:t>tasks_id_seq</a:t>
+            </a:r>
+            <a:r>
+              <a:rPr lang="en-US" sz="1400" dirty="0">
+                <a:latin typeface="Consolas"/>
+                <a:cs typeface="Consolas"/>
+              </a:rPr>
+              <a:t>, </a:t>
+            </a:r>
+            <a:r>
+              <a:rPr lang="en-US" sz="1400" dirty="0" err="1">
+                <a:latin typeface="Consolas"/>
+                <a:cs typeface="Consolas"/>
+              </a:rPr>
+              <a:t>resources_id_seq</a:t>
+            </a:r>
+            <a:r>
+              <a:rPr lang="en-US" sz="1400" dirty="0">
+                <a:latin typeface="Consolas"/>
+                <a:cs typeface="Consolas"/>
+              </a:rPr>
+              <a:t>, </a:t>
+            </a:r>
+            <a:r>
+              <a:rPr lang="en-US" sz="1400" dirty="0" err="1">
+                <a:latin typeface="Consolas"/>
+                <a:cs typeface="Consolas"/>
+              </a:rPr>
+              <a:t>quotations_id_seq</a:t>
+            </a:r>
+            <a:r>
+              <a:rPr lang="en-US" sz="1400" dirty="0">
+                <a:latin typeface="Consolas"/>
+                <a:cs typeface="Consolas"/>
+              </a:rPr>
+              <a:t>, </a:t>
+            </a:r>
+            <a:r>
+              <a:rPr lang="en-US" sz="1400" dirty="0" smtClean="0">
+                <a:latin typeface="Consolas"/>
+                <a:cs typeface="Consolas"/>
+              </a:rPr>
+              <a:t>	</a:t>
+            </a:r>
+            <a:r>
+              <a:rPr lang="en-US" sz="1400" dirty="0" err="1" smtClean="0">
+                <a:latin typeface="Consolas"/>
+                <a:cs typeface="Consolas"/>
+              </a:rPr>
+              <a:t>notes_id_seq</a:t>
+            </a:r>
+            <a:r>
+              <a:rPr lang="en-US" sz="1400" dirty="0">
+                <a:latin typeface="Consolas"/>
+                <a:cs typeface="Consolas"/>
+              </a:rPr>
+              <a:t>, </a:t>
+            </a:r>
+            <a:r>
+              <a:rPr lang="en-US" sz="1400" dirty="0" err="1">
+                <a:latin typeface="Consolas"/>
+                <a:cs typeface="Consolas"/>
+              </a:rPr>
+              <a:t>authors_id_seq</a:t>
+            </a:r>
+            <a:r>
+              <a:rPr lang="en-US" sz="1400" dirty="0">
+                <a:latin typeface="Consolas"/>
+                <a:cs typeface="Consolas"/>
+              </a:rPr>
+              <a:t> TO professors;</a:t>
+            </a:r>
+            <a:endParaRPr lang="en-US" sz="1400" dirty="0" smtClean="0">
+              <a:latin typeface="Consolas"/>
+              <a:cs typeface="Consolas"/>
+            </a:endParaRPr>
+          </a:p>
+        </p:txBody>
+      </p:sp>
+    </p:spTree>
+    <p:extLst>
+      <p:ext uri="{BB962C8B-B14F-4D97-AF65-F5344CB8AC3E}">
+        <p14:creationId xmlns:p14="http://schemas.microsoft.com/office/powerpoint/2010/main" val="3828498779"/>
+      </p:ext>
+    </p:extLst>
+  </p:cSld>
+  <p:clrMapOvr>
+    <a:masterClrMapping/>
+  </p:clrMapOvr>
+  <p:timing>
+    <p:tnLst>
+      <p:par>
+        <p:cTn xmlns:p14="http://schemas.microsoft.com/office/powerpoint/2010/main" id="1" dur="indefinite" restart="never" nodeType="tmRoot"/>
+      </p:par>
+    </p:tnLst>
+  </p:timing>
+</p:sld>
+</file>
+
+<file path=ppt/slides/slide13.xml><?xml version="1.0" encoding="utf-8"?>
+<p:sld xmlns:a="http://schemas.openxmlformats.org/drawingml/2006/main" xmlns:r="http://schemas.openxmlformats.org/officeDocument/2006/relationships" xmlns:p="http://schemas.openxmlformats.org/presentationml/2006/main">
+  <p:cSld>
+    <p:spTree>
+      <p:nvGrpSpPr>
+        <p:cNvPr id="1" name=""/>
+        <p:cNvGrpSpPr/>
+        <p:nvPr/>
+      </p:nvGrpSpPr>
+      <p:grpSpPr>
+        <a:xfrm>
+          <a:off x="0" y="0"/>
+          <a:ext cx="0" cy="0"/>
+          <a:chOff x="0" y="0"/>
+          <a:chExt cx="0" cy="0"/>
+        </a:xfrm>
+      </p:grpSpPr>
+      <p:sp>
+        <p:nvSpPr>
+          <p:cNvPr id="2" name="Title 1"/>
+          <p:cNvSpPr>
+            <a:spLocks noGrp="1"/>
+          </p:cNvSpPr>
+          <p:nvPr>
+            <p:ph type="title"/>
+          </p:nvPr>
+        </p:nvSpPr>
+        <p:spPr/>
+        <p:txBody>
+          <a:bodyPr/>
+          <a:lstStyle/>
+          <a:p>
+            <a:r>
+              <a:rPr lang="en-US" dirty="0" err="1" smtClean="0"/>
+              <a:t>Alteraç</a:t>
+            </a:r>
+            <a:r>
+              <a:rPr lang="en-US" dirty="0" err="1" smtClean="0"/>
+              <a:t>ões</a:t>
+            </a:r>
+            <a:r>
+              <a:rPr lang="en-US" dirty="0" smtClean="0"/>
+              <a:t> </a:t>
+            </a:r>
+            <a:r>
+              <a:rPr lang="en-US" dirty="0" err="1" smtClean="0"/>
+              <a:t>na</a:t>
+            </a:r>
+            <a:r>
+              <a:rPr lang="en-US" dirty="0" smtClean="0"/>
+              <a:t> </a:t>
+            </a:r>
+            <a:r>
+              <a:rPr lang="en-US" dirty="0" err="1" smtClean="0"/>
+              <a:t>aplicação</a:t>
+            </a:r>
+            <a:endParaRPr lang="en-US" dirty="0"/>
+          </a:p>
+        </p:txBody>
+      </p:sp>
+      <p:sp>
+        <p:nvSpPr>
+          <p:cNvPr id="3" name="Content Placeholder 2"/>
+          <p:cNvSpPr>
+            <a:spLocks noGrp="1"/>
+          </p:cNvSpPr>
+          <p:nvPr>
+            <p:ph idx="1"/>
+          </p:nvPr>
+        </p:nvSpPr>
+        <p:spPr/>
+        <p:txBody>
+          <a:bodyPr/>
+          <a:lstStyle/>
+          <a:p>
+            <a:r>
+              <a:rPr lang="en-US" dirty="0" err="1" smtClean="0"/>
+              <a:t>Implementaç</a:t>
+            </a:r>
+            <a:r>
+              <a:rPr lang="en-US" dirty="0" err="1" smtClean="0"/>
+              <a:t>ão</a:t>
+            </a:r>
+            <a:r>
+              <a:rPr lang="en-US" dirty="0" smtClean="0"/>
+              <a:t> de um </a:t>
+            </a:r>
+            <a:r>
+              <a:rPr lang="en-US" dirty="0" err="1" smtClean="0"/>
+              <a:t>filtro</a:t>
+            </a:r>
+            <a:r>
+              <a:rPr lang="en-US" dirty="0" smtClean="0"/>
+              <a:t>;</a:t>
+            </a:r>
+            <a:endParaRPr lang="en-US" dirty="0" smtClean="0"/>
+          </a:p>
+          <a:p>
+            <a:pPr lvl="1"/>
+            <a:endParaRPr lang="en-US" dirty="0"/>
+          </a:p>
+        </p:txBody>
+      </p:sp>
+      <p:sp>
+        <p:nvSpPr>
+          <p:cNvPr id="4" name="Rectangle 3"/>
+          <p:cNvSpPr/>
+          <p:nvPr/>
+        </p:nvSpPr>
+        <p:spPr>
+          <a:xfrm>
+            <a:off x="551280" y="2526803"/>
+            <a:ext cx="8041440" cy="3978094"/>
+          </a:xfrm>
+          <a:prstGeom prst="rect">
+            <a:avLst/>
+          </a:prstGeom>
+          <a:solidFill>
+            <a:schemeClr val="tx1">
+              <a:lumMod val="75000"/>
+              <a:lumOff val="25000"/>
+            </a:schemeClr>
+          </a:solidFill>
+          <a:ln>
+            <a:solidFill>
+              <a:srgbClr val="A63212"/>
+            </a:solidFill>
+          </a:ln>
+        </p:spPr>
+        <p:style>
+          <a:lnRef idx="1">
+            <a:schemeClr val="dk1"/>
+          </a:lnRef>
+          <a:fillRef idx="3">
+            <a:schemeClr val="dk1"/>
+          </a:fillRef>
+          <a:effectRef idx="2">
+            <a:schemeClr val="dk1"/>
+          </a:effectRef>
+          <a:fontRef idx="minor">
+            <a:schemeClr val="lt1"/>
+          </a:fontRef>
+        </p:style>
+        <p:txBody>
+          <a:bodyPr rtlCol="0" anchor="ctr"/>
+          <a:lstStyle/>
+          <a:p>
+            <a:r>
+              <a:rPr lang="en-US" dirty="0" smtClean="0">
+                <a:solidFill>
+                  <a:schemeClr val="accent2"/>
+                </a:solidFill>
+                <a:latin typeface="Consolas"/>
+                <a:cs typeface="Consolas"/>
+              </a:rPr>
+              <a:t>class</a:t>
+            </a:r>
+            <a:r>
+              <a:rPr lang="en-US" dirty="0" smtClean="0">
+                <a:solidFill>
+                  <a:schemeClr val="accent1">
+                    <a:lumMod val="60000"/>
+                    <a:lumOff val="40000"/>
+                  </a:schemeClr>
+                </a:solidFill>
+                <a:latin typeface="Consolas"/>
+                <a:cs typeface="Consolas"/>
+              </a:rPr>
+              <a:t> </a:t>
+            </a:r>
+            <a:r>
+              <a:rPr lang="en-US" dirty="0" err="1" smtClean="0">
+                <a:solidFill>
+                  <a:schemeClr val="bg1"/>
+                </a:solidFill>
+                <a:latin typeface="Consolas"/>
+                <a:cs typeface="Consolas"/>
+              </a:rPr>
+              <a:t>ApplicationController</a:t>
+            </a:r>
+            <a:r>
+              <a:rPr lang="en-US" dirty="0" smtClean="0">
+                <a:solidFill>
+                  <a:schemeClr val="bg1"/>
+                </a:solidFill>
+                <a:latin typeface="Consolas"/>
+                <a:cs typeface="Consolas"/>
+              </a:rPr>
+              <a:t> &lt; </a:t>
+            </a:r>
+            <a:r>
+              <a:rPr lang="en-US" dirty="0" err="1" smtClean="0">
+                <a:solidFill>
+                  <a:schemeClr val="bg1"/>
+                </a:solidFill>
+                <a:latin typeface="Consolas"/>
+                <a:cs typeface="Consolas"/>
+              </a:rPr>
+              <a:t>ActionController</a:t>
+            </a:r>
+            <a:r>
+              <a:rPr lang="en-US" dirty="0" smtClean="0">
+                <a:solidFill>
+                  <a:schemeClr val="bg1"/>
+                </a:solidFill>
+                <a:latin typeface="Consolas"/>
+                <a:cs typeface="Consolas"/>
+              </a:rPr>
+              <a:t>::Base</a:t>
+            </a:r>
+          </a:p>
+          <a:p>
+            <a:r>
+              <a:rPr lang="en-US" dirty="0" smtClean="0">
+                <a:solidFill>
+                  <a:schemeClr val="accent1">
+                    <a:lumMod val="60000"/>
+                    <a:lumOff val="40000"/>
+                  </a:schemeClr>
+                </a:solidFill>
+                <a:latin typeface="Consolas"/>
+                <a:cs typeface="Consolas"/>
+              </a:rPr>
+              <a:t>  </a:t>
+            </a:r>
+            <a:r>
+              <a:rPr lang="en-US" dirty="0" err="1" smtClean="0">
+                <a:solidFill>
+                  <a:schemeClr val="accent1">
+                    <a:lumMod val="60000"/>
+                    <a:lumOff val="40000"/>
+                  </a:schemeClr>
+                </a:solidFill>
+                <a:latin typeface="Consolas"/>
+                <a:cs typeface="Consolas"/>
+              </a:rPr>
+              <a:t>before_filter</a:t>
+            </a:r>
+            <a:r>
+              <a:rPr lang="en-US" dirty="0" smtClean="0">
+                <a:latin typeface="Consolas"/>
+                <a:cs typeface="Consolas"/>
+              </a:rPr>
+              <a:t> </a:t>
+            </a:r>
+            <a:r>
+              <a:rPr lang="en-US" dirty="0">
+                <a:solidFill>
+                  <a:schemeClr val="accent4">
+                    <a:lumMod val="60000"/>
+                    <a:lumOff val="40000"/>
+                  </a:schemeClr>
+                </a:solidFill>
+                <a:latin typeface="Consolas"/>
+                <a:cs typeface="Consolas"/>
+              </a:rPr>
+              <a:t>:</a:t>
+            </a:r>
+            <a:r>
+              <a:rPr lang="en-US" dirty="0" err="1" smtClean="0">
+                <a:solidFill>
+                  <a:schemeClr val="accent4">
+                    <a:lumMod val="60000"/>
+                    <a:lumOff val="40000"/>
+                  </a:schemeClr>
+                </a:solidFill>
+                <a:latin typeface="Consolas"/>
+                <a:cs typeface="Consolas"/>
+              </a:rPr>
+              <a:t>change_db_connection</a:t>
+            </a:r>
+            <a:endParaRPr lang="en-US" dirty="0" smtClean="0">
+              <a:solidFill>
+                <a:schemeClr val="accent4">
+                  <a:lumMod val="60000"/>
+                  <a:lumOff val="40000"/>
+                </a:schemeClr>
+              </a:solidFill>
+              <a:latin typeface="Consolas"/>
+              <a:cs typeface="Consolas"/>
+            </a:endParaRPr>
+          </a:p>
+          <a:p>
+            <a:r>
+              <a:rPr lang="en-US" dirty="0" smtClean="0">
+                <a:solidFill>
+                  <a:schemeClr val="accent4">
+                    <a:lumMod val="60000"/>
+                    <a:lumOff val="40000"/>
+                  </a:schemeClr>
+                </a:solidFill>
+                <a:latin typeface="Consolas"/>
+                <a:cs typeface="Consolas"/>
+              </a:rPr>
+              <a:t>  </a:t>
+            </a:r>
+            <a:r>
+              <a:rPr lang="en-US" dirty="0" smtClean="0">
+                <a:solidFill>
+                  <a:schemeClr val="bg1"/>
+                </a:solidFill>
+                <a:latin typeface="Consolas"/>
+                <a:cs typeface="Consolas"/>
+              </a:rPr>
+              <a:t>...</a:t>
+            </a:r>
+          </a:p>
+          <a:p>
+            <a:r>
+              <a:rPr lang="en-US" dirty="0" smtClean="0">
+                <a:solidFill>
+                  <a:schemeClr val="accent4">
+                    <a:lumMod val="60000"/>
+                    <a:lumOff val="40000"/>
+                  </a:schemeClr>
+                </a:solidFill>
+                <a:latin typeface="Consolas"/>
+                <a:cs typeface="Consolas"/>
+              </a:rPr>
+              <a:t>  </a:t>
+            </a:r>
+            <a:r>
+              <a:rPr lang="en-US" dirty="0" err="1" smtClean="0">
+                <a:solidFill>
+                  <a:srgbClr val="E68230"/>
+                </a:solidFill>
+                <a:latin typeface="Consolas"/>
+                <a:cs typeface="Consolas"/>
+              </a:rPr>
+              <a:t>def</a:t>
+            </a:r>
+            <a:r>
+              <a:rPr lang="en-US" dirty="0" smtClean="0">
+                <a:solidFill>
+                  <a:srgbClr val="E68230"/>
+                </a:solidFill>
+                <a:latin typeface="Consolas"/>
+                <a:cs typeface="Consolas"/>
+              </a:rPr>
+              <a:t> </a:t>
+            </a:r>
+            <a:r>
+              <a:rPr lang="en-US" dirty="0" err="1" smtClean="0">
+                <a:solidFill>
+                  <a:schemeClr val="bg1"/>
+                </a:solidFill>
+                <a:latin typeface="Consolas"/>
+                <a:cs typeface="Consolas"/>
+              </a:rPr>
+              <a:t>change_db_connection</a:t>
+            </a:r>
+            <a:endParaRPr lang="en-US" dirty="0">
+              <a:solidFill>
+                <a:schemeClr val="bg1"/>
+              </a:solidFill>
+              <a:latin typeface="Consolas"/>
+              <a:cs typeface="Consolas"/>
+            </a:endParaRPr>
+          </a:p>
+          <a:p>
+            <a:r>
+              <a:rPr lang="en-US" dirty="0">
+                <a:solidFill>
+                  <a:schemeClr val="accent4">
+                    <a:lumMod val="60000"/>
+                    <a:lumOff val="40000"/>
+                  </a:schemeClr>
+                </a:solidFill>
+                <a:latin typeface="Consolas"/>
+                <a:cs typeface="Consolas"/>
+              </a:rPr>
+              <a:t> </a:t>
+            </a:r>
+            <a:r>
+              <a:rPr lang="en-US" dirty="0" smtClean="0">
+                <a:solidFill>
+                  <a:schemeClr val="accent4">
+                    <a:lumMod val="60000"/>
+                    <a:lumOff val="40000"/>
+                  </a:schemeClr>
+                </a:solidFill>
+                <a:latin typeface="Consolas"/>
+                <a:cs typeface="Consolas"/>
+              </a:rPr>
+              <a:t>   </a:t>
+            </a:r>
+            <a:r>
+              <a:rPr lang="en-US" dirty="0" err="1" smtClean="0">
+                <a:solidFill>
+                  <a:srgbClr val="FFFFFF"/>
+                </a:solidFill>
+                <a:latin typeface="Consolas"/>
+                <a:cs typeface="Consolas"/>
+              </a:rPr>
+              <a:t>db_connect</a:t>
+            </a:r>
+            <a:endParaRPr lang="en-US" dirty="0">
+              <a:solidFill>
+                <a:srgbClr val="FFFFFF"/>
+              </a:solidFill>
+              <a:latin typeface="Consolas"/>
+              <a:cs typeface="Consolas"/>
+            </a:endParaRPr>
+          </a:p>
+          <a:p>
+            <a:r>
+              <a:rPr lang="en-US" dirty="0">
+                <a:solidFill>
+                  <a:schemeClr val="accent4">
+                    <a:lumMod val="60000"/>
+                    <a:lumOff val="40000"/>
+                  </a:schemeClr>
+                </a:solidFill>
+                <a:latin typeface="Consolas"/>
+                <a:cs typeface="Consolas"/>
+              </a:rPr>
+              <a:t>    </a:t>
+            </a:r>
+            <a:r>
+              <a:rPr lang="en-US" dirty="0">
+                <a:solidFill>
+                  <a:srgbClr val="E68230"/>
+                </a:solidFill>
+                <a:latin typeface="Consolas"/>
+                <a:cs typeface="Consolas"/>
+              </a:rPr>
+              <a:t>if</a:t>
+            </a:r>
+            <a:r>
+              <a:rPr lang="en-US" dirty="0">
+                <a:solidFill>
+                  <a:schemeClr val="accent4">
+                    <a:lumMod val="60000"/>
+                    <a:lumOff val="40000"/>
+                  </a:schemeClr>
+                </a:solidFill>
+                <a:latin typeface="Consolas"/>
+                <a:cs typeface="Consolas"/>
+              </a:rPr>
+              <a:t> </a:t>
+            </a:r>
+            <a:r>
+              <a:rPr lang="en-US" dirty="0" err="1">
+                <a:solidFill>
+                  <a:srgbClr val="FFFFFF"/>
+                </a:solidFill>
+                <a:latin typeface="Consolas"/>
+                <a:cs typeface="Consolas"/>
+              </a:rPr>
+              <a:t>current_user</a:t>
+            </a:r>
+            <a:endParaRPr lang="en-US" dirty="0">
+              <a:solidFill>
+                <a:srgbClr val="FFFFFF"/>
+              </a:solidFill>
+              <a:latin typeface="Consolas"/>
+              <a:cs typeface="Consolas"/>
+            </a:endParaRPr>
+          </a:p>
+          <a:p>
+            <a:r>
+              <a:rPr lang="en-US" dirty="0">
+                <a:solidFill>
+                  <a:schemeClr val="accent4">
+                    <a:lumMod val="60000"/>
+                    <a:lumOff val="40000"/>
+                  </a:schemeClr>
+                </a:solidFill>
+                <a:latin typeface="Consolas"/>
+                <a:cs typeface="Consolas"/>
+              </a:rPr>
+              <a:t>      </a:t>
+            </a:r>
+            <a:r>
+              <a:rPr lang="en-US" dirty="0" err="1">
+                <a:solidFill>
+                  <a:srgbClr val="FFFFFF"/>
+                </a:solidFill>
+                <a:latin typeface="Consolas"/>
+                <a:cs typeface="Consolas"/>
+              </a:rPr>
+              <a:t>db_connect</a:t>
+            </a:r>
+            <a:r>
+              <a:rPr lang="en-US" dirty="0">
+                <a:solidFill>
+                  <a:srgbClr val="FFFFFF"/>
+                </a:solidFill>
+                <a:latin typeface="Consolas"/>
+                <a:cs typeface="Consolas"/>
+              </a:rPr>
+              <a:t> </a:t>
+            </a:r>
+            <a:r>
+              <a:rPr lang="en-US" dirty="0">
+                <a:solidFill>
+                  <a:schemeClr val="accent4">
+                    <a:lumMod val="60000"/>
+                    <a:lumOff val="40000"/>
+                  </a:schemeClr>
+                </a:solidFill>
+                <a:latin typeface="Consolas"/>
+                <a:cs typeface="Consolas"/>
+              </a:rPr>
+              <a:t>username: </a:t>
+            </a:r>
+            <a:r>
+              <a:rPr lang="en-US" dirty="0" err="1">
+                <a:solidFill>
+                  <a:srgbClr val="FFFFFF"/>
+                </a:solidFill>
+                <a:latin typeface="Consolas"/>
+                <a:cs typeface="Consolas"/>
+              </a:rPr>
+              <a:t>current_user.db_username</a:t>
+            </a:r>
+            <a:r>
+              <a:rPr lang="en-US" dirty="0">
+                <a:solidFill>
+                  <a:srgbClr val="FFFFFF"/>
+                </a:solidFill>
+                <a:latin typeface="Consolas"/>
+                <a:cs typeface="Consolas"/>
+              </a:rPr>
+              <a:t>, </a:t>
+            </a:r>
+            <a:endParaRPr lang="en-US" dirty="0" smtClean="0">
+              <a:solidFill>
+                <a:srgbClr val="FFFFFF"/>
+              </a:solidFill>
+              <a:latin typeface="Consolas"/>
+              <a:cs typeface="Consolas"/>
+            </a:endParaRPr>
+          </a:p>
+          <a:p>
+            <a:r>
+              <a:rPr lang="en-US" dirty="0">
+                <a:solidFill>
+                  <a:srgbClr val="FFFFFF"/>
+                </a:solidFill>
+                <a:latin typeface="Consolas"/>
+                <a:cs typeface="Consolas"/>
+              </a:rPr>
+              <a:t> </a:t>
+            </a:r>
+            <a:r>
+              <a:rPr lang="en-US" dirty="0" smtClean="0">
+                <a:solidFill>
+                  <a:srgbClr val="FFFFFF"/>
+                </a:solidFill>
+                <a:latin typeface="Consolas"/>
+                <a:cs typeface="Consolas"/>
+              </a:rPr>
+              <a:t>                </a:t>
+            </a:r>
+            <a:r>
+              <a:rPr lang="en-US" dirty="0" smtClean="0">
+                <a:solidFill>
+                  <a:schemeClr val="accent4">
+                    <a:lumMod val="60000"/>
+                    <a:lumOff val="40000"/>
+                  </a:schemeClr>
+                </a:solidFill>
+                <a:latin typeface="Consolas"/>
+                <a:cs typeface="Consolas"/>
+              </a:rPr>
+              <a:t>password</a:t>
+            </a:r>
+            <a:r>
+              <a:rPr lang="en-US" dirty="0">
+                <a:solidFill>
+                  <a:schemeClr val="accent4">
+                    <a:lumMod val="60000"/>
+                    <a:lumOff val="40000"/>
+                  </a:schemeClr>
+                </a:solidFill>
+                <a:latin typeface="Consolas"/>
+                <a:cs typeface="Consolas"/>
+              </a:rPr>
+              <a:t>: </a:t>
+            </a:r>
+            <a:r>
+              <a:rPr lang="en-US" dirty="0" err="1">
+                <a:solidFill>
+                  <a:srgbClr val="FFFFFF"/>
+                </a:solidFill>
+                <a:latin typeface="Consolas"/>
+                <a:cs typeface="Consolas"/>
+              </a:rPr>
+              <a:t>current_user.encrypted_password</a:t>
+            </a:r>
+            <a:endParaRPr lang="en-US" dirty="0">
+              <a:solidFill>
+                <a:srgbClr val="FFFFFF"/>
+              </a:solidFill>
+              <a:latin typeface="Consolas"/>
+              <a:cs typeface="Consolas"/>
+            </a:endParaRPr>
+          </a:p>
+          <a:p>
+            <a:r>
+              <a:rPr lang="en-US" dirty="0">
+                <a:solidFill>
+                  <a:schemeClr val="accent4">
+                    <a:lumMod val="60000"/>
+                    <a:lumOff val="40000"/>
+                  </a:schemeClr>
+                </a:solidFill>
+                <a:latin typeface="Consolas"/>
+                <a:cs typeface="Consolas"/>
+              </a:rPr>
+              <a:t>    </a:t>
+            </a:r>
+            <a:r>
+              <a:rPr lang="en-US" dirty="0">
+                <a:solidFill>
+                  <a:srgbClr val="E68230"/>
+                </a:solidFill>
+                <a:latin typeface="Consolas"/>
+                <a:cs typeface="Consolas"/>
+              </a:rPr>
+              <a:t>else</a:t>
+            </a:r>
+          </a:p>
+          <a:p>
+            <a:r>
+              <a:rPr lang="en-US" dirty="0">
+                <a:solidFill>
+                  <a:schemeClr val="accent4">
+                    <a:lumMod val="60000"/>
+                    <a:lumOff val="40000"/>
+                  </a:schemeClr>
+                </a:solidFill>
+                <a:latin typeface="Consolas"/>
+                <a:cs typeface="Consolas"/>
+              </a:rPr>
+              <a:t>      </a:t>
+            </a:r>
+            <a:r>
+              <a:rPr lang="en-US" dirty="0" err="1">
+                <a:solidFill>
+                  <a:srgbClr val="FFFFFF"/>
+                </a:solidFill>
+                <a:latin typeface="Consolas"/>
+                <a:cs typeface="Consolas"/>
+              </a:rPr>
+              <a:t>db_connect</a:t>
+            </a:r>
+            <a:r>
+              <a:rPr lang="en-US" dirty="0">
+                <a:solidFill>
+                  <a:srgbClr val="FFFFFF"/>
+                </a:solidFill>
+                <a:latin typeface="Consolas"/>
+                <a:cs typeface="Consolas"/>
+              </a:rPr>
+              <a:t> </a:t>
+            </a:r>
+            <a:r>
+              <a:rPr lang="en-US" dirty="0">
+                <a:solidFill>
+                  <a:schemeClr val="accent4">
+                    <a:lumMod val="60000"/>
+                    <a:lumOff val="40000"/>
+                  </a:schemeClr>
+                </a:solidFill>
+                <a:latin typeface="Consolas"/>
+                <a:cs typeface="Consolas"/>
+              </a:rPr>
+              <a:t>username: </a:t>
+            </a:r>
+            <a:r>
+              <a:rPr lang="en-US" dirty="0">
+                <a:solidFill>
+                  <a:schemeClr val="accent3"/>
+                </a:solidFill>
+                <a:latin typeface="Consolas"/>
+                <a:cs typeface="Consolas"/>
+              </a:rPr>
+              <a:t>"guests"</a:t>
+            </a:r>
+          </a:p>
+          <a:p>
+            <a:r>
+              <a:rPr lang="en-US" dirty="0">
+                <a:solidFill>
+                  <a:schemeClr val="accent4">
+                    <a:lumMod val="60000"/>
+                    <a:lumOff val="40000"/>
+                  </a:schemeClr>
+                </a:solidFill>
+                <a:latin typeface="Consolas"/>
+                <a:cs typeface="Consolas"/>
+              </a:rPr>
+              <a:t>    </a:t>
+            </a:r>
+            <a:r>
+              <a:rPr lang="en-US" dirty="0" smtClean="0">
+                <a:solidFill>
+                  <a:srgbClr val="E68230"/>
+                </a:solidFill>
+                <a:latin typeface="Consolas"/>
+                <a:cs typeface="Consolas"/>
+              </a:rPr>
+              <a:t>end</a:t>
+            </a:r>
+          </a:p>
+          <a:p>
+            <a:r>
+              <a:rPr lang="en-US" dirty="0">
+                <a:solidFill>
+                  <a:schemeClr val="accent4">
+                    <a:lumMod val="60000"/>
+                    <a:lumOff val="40000"/>
+                  </a:schemeClr>
+                </a:solidFill>
+                <a:latin typeface="Consolas"/>
+                <a:cs typeface="Consolas"/>
+              </a:rPr>
+              <a:t> </a:t>
+            </a:r>
+            <a:r>
+              <a:rPr lang="en-US" dirty="0" smtClean="0">
+                <a:solidFill>
+                  <a:schemeClr val="accent4">
+                    <a:lumMod val="60000"/>
+                    <a:lumOff val="40000"/>
+                  </a:schemeClr>
+                </a:solidFill>
+                <a:latin typeface="Consolas"/>
+                <a:cs typeface="Consolas"/>
+              </a:rPr>
+              <a:t> </a:t>
+            </a:r>
+            <a:r>
+              <a:rPr lang="en-US" dirty="0" smtClean="0">
+                <a:solidFill>
+                  <a:srgbClr val="E68230"/>
+                </a:solidFill>
+                <a:latin typeface="Consolas"/>
+                <a:cs typeface="Consolas"/>
+              </a:rPr>
+              <a:t>end</a:t>
+            </a:r>
+          </a:p>
+          <a:p>
+            <a:r>
+              <a:rPr lang="en-US" dirty="0" smtClean="0">
+                <a:solidFill>
+                  <a:srgbClr val="E68230"/>
+                </a:solidFill>
+                <a:latin typeface="Consolas"/>
+                <a:cs typeface="Consolas"/>
+              </a:rPr>
+              <a:t>end</a:t>
+            </a:r>
+            <a:endParaRPr lang="en-US" dirty="0">
+              <a:solidFill>
+                <a:srgbClr val="E68230"/>
+              </a:solidFill>
+              <a:latin typeface="Consolas"/>
+              <a:cs typeface="Consolas"/>
+            </a:endParaRPr>
+          </a:p>
+        </p:txBody>
+      </p:sp>
+    </p:spTree>
+    <p:extLst>
+      <p:ext uri="{BB962C8B-B14F-4D97-AF65-F5344CB8AC3E}">
+        <p14:creationId xmlns:p14="http://schemas.microsoft.com/office/powerpoint/2010/main" val="1873901329"/>
+      </p:ext>
+    </p:extLst>
+  </p:cSld>
+  <p:clrMapOvr>
+    <a:masterClrMapping/>
+  </p:clrMapOvr>
+  <p:timing>
+    <p:tnLst>
+      <p:par>
+        <p:cTn xmlns:p14="http://schemas.microsoft.com/office/powerpoint/2010/main" id="1" dur="indefinite" restart="never" nodeType="tmRoot"/>
+      </p:par>
+    </p:tnLst>
+  </p:timing>
+</p:sld>
+</file>
+
+<file path=ppt/slides/slide14.xml><?xml version="1.0" encoding="utf-8"?>
+<p:sld xmlns:a="http://schemas.openxmlformats.org/drawingml/2006/main" xmlns:r="http://schemas.openxmlformats.org/officeDocument/2006/relationships" xmlns:p="http://schemas.openxmlformats.org/presentationml/2006/main">
+  <p:cSld>
+    <p:spTree>
+      <p:nvGrpSpPr>
+        <p:cNvPr id="1" name=""/>
+        <p:cNvGrpSpPr/>
+        <p:nvPr/>
+      </p:nvGrpSpPr>
+      <p:grpSpPr>
+        <a:xfrm>
+          <a:off x="0" y="0"/>
+          <a:ext cx="0" cy="0"/>
+          <a:chOff x="0" y="0"/>
+          <a:chExt cx="0" cy="0"/>
+        </a:xfrm>
+      </p:grpSpPr>
+      <p:sp>
+        <p:nvSpPr>
+          <p:cNvPr id="2" name="Title 1"/>
+          <p:cNvSpPr>
+            <a:spLocks noGrp="1"/>
+          </p:cNvSpPr>
+          <p:nvPr>
+            <p:ph type="title"/>
+          </p:nvPr>
+        </p:nvSpPr>
+        <p:spPr/>
+        <p:txBody>
+          <a:bodyPr/>
+          <a:lstStyle/>
+          <a:p>
+            <a:r>
+              <a:rPr lang="en-US" dirty="0" err="1" smtClean="0"/>
+              <a:t>Implementação</a:t>
+            </a:r>
+            <a:r>
+              <a:rPr lang="en-US" dirty="0" smtClean="0"/>
+              <a:t> de indexes</a:t>
+            </a:r>
+            <a:endParaRPr lang="en-US" dirty="0"/>
+          </a:p>
+        </p:txBody>
+      </p:sp>
+      <p:sp>
+        <p:nvSpPr>
+          <p:cNvPr id="3" name="Content Placeholder 2"/>
+          <p:cNvSpPr>
+            <a:spLocks noGrp="1"/>
+          </p:cNvSpPr>
+          <p:nvPr>
+            <p:ph idx="1"/>
+          </p:nvPr>
+        </p:nvSpPr>
+        <p:spPr/>
+        <p:txBody>
+          <a:bodyPr/>
+          <a:lstStyle/>
+          <a:p>
+            <a:r>
+              <a:rPr lang="en-US" dirty="0" smtClean="0"/>
+              <a:t>Na migration </a:t>
+            </a:r>
+            <a:r>
+              <a:rPr lang="en-US" dirty="0" err="1" smtClean="0"/>
+              <a:t>é</a:t>
+            </a:r>
+            <a:r>
+              <a:rPr lang="en-US" dirty="0" smtClean="0"/>
+              <a:t> </a:t>
+            </a:r>
+            <a:r>
+              <a:rPr lang="en-US" dirty="0" err="1" smtClean="0"/>
+              <a:t>utilizado</a:t>
+            </a:r>
+            <a:r>
+              <a:rPr lang="en-US" dirty="0" smtClean="0"/>
+              <a:t> o </a:t>
+            </a:r>
+            <a:r>
+              <a:rPr lang="en-US" dirty="0" err="1" smtClean="0"/>
+              <a:t>seguinte</a:t>
+            </a:r>
+            <a:r>
+              <a:rPr lang="en-US" dirty="0" smtClean="0"/>
+              <a:t> </a:t>
+            </a:r>
+            <a:r>
+              <a:rPr lang="en-US" dirty="0" err="1" smtClean="0"/>
+              <a:t>comando</a:t>
+            </a:r>
+            <a:r>
+              <a:rPr lang="en-US" dirty="0" smtClean="0"/>
+              <a:t>:</a:t>
+            </a:r>
+          </a:p>
+          <a:p>
+            <a:endParaRPr lang="en-US" dirty="0"/>
+          </a:p>
+          <a:p>
+            <a:endParaRPr lang="en-US" dirty="0" smtClean="0"/>
+          </a:p>
+          <a:p>
+            <a:r>
+              <a:rPr lang="en-US" dirty="0" smtClean="0"/>
+              <a:t>Para </a:t>
+            </a:r>
+            <a:r>
+              <a:rPr lang="en-US" dirty="0" err="1" smtClean="0"/>
+              <a:t>índices</a:t>
+            </a:r>
+            <a:r>
+              <a:rPr lang="en-US" dirty="0" smtClean="0"/>
+              <a:t> </a:t>
+            </a:r>
+            <a:r>
+              <a:rPr lang="en-US" dirty="0" err="1" smtClean="0"/>
+              <a:t>únicos</a:t>
+            </a:r>
+            <a:r>
+              <a:rPr lang="en-US" dirty="0" smtClean="0"/>
+              <a:t>:</a:t>
+            </a:r>
+          </a:p>
+          <a:p>
+            <a:endParaRPr lang="en-US" dirty="0"/>
+          </a:p>
+          <a:p>
+            <a:endParaRPr lang="en-US" dirty="0" smtClean="0"/>
+          </a:p>
+          <a:p>
+            <a:r>
+              <a:rPr lang="en-US" dirty="0" smtClean="0"/>
+              <a:t>Ex.:</a:t>
+            </a:r>
+            <a:endParaRPr lang="en-US" dirty="0"/>
+          </a:p>
+        </p:txBody>
+      </p:sp>
+      <p:sp>
+        <p:nvSpPr>
+          <p:cNvPr id="4" name="Rectangle 3"/>
+          <p:cNvSpPr/>
+          <p:nvPr/>
+        </p:nvSpPr>
+        <p:spPr>
+          <a:xfrm>
+            <a:off x="551280" y="2682296"/>
+            <a:ext cx="8041440" cy="557193"/>
+          </a:xfrm>
+          <a:prstGeom prst="rect">
+            <a:avLst/>
+          </a:prstGeom>
+          <a:solidFill>
+            <a:schemeClr val="tx1">
+              <a:lumMod val="85000"/>
+              <a:lumOff val="15000"/>
+            </a:schemeClr>
+          </a:solidFill>
+          <a:ln>
+            <a:solidFill>
+              <a:schemeClr val="tx1">
+                <a:lumMod val="85000"/>
+                <a:lumOff val="15000"/>
+              </a:schemeClr>
+            </a:solidFill>
+          </a:ln>
+        </p:spPr>
+        <p:style>
+          <a:lnRef idx="1">
+            <a:schemeClr val="dk1"/>
+          </a:lnRef>
+          <a:fillRef idx="3">
+            <a:schemeClr val="dk1"/>
+          </a:fillRef>
+          <a:effectRef idx="2">
+            <a:schemeClr val="dk1"/>
+          </a:effectRef>
+          <a:fontRef idx="minor">
+            <a:schemeClr val="lt1"/>
+          </a:fontRef>
+        </p:style>
+        <p:txBody>
+          <a:bodyPr rtlCol="0" anchor="ctr"/>
+          <a:lstStyle/>
+          <a:p>
+            <a:r>
+              <a:rPr lang="en-US" dirty="0" err="1" smtClean="0">
+                <a:latin typeface="Consolas"/>
+                <a:cs typeface="Consolas"/>
+              </a:rPr>
+              <a:t>add_index</a:t>
+            </a:r>
+            <a:r>
+              <a:rPr lang="en-US" dirty="0" smtClean="0">
+                <a:latin typeface="Consolas"/>
+                <a:cs typeface="Consolas"/>
+              </a:rPr>
+              <a:t> :table, :column</a:t>
+            </a:r>
+            <a:endParaRPr lang="en-US" dirty="0">
+              <a:latin typeface="Consolas"/>
+              <a:cs typeface="Consolas"/>
+            </a:endParaRPr>
+          </a:p>
+        </p:txBody>
+      </p:sp>
+      <p:sp>
+        <p:nvSpPr>
+          <p:cNvPr id="5" name="Rectangle 4"/>
+          <p:cNvSpPr/>
+          <p:nvPr/>
+        </p:nvSpPr>
+        <p:spPr>
+          <a:xfrm>
+            <a:off x="551280" y="3923164"/>
+            <a:ext cx="8041440" cy="557193"/>
+          </a:xfrm>
+          <a:prstGeom prst="rect">
+            <a:avLst/>
+          </a:prstGeom>
+          <a:solidFill>
+            <a:schemeClr val="tx1">
+              <a:lumMod val="85000"/>
+              <a:lumOff val="15000"/>
+            </a:schemeClr>
+          </a:solidFill>
+          <a:ln>
+            <a:solidFill>
+              <a:schemeClr val="tx1">
+                <a:lumMod val="85000"/>
+                <a:lumOff val="15000"/>
+              </a:schemeClr>
+            </a:solidFill>
+          </a:ln>
+        </p:spPr>
+        <p:style>
+          <a:lnRef idx="1">
+            <a:schemeClr val="dk1"/>
+          </a:lnRef>
+          <a:fillRef idx="3">
+            <a:schemeClr val="dk1"/>
+          </a:fillRef>
+          <a:effectRef idx="2">
+            <a:schemeClr val="dk1"/>
+          </a:effectRef>
+          <a:fontRef idx="minor">
+            <a:schemeClr val="lt1"/>
+          </a:fontRef>
+        </p:style>
+        <p:txBody>
+          <a:bodyPr rtlCol="0" anchor="ctr"/>
+          <a:lstStyle/>
+          <a:p>
+            <a:r>
+              <a:rPr lang="en-US" dirty="0" err="1" smtClean="0">
+                <a:latin typeface="Consolas"/>
+                <a:cs typeface="Consolas"/>
+              </a:rPr>
+              <a:t>add_index</a:t>
+            </a:r>
+            <a:r>
+              <a:rPr lang="en-US" dirty="0" smtClean="0">
+                <a:latin typeface="Consolas"/>
+                <a:cs typeface="Consolas"/>
+              </a:rPr>
+              <a:t> :table, :column, unique: true</a:t>
+            </a:r>
+            <a:endParaRPr lang="en-US" dirty="0">
+              <a:latin typeface="Consolas"/>
+              <a:cs typeface="Consolas"/>
+            </a:endParaRPr>
+          </a:p>
+        </p:txBody>
+      </p:sp>
+      <p:sp>
+        <p:nvSpPr>
+          <p:cNvPr id="6" name="Rectangle 5"/>
+          <p:cNvSpPr/>
+          <p:nvPr/>
+        </p:nvSpPr>
+        <p:spPr>
+          <a:xfrm>
+            <a:off x="551280" y="5254739"/>
+            <a:ext cx="8041440" cy="557193"/>
+          </a:xfrm>
+          <a:prstGeom prst="rect">
+            <a:avLst/>
+          </a:prstGeom>
+          <a:solidFill>
+            <a:schemeClr val="tx1">
+              <a:lumMod val="85000"/>
+              <a:lumOff val="15000"/>
+            </a:schemeClr>
+          </a:solidFill>
+          <a:ln>
+            <a:solidFill>
+              <a:schemeClr val="tx1">
+                <a:lumMod val="85000"/>
+                <a:lumOff val="15000"/>
+              </a:schemeClr>
+            </a:solidFill>
+          </a:ln>
+        </p:spPr>
+        <p:style>
+          <a:lnRef idx="1">
+            <a:schemeClr val="dk1"/>
+          </a:lnRef>
+          <a:fillRef idx="3">
+            <a:schemeClr val="dk1"/>
+          </a:fillRef>
+          <a:effectRef idx="2">
+            <a:schemeClr val="dk1"/>
+          </a:effectRef>
+          <a:fontRef idx="minor">
+            <a:schemeClr val="lt1"/>
+          </a:fontRef>
+        </p:style>
+        <p:txBody>
+          <a:bodyPr rtlCol="0" anchor="ctr"/>
+          <a:lstStyle/>
+          <a:p>
+            <a:r>
+              <a:rPr lang="en-US" dirty="0" err="1" smtClean="0">
+                <a:latin typeface="Consolas"/>
+                <a:cs typeface="Consolas"/>
+              </a:rPr>
+              <a:t>add_index</a:t>
+            </a:r>
+            <a:r>
+              <a:rPr lang="en-US" dirty="0" smtClean="0">
+                <a:latin typeface="Consolas"/>
+                <a:cs typeface="Consolas"/>
+              </a:rPr>
+              <a:t> :users, :email, unique: true</a:t>
+            </a:r>
+            <a:endParaRPr lang="en-US" dirty="0">
+              <a:latin typeface="Consolas"/>
+              <a:cs typeface="Consolas"/>
+            </a:endParaRPr>
+          </a:p>
+        </p:txBody>
+      </p:sp>
+    </p:spTree>
+    <p:extLst>
+      <p:ext uri="{BB962C8B-B14F-4D97-AF65-F5344CB8AC3E}">
+        <p14:creationId xmlns:p14="http://schemas.microsoft.com/office/powerpoint/2010/main" val="3445437427"/>
+      </p:ext>
+    </p:extLst>
+  </p:cSld>
+  <p:clrMapOvr>
+    <a:masterClrMapping/>
+  </p:clrMapOvr>
+  <p:timing>
+    <p:tnLst>
+      <p:par>
+        <p:cTn xmlns:p14="http://schemas.microsoft.com/office/powerpoint/2010/main" id="1" dur="indefinite" restart="never" nodeType="tmRoot"/>
+      </p:par>
+    </p:tnLst>
+  </p:timing>
+</p:sld>
+</file>
+
+<file path=ppt/slides/slide15.xml><?xml version="1.0" encoding="utf-8"?>
+<p:sld xmlns:a="http://schemas.openxmlformats.org/drawingml/2006/main" xmlns:r="http://schemas.openxmlformats.org/officeDocument/2006/relationships" xmlns:p="http://schemas.openxmlformats.org/presentationml/2006/main">
+  <p:cSld>
+    <p:spTree>
+      <p:nvGrpSpPr>
+        <p:cNvPr id="1" name=""/>
+        <p:cNvGrpSpPr/>
+        <p:nvPr/>
+      </p:nvGrpSpPr>
+      <p:grpSpPr>
+        <a:xfrm>
+          <a:off x="0" y="0"/>
+          <a:ext cx="0" cy="0"/>
+          <a:chOff x="0" y="0"/>
+          <a:chExt cx="0" cy="0"/>
+        </a:xfrm>
+      </p:grpSpPr>
+      <p:sp>
+        <p:nvSpPr>
+          <p:cNvPr id="4" name="Title 3"/>
+          <p:cNvSpPr>
+            <a:spLocks noGrp="1"/>
+          </p:cNvSpPr>
+          <p:nvPr>
+            <p:ph type="title"/>
+          </p:nvPr>
+        </p:nvSpPr>
+        <p:spPr/>
+        <p:txBody>
+          <a:bodyPr/>
+          <a:lstStyle/>
+          <a:p>
+            <a:r>
+              <a:rPr lang="en-US" dirty="0" smtClean="0"/>
+              <a:t>Optimization</a:t>
+            </a:r>
+            <a:endParaRPr lang="en-US" dirty="0"/>
+          </a:p>
+        </p:txBody>
+      </p:sp>
+      <p:sp>
+        <p:nvSpPr>
+          <p:cNvPr id="5" name="Text Placeholder 4"/>
+          <p:cNvSpPr>
+            <a:spLocks noGrp="1"/>
+          </p:cNvSpPr>
+          <p:nvPr>
+            <p:ph type="body" idx="1"/>
+          </p:nvPr>
+        </p:nvSpPr>
+        <p:spPr/>
+        <p:txBody>
+          <a:bodyPr/>
+          <a:lstStyle/>
+          <a:p>
+            <a:r>
+              <a:rPr lang="en-US" dirty="0" err="1" smtClean="0"/>
+              <a:t>Melhorando</a:t>
+            </a:r>
+            <a:r>
+              <a:rPr lang="en-US" dirty="0" smtClean="0"/>
+              <a:t> a </a:t>
+            </a:r>
+            <a:r>
+              <a:rPr lang="en-US" dirty="0" err="1" smtClean="0"/>
+              <a:t>velocidade</a:t>
+            </a:r>
+            <a:r>
+              <a:rPr lang="en-US" dirty="0" smtClean="0"/>
+              <a:t> das </a:t>
+            </a:r>
+            <a:r>
+              <a:rPr lang="en-US" dirty="0" err="1" smtClean="0"/>
+              <a:t>consultas</a:t>
+            </a:r>
+            <a:endParaRPr lang="en-US" dirty="0"/>
+          </a:p>
+        </p:txBody>
+      </p:sp>
+    </p:spTree>
+    <p:extLst>
+      <p:ext uri="{BB962C8B-B14F-4D97-AF65-F5344CB8AC3E}">
+        <p14:creationId xmlns:p14="http://schemas.microsoft.com/office/powerpoint/2010/main" val="1960053597"/>
+      </p:ext>
+    </p:extLst>
+  </p:cSld>
+  <p:clrMapOvr>
+    <a:masterClrMapping/>
+  </p:clrMapOvr>
+  <p:timing>
+    <p:tnLst>
+      <p:par>
+        <p:cTn xmlns:p14="http://schemas.microsoft.com/office/powerpoint/2010/main" id="1" dur="indefinite" restart="never" nodeType="tmRoot"/>
+      </p:par>
+    </p:tnLst>
+  </p:timing>
+</p:sld>
+</file>
+
+<file path=ppt/slides/slide16.xml><?xml version="1.0" encoding="utf-8"?>
+<p:sld xmlns:a="http://schemas.openxmlformats.org/drawingml/2006/main" xmlns:r="http://schemas.openxmlformats.org/officeDocument/2006/relationships" xmlns:p="http://schemas.openxmlformats.org/presentationml/2006/main">
+  <p:cSld>
+    <p:spTree>
+      <p:nvGrpSpPr>
+        <p:cNvPr id="1" name=""/>
+        <p:cNvGrpSpPr/>
+        <p:nvPr/>
+      </p:nvGrpSpPr>
+      <p:grpSpPr>
+        <a:xfrm>
+          <a:off x="0" y="0"/>
+          <a:ext cx="0" cy="0"/>
+          <a:chOff x="0" y="0"/>
+          <a:chExt cx="0" cy="0"/>
+        </a:xfrm>
+      </p:grpSpPr>
+      <p:sp>
+        <p:nvSpPr>
+          <p:cNvPr id="4" name="Title 3"/>
+          <p:cNvSpPr>
+            <a:spLocks noGrp="1"/>
+          </p:cNvSpPr>
+          <p:nvPr>
+            <p:ph type="title"/>
+          </p:nvPr>
+        </p:nvSpPr>
+        <p:spPr/>
+        <p:txBody>
+          <a:bodyPr/>
+          <a:lstStyle/>
+          <a:p>
+            <a:r>
+              <a:rPr lang="en-US" dirty="0" smtClean="0"/>
+              <a:t>Optimization through indexes</a:t>
+            </a:r>
+            <a:endParaRPr lang="en-US" dirty="0"/>
+          </a:p>
+        </p:txBody>
+      </p:sp>
+      <p:sp>
+        <p:nvSpPr>
+          <p:cNvPr id="5" name="Content Placeholder 4"/>
+          <p:cNvSpPr>
+            <a:spLocks noGrp="1"/>
+          </p:cNvSpPr>
+          <p:nvPr>
+            <p:ph idx="1"/>
+          </p:nvPr>
+        </p:nvSpPr>
+        <p:spPr/>
+        <p:txBody>
+          <a:bodyPr/>
+          <a:lstStyle/>
+          <a:p>
+            <a:r>
+              <a:rPr lang="en-US" dirty="0" err="1" smtClean="0"/>
+              <a:t>Três</a:t>
+            </a:r>
+            <a:r>
+              <a:rPr lang="en-US" dirty="0" smtClean="0"/>
+              <a:t> </a:t>
+            </a:r>
+            <a:r>
+              <a:rPr lang="en-US" dirty="0" err="1" smtClean="0"/>
+              <a:t>diferentes</a:t>
+            </a:r>
+            <a:r>
+              <a:rPr lang="en-US" dirty="0" smtClean="0"/>
+              <a:t> testes;</a:t>
+            </a:r>
+          </a:p>
+          <a:p>
+            <a:r>
+              <a:rPr lang="en-US" dirty="0" err="1" smtClean="0"/>
+              <a:t>Parâmetros</a:t>
+            </a:r>
+            <a:r>
+              <a:rPr lang="en-US" dirty="0" smtClean="0"/>
+              <a:t> </a:t>
+            </a:r>
+            <a:r>
+              <a:rPr lang="en-US" dirty="0" err="1" smtClean="0"/>
+              <a:t>utilizados</a:t>
+            </a:r>
+            <a:r>
+              <a:rPr lang="en-US" dirty="0" smtClean="0"/>
+              <a:t>:</a:t>
+            </a:r>
+          </a:p>
+          <a:p>
+            <a:pPr lvl="1"/>
+            <a:r>
+              <a:rPr lang="en-US" dirty="0" err="1" smtClean="0"/>
+              <a:t>Tipo</a:t>
+            </a:r>
+            <a:r>
+              <a:rPr lang="en-US" dirty="0" smtClean="0"/>
+              <a:t> de </a:t>
+            </a:r>
+            <a:r>
+              <a:rPr lang="en-US" dirty="0" err="1" smtClean="0"/>
+              <a:t>índice</a:t>
+            </a:r>
+            <a:r>
+              <a:rPr lang="en-US" dirty="0" smtClean="0"/>
+              <a:t>;</a:t>
+            </a:r>
+          </a:p>
+          <a:p>
+            <a:pPr lvl="1"/>
+            <a:r>
+              <a:rPr lang="en-US" dirty="0" smtClean="0"/>
+              <a:t>Tempo de </a:t>
+            </a:r>
+            <a:r>
+              <a:rPr lang="en-US" dirty="0" err="1" smtClean="0"/>
+              <a:t>resposta</a:t>
+            </a:r>
+            <a:r>
+              <a:rPr lang="en-US" dirty="0" smtClean="0"/>
+              <a:t> da </a:t>
+            </a:r>
+            <a:r>
+              <a:rPr lang="en-US" dirty="0" err="1" smtClean="0"/>
+              <a:t>consulta</a:t>
+            </a:r>
+            <a:r>
+              <a:rPr lang="en-US" dirty="0" smtClean="0"/>
+              <a:t>;</a:t>
+            </a:r>
+          </a:p>
+          <a:p>
+            <a:r>
+              <a:rPr lang="en-US" dirty="0" smtClean="0"/>
+              <a:t>Testes:</a:t>
+            </a:r>
+          </a:p>
+          <a:p>
+            <a:pPr lvl="1"/>
+            <a:r>
+              <a:rPr lang="en-US" dirty="0" smtClean="0"/>
+              <a:t>SELECT * FROM...;</a:t>
+            </a:r>
+          </a:p>
+          <a:p>
+            <a:pPr lvl="1"/>
+            <a:r>
+              <a:rPr lang="en-US" dirty="0" smtClean="0"/>
+              <a:t>SELECT * FROM... INNER JOIN;</a:t>
+            </a:r>
+          </a:p>
+          <a:p>
+            <a:pPr lvl="1"/>
+            <a:r>
+              <a:rPr lang="en-US" dirty="0" smtClean="0"/>
+              <a:t>SELECT * FROM... INNER JOIN... INNER JOIN...;</a:t>
+            </a:r>
+            <a:endParaRPr lang="en-US" dirty="0"/>
+          </a:p>
+        </p:txBody>
+      </p:sp>
+    </p:spTree>
+    <p:extLst>
+      <p:ext uri="{BB962C8B-B14F-4D97-AF65-F5344CB8AC3E}">
+        <p14:creationId xmlns:p14="http://schemas.microsoft.com/office/powerpoint/2010/main" val="4210304254"/>
+      </p:ext>
+    </p:extLst>
+  </p:cSld>
+  <p:clrMapOvr>
+    <a:masterClrMapping/>
+  </p:clrMapOvr>
+  <p:timing>
+    <p:tnLst>
+      <p:par>
+        <p:cTn xmlns:p14="http://schemas.microsoft.com/office/powerpoint/2010/main" id="1" dur="indefinite" restart="never" nodeType="tmRoot"/>
+      </p:par>
+    </p:tnLst>
+  </p:timing>
+</p:sld>
+</file>
+
+<file path=ppt/slides/slide17.xml><?xml version="1.0" encoding="utf-8"?>
 <p:sld xmlns:a="http://schemas.openxmlformats.org/drawingml/2006/main" xmlns:r="http://schemas.openxmlformats.org/officeDocument/2006/relationships" xmlns:p="http://schemas.openxmlformats.org/presentationml/2006/main">
   <p:cSld>
     <p:spTree>
@@ -10312,7 +12979,7 @@
 </p:sld>
 </file>
 
-<file path=ppt/slides/slide11.xml><?xml version="1.0" encoding="utf-8"?>
+<file path=ppt/slides/slide18.xml><?xml version="1.0" encoding="utf-8"?>
 <p:sld xmlns:a="http://schemas.openxmlformats.org/drawingml/2006/main" xmlns:r="http://schemas.openxmlformats.org/officeDocument/2006/relationships" xmlns:p="http://schemas.openxmlformats.org/presentationml/2006/main">
   <p:cSld>
     <p:spTree>
@@ -11472,14 +14139,7 @@
                 <a:latin typeface="Consolas"/>
                 <a:cs typeface="Consolas"/>
               </a:rPr>
-              <a:t>"</a:t>
-            </a:r>
-            <a:r>
-              <a:rPr lang="nl-NL" dirty="0" smtClean="0">
-                <a:latin typeface="Consolas"/>
-                <a:cs typeface="Consolas"/>
-              </a:rPr>
-              <a:t>resources"</a:t>
+              <a:t>"resources"</a:t>
             </a:r>
             <a:r>
               <a:rPr lang="nl-NL" dirty="0">
@@ -11868,7 +14528,7 @@
 </p:sld>
 </file>
 
-<file path=ppt/slides/slide12.xml><?xml version="1.0" encoding="utf-8"?>
+<file path=ppt/slides/slide19.xml><?xml version="1.0" encoding="utf-8"?>
 <p:sld xmlns:a="http://schemas.openxmlformats.org/drawingml/2006/main" xmlns:r="http://schemas.openxmlformats.org/officeDocument/2006/relationships" xmlns:p="http://schemas.openxmlformats.org/presentationml/2006/main">
   <p:cSld>
     <p:spTree>
@@ -13139,6 +15799,50 @@
               </a:rPr>
               <a:t>" </a:t>
             </a:r>
+          </a:p>
+          <a:p>
+            <a:r>
+              <a:rPr lang="en-US" dirty="0">
+                <a:latin typeface="Consolas"/>
+                <a:cs typeface="Consolas"/>
+              </a:rPr>
+              <a:t>      ON "</a:t>
+            </a:r>
+            <a:r>
+              <a:rPr lang="en-US" dirty="0" err="1">
+                <a:latin typeface="Consolas"/>
+                <a:cs typeface="Consolas"/>
+              </a:rPr>
+              <a:t>resources".id</a:t>
+            </a:r>
+            <a:r>
+              <a:rPr lang="en-US" dirty="0">
+                <a:latin typeface="Consolas"/>
+                <a:cs typeface="Consolas"/>
+              </a:rPr>
+              <a:t> = "</a:t>
+            </a:r>
+            <a:r>
+              <a:rPr lang="en-US" dirty="0" smtClean="0">
+                <a:latin typeface="Consolas"/>
+                <a:cs typeface="Consolas"/>
+              </a:rPr>
+              <a:t>authors_resources".</a:t>
+            </a:r>
+            <a:r>
+              <a:rPr lang="en-US" dirty="0" err="1" smtClean="0">
+                <a:latin typeface="Consolas"/>
+                <a:cs typeface="Consolas"/>
+              </a:rPr>
+              <a:t>resource_id</a:t>
+            </a:r>
+            <a:r>
+              <a:rPr lang="en-US" dirty="0" smtClean="0">
+                <a:latin typeface="Consolas"/>
+                <a:cs typeface="Consolas"/>
+              </a:rPr>
+              <a:t> </a:t>
+            </a:r>
             <a:endParaRPr lang="en-US" dirty="0">
               <a:latin typeface="Consolas"/>
               <a:cs typeface="Consolas"/>
@@ -13150,92 +15854,16 @@
                 <a:latin typeface="Consolas"/>
                 <a:cs typeface="Consolas"/>
               </a:rPr>
-              <a:t>      ON </a:t>
-            </a:r>
+              <a:t>    INNER JOIN "authors" </a:t>
+            </a:r>
+          </a:p>
+          <a:p>
             <a:r>
               <a:rPr lang="en-US" dirty="0">
                 <a:latin typeface="Consolas"/>
                 <a:cs typeface="Consolas"/>
               </a:rPr>
-              <a:t>"</a:t>
-            </a:r>
-            <a:r>
-              <a:rPr lang="en-US" dirty="0" err="1">
-                <a:latin typeface="Consolas"/>
-                <a:cs typeface="Consolas"/>
-              </a:rPr>
-              <a:t>resources"</a:t>
-            </a:r>
-            <a:r>
-              <a:rPr lang="en-US" dirty="0" err="1">
-                <a:latin typeface="Consolas"/>
-                <a:cs typeface="Consolas"/>
-              </a:rPr>
-              <a:t>.id</a:t>
-            </a:r>
-            <a:r>
-              <a:rPr lang="en-US" dirty="0">
-                <a:latin typeface="Consolas"/>
-                <a:cs typeface="Consolas"/>
-              </a:rPr>
-              <a:t> = "</a:t>
-            </a:r>
-            <a:r>
-              <a:rPr lang="en-US" dirty="0" smtClean="0">
-                <a:latin typeface="Consolas"/>
-                <a:cs typeface="Consolas"/>
-              </a:rPr>
-              <a:t>authors_resources".</a:t>
-            </a:r>
-            <a:r>
-              <a:rPr lang="en-US" dirty="0" err="1" smtClean="0">
-                <a:latin typeface="Consolas"/>
-                <a:cs typeface="Consolas"/>
-              </a:rPr>
-              <a:t>resource_id</a:t>
-            </a:r>
-            <a:r>
-              <a:rPr lang="en-US" dirty="0" smtClean="0">
-                <a:latin typeface="Consolas"/>
-                <a:cs typeface="Consolas"/>
-              </a:rPr>
-              <a:t> </a:t>
-            </a:r>
-            <a:endParaRPr lang="en-US" dirty="0">
-              <a:latin typeface="Consolas"/>
-              <a:cs typeface="Consolas"/>
-            </a:endParaRPr>
-          </a:p>
-          <a:p>
-            <a:r>
-              <a:rPr lang="en-US" dirty="0">
-                <a:latin typeface="Consolas"/>
-                <a:cs typeface="Consolas"/>
-              </a:rPr>
-              <a:t>    INNER JOIN "authors" </a:t>
-            </a:r>
-          </a:p>
-          <a:p>
-            <a:r>
-              <a:rPr lang="en-US" dirty="0">
-                <a:latin typeface="Consolas"/>
-                <a:cs typeface="Consolas"/>
-              </a:rPr>
-              <a:t>      ON "</a:t>
-            </a:r>
-            <a:r>
-              <a:rPr lang="en-US" dirty="0">
-                <a:latin typeface="Consolas"/>
-                <a:cs typeface="Consolas"/>
-              </a:rPr>
-              <a:t>authors_resources"</a:t>
-            </a:r>
-            <a:r>
-              <a:rPr lang="en-US" dirty="0">
-                <a:latin typeface="Consolas"/>
-                <a:cs typeface="Consolas"/>
-              </a:rPr>
-              <a:t>.</a:t>
+              <a:t>      ON "authors_resources".</a:t>
             </a:r>
             <a:r>
               <a:rPr lang="en-US" dirty="0" err="1">
@@ -13523,7 +16151,114 @@
 </p:sld>
 </file>
 
-<file path=ppt/slides/slide13.xml><?xml version="1.0" encoding="utf-8"?>
+<file path=ppt/slides/slide2.xml><?xml version="1.0" encoding="utf-8"?>
+<p:sld xmlns:a="http://schemas.openxmlformats.org/drawingml/2006/main" xmlns:r="http://schemas.openxmlformats.org/officeDocument/2006/relationships" xmlns:p="http://schemas.openxmlformats.org/presentationml/2006/main">
+  <p:cSld>
+    <p:spTree>
+      <p:nvGrpSpPr>
+        <p:cNvPr id="1" name=""/>
+        <p:cNvGrpSpPr/>
+        <p:nvPr/>
+      </p:nvGrpSpPr>
+      <p:grpSpPr>
+        <a:xfrm>
+          <a:off x="0" y="0"/>
+          <a:ext cx="0" cy="0"/>
+          <a:chOff x="0" y="0"/>
+          <a:chExt cx="0" cy="0"/>
+        </a:xfrm>
+      </p:grpSpPr>
+      <p:sp>
+        <p:nvSpPr>
+          <p:cNvPr id="6" name="Title 5"/>
+          <p:cNvSpPr>
+            <a:spLocks noGrp="1"/>
+          </p:cNvSpPr>
+          <p:nvPr>
+            <p:ph type="title"/>
+          </p:nvPr>
+        </p:nvSpPr>
+        <p:spPr/>
+        <p:txBody>
+          <a:bodyPr/>
+          <a:lstStyle/>
+          <a:p>
+            <a:r>
+              <a:rPr lang="en-US" dirty="0" smtClean="0"/>
+              <a:t>Backup</a:t>
+            </a:r>
+            <a:endParaRPr lang="en-US" dirty="0"/>
+          </a:p>
+        </p:txBody>
+      </p:sp>
+      <p:sp>
+        <p:nvSpPr>
+          <p:cNvPr id="7" name="Text Placeholder 6"/>
+          <p:cNvSpPr>
+            <a:spLocks noGrp="1"/>
+          </p:cNvSpPr>
+          <p:nvPr>
+            <p:ph type="body" idx="1"/>
+          </p:nvPr>
+        </p:nvSpPr>
+        <p:spPr/>
+        <p:txBody>
+          <a:bodyPr/>
+          <a:lstStyle/>
+          <a:p>
+            <a:r>
+              <a:rPr lang="en-US" dirty="0" err="1" smtClean="0"/>
+              <a:t>Mantendo</a:t>
+            </a:r>
+            <a:r>
+              <a:rPr lang="en-US" dirty="0" smtClean="0"/>
+              <a:t> </a:t>
+            </a:r>
+            <a:r>
+              <a:rPr lang="en-US" dirty="0" err="1" smtClean="0"/>
+              <a:t>os</a:t>
+            </a:r>
+            <a:r>
+              <a:rPr lang="en-US" dirty="0" smtClean="0"/>
+              <a:t> dados a </a:t>
+            </a:r>
+            <a:r>
+              <a:rPr lang="en-US" dirty="0" err="1" smtClean="0"/>
+              <a:t>todo</a:t>
+            </a:r>
+            <a:r>
+              <a:rPr lang="en-US" dirty="0" smtClean="0"/>
+              <a:t> </a:t>
+            </a:r>
+            <a:r>
+              <a:rPr lang="en-US" dirty="0" err="1" smtClean="0"/>
+              <a:t>custo</a:t>
+            </a:r>
+            <a:endParaRPr lang="en-US" dirty="0"/>
+          </a:p>
+        </p:txBody>
+      </p:sp>
+    </p:spTree>
+    <p:extLst>
+      <p:ext uri="{BB962C8B-B14F-4D97-AF65-F5344CB8AC3E}">
+        <p14:creationId xmlns:p14="http://schemas.microsoft.com/office/powerpoint/2010/main" val="3328982994"/>
+      </p:ext>
+    </p:extLst>
+  </p:cSld>
+  <p:clrMapOvr>
+    <a:masterClrMapping/>
+  </p:clrMapOvr>
+  <p:timing>
+    <p:tnLst>
+      <p:par>
+        <p:cTn xmlns:p14="http://schemas.microsoft.com/office/powerpoint/2010/main" id="1" dur="indefinite" restart="never" nodeType="tmRoot"/>
+      </p:par>
+    </p:tnLst>
+  </p:timing>
+</p:sld>
+</file>
+
+<file path=ppt/slides/slide20.xml><?xml version="1.0" encoding="utf-8"?>
 <p:sld xmlns:a="http://schemas.openxmlformats.org/drawingml/2006/main" xmlns:r="http://schemas.openxmlformats.org/officeDocument/2006/relationships" xmlns:p="http://schemas.openxmlformats.org/presentationml/2006/main">
   <p:cSld>
     <p:spTree>
@@ -13630,7 +16365,7 @@
 </p:sld>
 </file>
 
-<file path=ppt/slides/slide14.xml><?xml version="1.0" encoding="utf-8"?>
+<file path=ppt/slides/slide21.xml><?xml version="1.0" encoding="utf-8"?>
 <p:sld xmlns:a="http://schemas.openxmlformats.org/drawingml/2006/main" xmlns:r="http://schemas.openxmlformats.org/officeDocument/2006/relationships" xmlns:p="http://schemas.openxmlformats.org/presentationml/2006/main">
   <p:cSld>
     <p:spTree>
@@ -13863,7 +16598,7 @@
 </p:sld>
 </file>
 
-<file path=ppt/slides/slide15.xml><?xml version="1.0" encoding="utf-8"?>
+<file path=ppt/slides/slide22.xml><?xml version="1.0" encoding="utf-8"?>
 <p:sld xmlns:a="http://schemas.openxmlformats.org/drawingml/2006/main" xmlns:r="http://schemas.openxmlformats.org/officeDocument/2006/relationships" xmlns:p="http://schemas.openxmlformats.org/presentationml/2006/main">
   <p:cSld>
     <p:spTree>
@@ -14127,7 +16862,7 @@
 </p:sld>
 </file>
 
-<file path=ppt/slides/slide16.xml><?xml version="1.0" encoding="utf-8"?>
+<file path=ppt/slides/slide23.xml><?xml version="1.0" encoding="utf-8"?>
 <p:sld xmlns:a="http://schemas.openxmlformats.org/drawingml/2006/main" xmlns:r="http://schemas.openxmlformats.org/officeDocument/2006/relationships" xmlns:p="http://schemas.openxmlformats.org/presentationml/2006/main">
   <p:cSld>
     <p:spTree>
@@ -14532,7 +17267,7 @@
 </p:sld>
 </file>
 
-<file path=ppt/slides/slide17.xml><?xml version="1.0" encoding="utf-8"?>
+<file path=ppt/slides/slide24.xml><?xml version="1.0" encoding="utf-8"?>
 <p:sld xmlns:a="http://schemas.openxmlformats.org/drawingml/2006/main" xmlns:r="http://schemas.openxmlformats.org/officeDocument/2006/relationships" xmlns:p="http://schemas.openxmlformats.org/presentationml/2006/main">
   <p:cSld>
     <p:spTree>
@@ -14736,7 +17471,7 @@
 </p:sld>
 </file>
 
-<file path=ppt/slides/slide18.xml><?xml version="1.0" encoding="utf-8"?>
+<file path=ppt/slides/slide25.xml><?xml version="1.0" encoding="utf-8"?>
 <p:sld xmlns:a="http://schemas.openxmlformats.org/drawingml/2006/main" xmlns:r="http://schemas.openxmlformats.org/officeDocument/2006/relationships" xmlns:p="http://schemas.openxmlformats.org/presentationml/2006/main">
   <p:cSld>
     <p:spTree>
@@ -14835,7 +17570,7 @@
 </p:sld>
 </file>
 
-<file path=ppt/slides/slide19.xml><?xml version="1.0" encoding="utf-8"?>
+<file path=ppt/slides/slide26.xml><?xml version="1.0" encoding="utf-8"?>
 <p:sld xmlns:a="http://schemas.openxmlformats.org/drawingml/2006/main" xmlns:r="http://schemas.openxmlformats.org/officeDocument/2006/relationships" xmlns:p="http://schemas.openxmlformats.org/presentationml/2006/main">
   <p:cSld>
     <p:spTree>
@@ -15131,102 +17866,7 @@
 </p:sld>
 </file>
 
-<file path=ppt/slides/slide2.xml><?xml version="1.0" encoding="utf-8"?>
-<p:sld xmlns:a="http://schemas.openxmlformats.org/drawingml/2006/main" xmlns:r="http://schemas.openxmlformats.org/officeDocument/2006/relationships" xmlns:p="http://schemas.openxmlformats.org/presentationml/2006/main">
-  <p:cSld>
-    <p:spTree>
-      <p:nvGrpSpPr>
-        <p:cNvPr id="1" name=""/>
-        <p:cNvGrpSpPr/>
-        <p:nvPr/>
-      </p:nvGrpSpPr>
-      <p:grpSpPr>
-        <a:xfrm>
-          <a:off x="0" y="0"/>
-          <a:ext cx="0" cy="0"/>
-          <a:chOff x="0" y="0"/>
-          <a:chExt cx="0" cy="0"/>
-        </a:xfrm>
-      </p:grpSpPr>
-      <p:sp>
-        <p:nvSpPr>
-          <p:cNvPr id="6" name="Title 5"/>
-          <p:cNvSpPr>
-            <a:spLocks noGrp="1"/>
-          </p:cNvSpPr>
-          <p:nvPr>
-            <p:ph type="title"/>
-          </p:nvPr>
-        </p:nvSpPr>
-        <p:spPr/>
-        <p:txBody>
-          <a:bodyPr/>
-          <a:lstStyle/>
-          <a:p>
-            <a:r>
-              <a:rPr lang="en-US" dirty="0" smtClean="0"/>
-              <a:t>Views</a:t>
-            </a:r>
-            <a:endParaRPr lang="en-US" dirty="0"/>
-          </a:p>
-        </p:txBody>
-      </p:sp>
-      <p:sp>
-        <p:nvSpPr>
-          <p:cNvPr id="7" name="Text Placeholder 6"/>
-          <p:cNvSpPr>
-            <a:spLocks noGrp="1"/>
-          </p:cNvSpPr>
-          <p:nvPr>
-            <p:ph type="body" idx="1"/>
-          </p:nvPr>
-        </p:nvSpPr>
-        <p:spPr/>
-        <p:txBody>
-          <a:bodyPr/>
-          <a:lstStyle/>
-          <a:p>
-            <a:r>
-              <a:rPr lang="en-US" dirty="0" smtClean="0"/>
-              <a:t>Uma nova </a:t>
-            </a:r>
-            <a:r>
-              <a:rPr lang="en-US" dirty="0" err="1" smtClean="0"/>
-              <a:t>perspectiva</a:t>
-            </a:r>
-            <a:r>
-              <a:rPr lang="en-US" dirty="0" smtClean="0"/>
-              <a:t> do </a:t>
-            </a:r>
-            <a:r>
-              <a:rPr lang="en-US" dirty="0" err="1" smtClean="0"/>
-              <a:t>banco</a:t>
-            </a:r>
-            <a:endParaRPr lang="en-US" dirty="0"/>
-          </a:p>
-        </p:txBody>
-      </p:sp>
-    </p:spTree>
-    <p:extLst>
-      <p:ext uri="{BB962C8B-B14F-4D97-AF65-F5344CB8AC3E}">
-        <p14:creationId xmlns:p14="http://schemas.microsoft.com/office/powerpoint/2010/main" val="3328982994"/>
-      </p:ext>
-    </p:extLst>
-  </p:cSld>
-  <p:clrMapOvr>
-    <a:masterClrMapping/>
-  </p:clrMapOvr>
-  <p:timing>
-    <p:tnLst>
-      <p:par>
-        <p:cTn xmlns:p14="http://schemas.microsoft.com/office/powerpoint/2010/main" id="1" dur="indefinite" restart="never" nodeType="tmRoot"/>
-      </p:par>
-    </p:tnLst>
-  </p:timing>
-</p:sld>
-</file>
-
-<file path=ppt/slides/slide20.xml><?xml version="1.0" encoding="utf-8"?>
+<file path=ppt/slides/slide27.xml><?xml version="1.0" encoding="utf-8"?>
 <p:sld xmlns:a="http://schemas.openxmlformats.org/drawingml/2006/main" xmlns:r="http://schemas.openxmlformats.org/officeDocument/2006/relationships" xmlns:p="http://schemas.openxmlformats.org/presentationml/2006/main">
   <p:cSld>
     <p:spTree>
@@ -15984,11 +18624,7 @@
           <a:p>
             <a:r>
               <a:rPr lang="en-US" dirty="0" err="1" smtClean="0"/>
-              <a:t>Uso</a:t>
-            </a:r>
-            <a:r>
-              <a:rPr lang="en-US" dirty="0" smtClean="0"/>
-              <a:t> de views</a:t>
+              <a:t>Estratégia</a:t>
             </a:r>
             <a:endParaRPr lang="en-US" dirty="0"/>
           </a:p>
@@ -16009,204 +18645,80 @@
           <a:bodyPr/>
           <a:lstStyle/>
           <a:p>
+            <a:pPr>
+              <a:lnSpc>
+                <a:spcPct val="150000"/>
+              </a:lnSpc>
+            </a:pPr>
+            <a:r>
+              <a:rPr lang="en-US" dirty="0" smtClean="0"/>
+              <a:t>Point in Time Recovery (</a:t>
+            </a:r>
             <a:r>
               <a:rPr lang="en-US" dirty="0" err="1" smtClean="0"/>
-              <a:t>Alunos</a:t>
+              <a:t>PiTR</a:t>
             </a:r>
             <a:r>
               <a:rPr lang="en-US" dirty="0" smtClean="0"/>
-              <a:t> se </a:t>
+              <a:t>) – Online backup;</a:t>
+            </a:r>
+          </a:p>
+          <a:p>
+            <a:pPr>
+              <a:lnSpc>
+                <a:spcPct val="150000"/>
+              </a:lnSpc>
+            </a:pPr>
+            <a:r>
+              <a:rPr lang="en-US" dirty="0" smtClean="0"/>
+              <a:t>2 </a:t>
             </a:r>
             <a:r>
               <a:rPr lang="en-US" dirty="0" err="1" smtClean="0"/>
-              <a:t>matriculam</a:t>
+              <a:t>fases</a:t>
             </a:r>
             <a:r>
               <a:rPr lang="en-US" dirty="0" smtClean="0"/>
-              <a:t> </a:t>
-            </a:r>
-            <a:r>
-              <a:rPr lang="en-US" dirty="0" err="1" smtClean="0"/>
-              <a:t>em</a:t>
-            </a:r>
-            <a:r>
-              <a:rPr lang="en-US" dirty="0" smtClean="0"/>
-              <a:t> </a:t>
-            </a:r>
-            <a:r>
-              <a:rPr lang="en-US" dirty="0" err="1" smtClean="0"/>
-              <a:t>projetos</a:t>
-            </a:r>
-            <a:r>
-              <a:rPr lang="en-US" dirty="0" smtClean="0"/>
-              <a:t>;</a:t>
-            </a:r>
-          </a:p>
-          <a:p>
-            <a:pPr lvl="1"/>
-            <a:r>
-              <a:rPr lang="en-US" dirty="0" err="1" smtClean="0"/>
-              <a:t>Informações</a:t>
-            </a:r>
-            <a:r>
-              <a:rPr lang="en-US" dirty="0" smtClean="0"/>
-              <a:t> do professor </a:t>
-            </a:r>
-            <a:r>
-              <a:rPr lang="en-US" dirty="0" err="1" smtClean="0"/>
-              <a:t>devem</a:t>
-            </a:r>
-            <a:r>
-              <a:rPr lang="en-US" dirty="0" smtClean="0"/>
-              <a:t> </a:t>
-            </a:r>
-            <a:r>
-              <a:rPr lang="en-US" dirty="0" err="1" smtClean="0"/>
-              <a:t>ser</a:t>
-            </a:r>
-            <a:r>
-              <a:rPr lang="en-US" dirty="0" smtClean="0"/>
-              <a:t> </a:t>
-            </a:r>
-            <a:r>
-              <a:rPr lang="en-US" dirty="0" err="1" smtClean="0"/>
-              <a:t>limitadas</a:t>
-            </a:r>
-            <a:r>
-              <a:rPr lang="en-US" dirty="0" smtClean="0"/>
-              <a:t>;</a:t>
-            </a:r>
-            <a:endParaRPr lang="en-US" dirty="0"/>
-          </a:p>
-          <a:p>
-            <a:pPr lvl="1"/>
-            <a:r>
-              <a:rPr lang="en-US" dirty="0" err="1" smtClean="0"/>
-              <a:t>Eles</a:t>
-            </a:r>
-            <a:r>
-              <a:rPr lang="en-US" dirty="0" smtClean="0"/>
-              <a:t> </a:t>
-            </a:r>
-            <a:r>
-              <a:rPr lang="en-US" dirty="0" err="1" smtClean="0"/>
-              <a:t>só</a:t>
-            </a:r>
-            <a:r>
-              <a:rPr lang="en-US" dirty="0" smtClean="0"/>
-              <a:t> </a:t>
-            </a:r>
-            <a:r>
-              <a:rPr lang="en-US" dirty="0" err="1" smtClean="0"/>
-              <a:t>devem</a:t>
-            </a:r>
-            <a:r>
-              <a:rPr lang="en-US" dirty="0" smtClean="0"/>
-              <a:t> </a:t>
-            </a:r>
-            <a:r>
-              <a:rPr lang="en-US" dirty="0" err="1" smtClean="0"/>
-              <a:t>alterar</a:t>
-            </a:r>
-            <a:r>
-              <a:rPr lang="en-US" dirty="0" smtClean="0"/>
-              <a:t> </a:t>
-            </a:r>
-            <a:r>
-              <a:rPr lang="en-US" dirty="0" err="1" smtClean="0"/>
-              <a:t>os</a:t>
-            </a:r>
-            <a:r>
-              <a:rPr lang="en-US" dirty="0" smtClean="0"/>
-              <a:t> </a:t>
-            </a:r>
-            <a:r>
-              <a:rPr lang="en-US" dirty="0" err="1" smtClean="0"/>
-              <a:t>seus</a:t>
-            </a:r>
-            <a:r>
-              <a:rPr lang="en-US" dirty="0" smtClean="0"/>
-              <a:t> </a:t>
-            </a:r>
-            <a:r>
-              <a:rPr lang="en-US" dirty="0" err="1" smtClean="0"/>
-              <a:t>próprios</a:t>
-            </a:r>
-            <a:r>
-              <a:rPr lang="en-US" dirty="0" smtClean="0"/>
-              <a:t> </a:t>
-            </a:r>
-            <a:r>
-              <a:rPr lang="en-US" dirty="0" err="1" smtClean="0"/>
-              <a:t>registros</a:t>
-            </a:r>
-            <a:r>
-              <a:rPr lang="en-US" dirty="0" smtClean="0"/>
-              <a:t>;</a:t>
-            </a:r>
-          </a:p>
-          <a:p>
-            <a:pPr lvl="1"/>
-            <a:endParaRPr lang="en-US" dirty="0"/>
-          </a:p>
-          <a:p>
-            <a:r>
-              <a:rPr lang="en-US" dirty="0" err="1" smtClean="0"/>
-              <a:t>Tabela</a:t>
-            </a:r>
-            <a:r>
-              <a:rPr lang="en-US" dirty="0" smtClean="0"/>
-              <a:t> </a:t>
-            </a:r>
-            <a:r>
-              <a:rPr lang="en-US" dirty="0" err="1" smtClean="0"/>
-              <a:t>professor_projects</a:t>
-            </a:r>
-            <a:r>
-              <a:rPr lang="en-US" dirty="0" smtClean="0"/>
-              <a:t>;</a:t>
+              <a:t>: Backup base + WAL;</a:t>
             </a:r>
           </a:p>
         </p:txBody>
       </p:sp>
       <p:sp>
         <p:nvSpPr>
-          <p:cNvPr id="6" name="Rectangle 5"/>
+          <p:cNvPr id="8" name="Rectangle 7"/>
           <p:cNvSpPr/>
           <p:nvPr/>
         </p:nvSpPr>
         <p:spPr>
           <a:xfrm>
-            <a:off x="551280" y="4198378"/>
-            <a:ext cx="8041440" cy="2099189"/>
+            <a:off x="1140368" y="4224296"/>
+            <a:ext cx="6310899" cy="168453"/>
           </a:xfrm>
           <a:prstGeom prst="rect">
             <a:avLst/>
           </a:prstGeom>
-          <a:solidFill>
-            <a:schemeClr val="tx1">
-              <a:lumMod val="85000"/>
-              <a:lumOff val="15000"/>
-            </a:schemeClr>
-          </a:solidFill>
-          <a:ln>
-            <a:solidFill>
-              <a:schemeClr val="tx1">
-                <a:lumMod val="85000"/>
-                <a:lumOff val="15000"/>
+          <a:pattFill prst="wdUpDiag">
+            <a:fgClr>
+              <a:schemeClr val="accent4">
+                <a:lumMod val="60000"/>
+                <a:lumOff val="40000"/>
               </a:schemeClr>
-            </a:solidFill>
-          </a:ln>
+            </a:fgClr>
+            <a:bgClr>
+              <a:prstClr val="white"/>
+            </a:bgClr>
+          </a:pattFill>
         </p:spPr>
         <p:style>
           <a:lnRef idx="1">
-            <a:schemeClr val="dk1"/>
+            <a:schemeClr val="accent4"/>
           </a:lnRef>
           <a:fillRef idx="3">
-            <a:schemeClr val="dk1"/>
+            <a:schemeClr val="accent4"/>
           </a:fillRef>
           <a:effectRef idx="2">
-            <a:schemeClr val="dk1"/>
+            <a:schemeClr val="accent4"/>
           </a:effectRef>
           <a:fontRef idx="minor">
             <a:schemeClr val="lt1"/>
@@ -16216,190 +18728,744 @@
           <a:bodyPr rtlCol="0" anchor="ctr"/>
           <a:lstStyle/>
           <a:p>
-            <a:r>
-              <a:rPr lang="en-US" dirty="0">
-                <a:latin typeface="Consolas"/>
-                <a:cs typeface="Consolas"/>
-              </a:rPr>
-              <a:t>CREATE VIEW </a:t>
-            </a:r>
-            <a:r>
-              <a:rPr lang="en-US" dirty="0" err="1">
-                <a:latin typeface="Consolas"/>
-                <a:cs typeface="Consolas"/>
-              </a:rPr>
-              <a:t>professor_projects</a:t>
-            </a:r>
-            <a:r>
-              <a:rPr lang="en-US" dirty="0">
-                <a:latin typeface="Consolas"/>
-                <a:cs typeface="Consolas"/>
-              </a:rPr>
-              <a:t> AS</a:t>
-            </a:r>
-          </a:p>
-          <a:p>
-            <a:r>
-              <a:rPr lang="en-US" dirty="0">
-                <a:latin typeface="Consolas"/>
-                <a:cs typeface="Consolas"/>
-              </a:rPr>
-              <a:t>  SELECT </a:t>
-            </a:r>
-            <a:r>
-              <a:rPr lang="en-US" dirty="0" err="1">
-                <a:latin typeface="Consolas"/>
-                <a:cs typeface="Consolas"/>
-              </a:rPr>
-              <a:t>professors.id</a:t>
-            </a:r>
-            <a:r>
-              <a:rPr lang="en-US" dirty="0">
-                <a:latin typeface="Consolas"/>
-                <a:cs typeface="Consolas"/>
-              </a:rPr>
-              <a:t>, </a:t>
-            </a:r>
-            <a:r>
-              <a:rPr lang="en-US" dirty="0" err="1">
-                <a:latin typeface="Consolas"/>
-                <a:cs typeface="Consolas"/>
-              </a:rPr>
-              <a:t>professors.name</a:t>
-            </a:r>
-            <a:r>
-              <a:rPr lang="en-US" dirty="0">
-                <a:latin typeface="Consolas"/>
-                <a:cs typeface="Consolas"/>
-              </a:rPr>
-              <a:t>, </a:t>
-            </a:r>
-            <a:r>
-              <a:rPr lang="en-US" dirty="0" err="1">
-                <a:latin typeface="Consolas"/>
-                <a:cs typeface="Consolas"/>
-              </a:rPr>
-              <a:t>professors.email</a:t>
-            </a:r>
-            <a:r>
-              <a:rPr lang="en-US" dirty="0">
-                <a:latin typeface="Consolas"/>
-                <a:cs typeface="Consolas"/>
-              </a:rPr>
-              <a:t>, </a:t>
-            </a:r>
-          </a:p>
-          <a:p>
-            <a:r>
-              <a:rPr lang="en-US" dirty="0">
-                <a:latin typeface="Consolas"/>
-                <a:cs typeface="Consolas"/>
-              </a:rPr>
-              <a:t>  </a:t>
-            </a:r>
-            <a:r>
-              <a:rPr lang="en-US" dirty="0" err="1">
-                <a:latin typeface="Consolas"/>
-                <a:cs typeface="Consolas"/>
-              </a:rPr>
-              <a:t>projects.id</a:t>
-            </a:r>
-            <a:r>
-              <a:rPr lang="en-US" dirty="0">
-                <a:latin typeface="Consolas"/>
-                <a:cs typeface="Consolas"/>
-              </a:rPr>
-              <a:t>, </a:t>
-            </a:r>
-            <a:r>
-              <a:rPr lang="en-US" dirty="0" err="1">
-                <a:latin typeface="Consolas"/>
-                <a:cs typeface="Consolas"/>
-              </a:rPr>
-              <a:t>projects.title</a:t>
-            </a:r>
-            <a:r>
-              <a:rPr lang="en-US" dirty="0">
-                <a:latin typeface="Consolas"/>
-                <a:cs typeface="Consolas"/>
-              </a:rPr>
-              <a:t>, </a:t>
-            </a:r>
-            <a:r>
-              <a:rPr lang="en-US" dirty="0" err="1">
-                <a:latin typeface="Consolas"/>
-                <a:cs typeface="Consolas"/>
-              </a:rPr>
-              <a:t>projects.summary</a:t>
-            </a:r>
-            <a:r>
-              <a:rPr lang="en-US" dirty="0">
-                <a:latin typeface="Consolas"/>
-                <a:cs typeface="Consolas"/>
-              </a:rPr>
-              <a:t>, </a:t>
-            </a:r>
-            <a:r>
-              <a:rPr lang="en-US" dirty="0" err="1">
-                <a:latin typeface="Consolas"/>
-                <a:cs typeface="Consolas"/>
-              </a:rPr>
-              <a:t>projects.due_at</a:t>
-            </a:r>
-            <a:endParaRPr lang="en-US" dirty="0">
-              <a:latin typeface="Consolas"/>
-              <a:cs typeface="Consolas"/>
+            <a:pPr algn="ctr"/>
+            <a:endParaRPr lang="en-US"/>
+          </a:p>
+        </p:txBody>
+      </p:sp>
+      <p:sp>
+        <p:nvSpPr>
+          <p:cNvPr id="9" name="TextBox 8"/>
+          <p:cNvSpPr txBox="1"/>
+          <p:nvPr/>
+        </p:nvSpPr>
+        <p:spPr>
+          <a:xfrm>
+            <a:off x="4146797" y="5222058"/>
+            <a:ext cx="1138315" cy="369332"/>
+          </a:xfrm>
+          <a:prstGeom prst="rect">
+            <a:avLst/>
+          </a:prstGeom>
+          <a:noFill/>
+        </p:spPr>
+        <p:txBody>
+          <a:bodyPr wrap="none" rtlCol="0">
+            <a:spAutoFit/>
+          </a:bodyPr>
+          <a:lstStyle/>
+          <a:p>
+            <a:r>
+              <a:rPr lang="en-US" b="1" dirty="0" smtClean="0">
+                <a:solidFill>
+                  <a:schemeClr val="tx1">
+                    <a:lumMod val="50000"/>
+                    <a:lumOff val="50000"/>
+                  </a:schemeClr>
+                </a:solidFill>
+              </a:rPr>
+              <a:t>Timeline</a:t>
+            </a:r>
+            <a:endParaRPr lang="en-US" b="1" dirty="0">
+              <a:solidFill>
+                <a:schemeClr val="tx1">
+                  <a:lumMod val="50000"/>
+                  <a:lumOff val="50000"/>
+                </a:schemeClr>
+              </a:solidFill>
             </a:endParaRPr>
           </a:p>
-          <a:p>
-            <a:r>
-              <a:rPr lang="en-US" dirty="0">
-                <a:latin typeface="Consolas"/>
-                <a:cs typeface="Consolas"/>
-              </a:rPr>
-              <a:t>  FROM professors </a:t>
-            </a:r>
-          </a:p>
-          <a:p>
-            <a:r>
-              <a:rPr lang="en-US" dirty="0">
-                <a:latin typeface="Consolas"/>
-                <a:cs typeface="Consolas"/>
-              </a:rPr>
-              <a:t>    INNER JOIN projects ON </a:t>
-            </a:r>
-            <a:r>
-              <a:rPr lang="en-US" dirty="0" err="1">
-                <a:latin typeface="Consolas"/>
-                <a:cs typeface="Consolas"/>
-              </a:rPr>
-              <a:t>projects.professor_id</a:t>
-            </a:r>
-            <a:r>
-              <a:rPr lang="en-US" dirty="0">
-                <a:latin typeface="Consolas"/>
-                <a:cs typeface="Consolas"/>
-              </a:rPr>
-              <a:t> = </a:t>
-            </a:r>
-            <a:r>
-              <a:rPr lang="en-US" dirty="0" err="1">
-                <a:latin typeface="Consolas"/>
-                <a:cs typeface="Consolas"/>
-              </a:rPr>
-              <a:t>professors.id</a:t>
-            </a:r>
-            <a:endParaRPr lang="en-US" dirty="0">
-              <a:latin typeface="Consolas"/>
-              <a:cs typeface="Consolas"/>
-            </a:endParaRPr>
+        </p:txBody>
+      </p:sp>
+      <p:sp>
+        <p:nvSpPr>
+          <p:cNvPr id="10" name="Left Brace 9"/>
+          <p:cNvSpPr/>
+          <p:nvPr/>
+        </p:nvSpPr>
+        <p:spPr>
+          <a:xfrm rot="16200000">
+            <a:off x="4457431" y="1373689"/>
+            <a:ext cx="531307" cy="7165430"/>
+          </a:xfrm>
+          <a:prstGeom prst="leftBrace">
+            <a:avLst/>
+          </a:prstGeom>
+          <a:noFill/>
+          <a:ln>
+            <a:solidFill>
+              <a:schemeClr val="tx1">
+                <a:lumMod val="50000"/>
+                <a:lumOff val="50000"/>
+              </a:schemeClr>
+            </a:solidFill>
+          </a:ln>
+        </p:spPr>
+        <p:style>
+          <a:lnRef idx="2">
+            <a:schemeClr val="accent1"/>
+          </a:lnRef>
+          <a:fillRef idx="0">
+            <a:schemeClr val="accent1"/>
+          </a:fillRef>
+          <a:effectRef idx="1">
+            <a:schemeClr val="accent1"/>
+          </a:effectRef>
+          <a:fontRef idx="minor">
+            <a:schemeClr val="tx1"/>
+          </a:fontRef>
+        </p:style>
+        <p:txBody>
+          <a:bodyPr rtlCol="0" anchor="ctr"/>
+          <a:lstStyle/>
+          <a:p>
+            <a:pPr algn="ctr"/>
+            <a:endParaRPr lang="en-US"/>
+          </a:p>
+        </p:txBody>
+      </p:sp>
+      <p:grpSp>
+        <p:nvGrpSpPr>
+          <p:cNvPr id="13" name="Group 12"/>
+          <p:cNvGrpSpPr/>
+          <p:nvPr/>
+        </p:nvGrpSpPr>
+        <p:grpSpPr>
+          <a:xfrm>
+            <a:off x="2565817" y="3705977"/>
+            <a:ext cx="659155" cy="764520"/>
+            <a:chOff x="2980505" y="3369069"/>
+            <a:chExt cx="659155" cy="764520"/>
+          </a:xfrm>
+        </p:grpSpPr>
+        <p:sp>
+          <p:nvSpPr>
+            <p:cNvPr id="11" name="Oval 10"/>
+            <p:cNvSpPr/>
+            <p:nvPr/>
+          </p:nvSpPr>
+          <p:spPr>
+            <a:xfrm>
+              <a:off x="3155462" y="3770767"/>
+              <a:ext cx="343393" cy="362822"/>
+            </a:xfrm>
+            <a:prstGeom prst="ellipse">
+              <a:avLst/>
+            </a:prstGeom>
+            <a:solidFill>
+              <a:schemeClr val="accent3">
+                <a:lumMod val="75000"/>
+              </a:schemeClr>
+            </a:solidFill>
+            <a:ln w="57150" cmpd="sng">
+              <a:solidFill>
+                <a:schemeClr val="bg1"/>
+              </a:solidFill>
+            </a:ln>
+          </p:spPr>
+          <p:style>
+            <a:lnRef idx="1">
+              <a:schemeClr val="accent3"/>
+            </a:lnRef>
+            <a:fillRef idx="3">
+              <a:schemeClr val="accent3"/>
+            </a:fillRef>
+            <a:effectRef idx="2">
+              <a:schemeClr val="accent3"/>
+            </a:effectRef>
+            <a:fontRef idx="minor">
+              <a:schemeClr val="lt1"/>
+            </a:fontRef>
+          </p:style>
+          <p:txBody>
+            <a:bodyPr rtlCol="0" anchor="ctr"/>
+            <a:lstStyle/>
+            <a:p>
+              <a:pPr algn="ctr"/>
+              <a:endParaRPr lang="en-US"/>
+            </a:p>
+          </p:txBody>
+        </p:sp>
+        <p:sp>
+          <p:nvSpPr>
+            <p:cNvPr id="12" name="TextBox 11"/>
+            <p:cNvSpPr txBox="1"/>
+            <p:nvPr/>
+          </p:nvSpPr>
+          <p:spPr>
+            <a:xfrm>
+              <a:off x="2980505" y="3369069"/>
+              <a:ext cx="659155" cy="369332"/>
+            </a:xfrm>
+            <a:prstGeom prst="rect">
+              <a:avLst/>
+            </a:prstGeom>
+            <a:noFill/>
+          </p:spPr>
+          <p:txBody>
+            <a:bodyPr wrap="none" rtlCol="0">
+              <a:spAutoFit/>
+            </a:bodyPr>
+            <a:lstStyle/>
+            <a:p>
+              <a:r>
+                <a:rPr lang="en-US" dirty="0" smtClean="0">
+                  <a:solidFill>
+                    <a:srgbClr val="7F7F7F"/>
+                  </a:solidFill>
+                </a:rPr>
+                <a:t>Base</a:t>
+              </a:r>
+              <a:endParaRPr lang="en-US" dirty="0">
+                <a:solidFill>
+                  <a:srgbClr val="7F7F7F"/>
+                </a:solidFill>
+              </a:endParaRPr>
+            </a:p>
+          </p:txBody>
+        </p:sp>
+      </p:grpSp>
+      <p:grpSp>
+        <p:nvGrpSpPr>
+          <p:cNvPr id="14" name="Group 13"/>
+          <p:cNvGrpSpPr/>
+          <p:nvPr/>
+        </p:nvGrpSpPr>
+        <p:grpSpPr>
+          <a:xfrm>
+            <a:off x="3551450" y="3725415"/>
+            <a:ext cx="723763" cy="764520"/>
+            <a:chOff x="2980505" y="3369069"/>
+            <a:chExt cx="723763" cy="764520"/>
+          </a:xfrm>
+        </p:grpSpPr>
+        <p:sp>
+          <p:nvSpPr>
+            <p:cNvPr id="15" name="Oval 14"/>
+            <p:cNvSpPr/>
+            <p:nvPr/>
+          </p:nvSpPr>
+          <p:spPr>
+            <a:xfrm>
+              <a:off x="3155462" y="3770767"/>
+              <a:ext cx="343393" cy="362822"/>
+            </a:xfrm>
+            <a:prstGeom prst="ellipse">
+              <a:avLst/>
+            </a:prstGeom>
+            <a:solidFill>
+              <a:srgbClr val="E68230"/>
+            </a:solidFill>
+            <a:ln w="57150" cmpd="sng">
+              <a:solidFill>
+                <a:schemeClr val="bg1"/>
+              </a:solidFill>
+            </a:ln>
+          </p:spPr>
+          <p:style>
+            <a:lnRef idx="1">
+              <a:schemeClr val="accent3"/>
+            </a:lnRef>
+            <a:fillRef idx="3">
+              <a:schemeClr val="accent3"/>
+            </a:fillRef>
+            <a:effectRef idx="2">
+              <a:schemeClr val="accent3"/>
+            </a:effectRef>
+            <a:fontRef idx="minor">
+              <a:schemeClr val="lt1"/>
+            </a:fontRef>
+          </p:style>
+          <p:txBody>
+            <a:bodyPr rtlCol="0" anchor="ctr"/>
+            <a:lstStyle/>
+            <a:p>
+              <a:pPr algn="ctr"/>
+              <a:endParaRPr lang="en-US"/>
+            </a:p>
+          </p:txBody>
+        </p:sp>
+        <p:sp>
+          <p:nvSpPr>
+            <p:cNvPr id="16" name="TextBox 15"/>
+            <p:cNvSpPr txBox="1"/>
+            <p:nvPr/>
+          </p:nvSpPr>
+          <p:spPr>
+            <a:xfrm>
+              <a:off x="2980505" y="3369069"/>
+              <a:ext cx="723763" cy="369332"/>
+            </a:xfrm>
+            <a:prstGeom prst="rect">
+              <a:avLst/>
+            </a:prstGeom>
+            <a:noFill/>
+          </p:spPr>
+          <p:txBody>
+            <a:bodyPr wrap="none" rtlCol="0">
+              <a:spAutoFit/>
+            </a:bodyPr>
+            <a:lstStyle/>
+            <a:p>
+              <a:r>
+                <a:rPr lang="en-US" dirty="0" smtClean="0">
+                  <a:solidFill>
+                    <a:srgbClr val="7F7F7F"/>
+                  </a:solidFill>
+                </a:rPr>
+                <a:t>Log 1</a:t>
+              </a:r>
+              <a:endParaRPr lang="en-US" dirty="0">
+                <a:solidFill>
+                  <a:srgbClr val="7F7F7F"/>
+                </a:solidFill>
+              </a:endParaRPr>
+            </a:p>
+          </p:txBody>
+        </p:sp>
+      </p:grpSp>
+      <p:grpSp>
+        <p:nvGrpSpPr>
+          <p:cNvPr id="17" name="Group 16"/>
+          <p:cNvGrpSpPr/>
+          <p:nvPr/>
+        </p:nvGrpSpPr>
+        <p:grpSpPr>
+          <a:xfrm>
+            <a:off x="4410960" y="3744853"/>
+            <a:ext cx="723763" cy="764520"/>
+            <a:chOff x="2980505" y="3369069"/>
+            <a:chExt cx="723763" cy="764520"/>
+          </a:xfrm>
+        </p:grpSpPr>
+        <p:sp>
+          <p:nvSpPr>
+            <p:cNvPr id="18" name="Oval 17"/>
+            <p:cNvSpPr/>
+            <p:nvPr/>
+          </p:nvSpPr>
+          <p:spPr>
+            <a:xfrm>
+              <a:off x="3155462" y="3770767"/>
+              <a:ext cx="343393" cy="362822"/>
+            </a:xfrm>
+            <a:prstGeom prst="ellipse">
+              <a:avLst/>
+            </a:prstGeom>
+            <a:solidFill>
+              <a:schemeClr val="accent2"/>
+            </a:solidFill>
+            <a:ln w="57150" cmpd="sng">
+              <a:solidFill>
+                <a:schemeClr val="bg1"/>
+              </a:solidFill>
+            </a:ln>
+          </p:spPr>
+          <p:style>
+            <a:lnRef idx="1">
+              <a:schemeClr val="accent3"/>
+            </a:lnRef>
+            <a:fillRef idx="3">
+              <a:schemeClr val="accent3"/>
+            </a:fillRef>
+            <a:effectRef idx="2">
+              <a:schemeClr val="accent3"/>
+            </a:effectRef>
+            <a:fontRef idx="minor">
+              <a:schemeClr val="lt1"/>
+            </a:fontRef>
+          </p:style>
+          <p:txBody>
+            <a:bodyPr rtlCol="0" anchor="ctr"/>
+            <a:lstStyle/>
+            <a:p>
+              <a:pPr algn="ctr"/>
+              <a:endParaRPr lang="en-US"/>
+            </a:p>
+          </p:txBody>
+        </p:sp>
+        <p:sp>
+          <p:nvSpPr>
+            <p:cNvPr id="19" name="TextBox 18"/>
+            <p:cNvSpPr txBox="1"/>
+            <p:nvPr/>
+          </p:nvSpPr>
+          <p:spPr>
+            <a:xfrm>
+              <a:off x="2980505" y="3369069"/>
+              <a:ext cx="723763" cy="369332"/>
+            </a:xfrm>
+            <a:prstGeom prst="rect">
+              <a:avLst/>
+            </a:prstGeom>
+            <a:noFill/>
+          </p:spPr>
+          <p:txBody>
+            <a:bodyPr wrap="none" rtlCol="0">
+              <a:spAutoFit/>
+            </a:bodyPr>
+            <a:lstStyle/>
+            <a:p>
+              <a:r>
+                <a:rPr lang="en-US" dirty="0" smtClean="0">
+                  <a:solidFill>
+                    <a:srgbClr val="7F7F7F"/>
+                  </a:solidFill>
+                </a:rPr>
+                <a:t>Log 2</a:t>
+              </a:r>
+              <a:endParaRPr lang="en-US" dirty="0">
+                <a:solidFill>
+                  <a:srgbClr val="7F7F7F"/>
+                </a:solidFill>
+              </a:endParaRPr>
+            </a:p>
+          </p:txBody>
+        </p:sp>
+      </p:grpSp>
+      <p:grpSp>
+        <p:nvGrpSpPr>
+          <p:cNvPr id="20" name="Group 19"/>
+          <p:cNvGrpSpPr/>
+          <p:nvPr/>
+        </p:nvGrpSpPr>
+        <p:grpSpPr>
+          <a:xfrm>
+            <a:off x="5270470" y="3731923"/>
+            <a:ext cx="723763" cy="764520"/>
+            <a:chOff x="2980505" y="3369069"/>
+            <a:chExt cx="723763" cy="764520"/>
+          </a:xfrm>
+        </p:grpSpPr>
+        <p:sp>
+          <p:nvSpPr>
+            <p:cNvPr id="21" name="Oval 20"/>
+            <p:cNvSpPr/>
+            <p:nvPr/>
+          </p:nvSpPr>
+          <p:spPr>
+            <a:xfrm>
+              <a:off x="3155462" y="3770767"/>
+              <a:ext cx="343393" cy="362822"/>
+            </a:xfrm>
+            <a:prstGeom prst="ellipse">
+              <a:avLst/>
+            </a:prstGeom>
+            <a:solidFill>
+              <a:srgbClr val="E68230"/>
+            </a:solidFill>
+            <a:ln w="57150" cmpd="sng">
+              <a:solidFill>
+                <a:schemeClr val="bg1"/>
+              </a:solidFill>
+            </a:ln>
+          </p:spPr>
+          <p:style>
+            <a:lnRef idx="1">
+              <a:schemeClr val="accent3"/>
+            </a:lnRef>
+            <a:fillRef idx="3">
+              <a:schemeClr val="accent3"/>
+            </a:fillRef>
+            <a:effectRef idx="2">
+              <a:schemeClr val="accent3"/>
+            </a:effectRef>
+            <a:fontRef idx="minor">
+              <a:schemeClr val="lt1"/>
+            </a:fontRef>
+          </p:style>
+          <p:txBody>
+            <a:bodyPr rtlCol="0" anchor="ctr"/>
+            <a:lstStyle/>
+            <a:p>
+              <a:pPr algn="ctr"/>
+              <a:endParaRPr lang="en-US"/>
+            </a:p>
+          </p:txBody>
+        </p:sp>
+        <p:sp>
+          <p:nvSpPr>
+            <p:cNvPr id="22" name="TextBox 21"/>
+            <p:cNvSpPr txBox="1"/>
+            <p:nvPr/>
+          </p:nvSpPr>
+          <p:spPr>
+            <a:xfrm>
+              <a:off x="2980505" y="3369069"/>
+              <a:ext cx="723763" cy="369332"/>
+            </a:xfrm>
+            <a:prstGeom prst="rect">
+              <a:avLst/>
+            </a:prstGeom>
+            <a:noFill/>
+          </p:spPr>
+          <p:txBody>
+            <a:bodyPr wrap="none" rtlCol="0">
+              <a:spAutoFit/>
+            </a:bodyPr>
+            <a:lstStyle/>
+            <a:p>
+              <a:r>
+                <a:rPr lang="en-US" dirty="0" smtClean="0">
+                  <a:solidFill>
+                    <a:srgbClr val="7F7F7F"/>
+                  </a:solidFill>
+                </a:rPr>
+                <a:t>Log 3</a:t>
+              </a:r>
+              <a:endParaRPr lang="en-US" dirty="0">
+                <a:solidFill>
+                  <a:srgbClr val="7F7F7F"/>
+                </a:solidFill>
+              </a:endParaRPr>
+            </a:p>
+          </p:txBody>
+        </p:sp>
+      </p:grpSp>
+      <p:grpSp>
+        <p:nvGrpSpPr>
+          <p:cNvPr id="23" name="Group 22"/>
+          <p:cNvGrpSpPr/>
+          <p:nvPr/>
+        </p:nvGrpSpPr>
+        <p:grpSpPr>
+          <a:xfrm>
+            <a:off x="6129981" y="3751361"/>
+            <a:ext cx="723763" cy="764520"/>
+            <a:chOff x="2980505" y="3369069"/>
+            <a:chExt cx="723763" cy="764520"/>
+          </a:xfrm>
+        </p:grpSpPr>
+        <p:sp>
+          <p:nvSpPr>
+            <p:cNvPr id="24" name="Oval 23"/>
+            <p:cNvSpPr/>
+            <p:nvPr/>
+          </p:nvSpPr>
+          <p:spPr>
+            <a:xfrm>
+              <a:off x="3155462" y="3770767"/>
+              <a:ext cx="343393" cy="362822"/>
+            </a:xfrm>
+            <a:prstGeom prst="ellipse">
+              <a:avLst/>
+            </a:prstGeom>
+            <a:solidFill>
+              <a:schemeClr val="accent2"/>
+            </a:solidFill>
+            <a:ln w="57150" cmpd="sng">
+              <a:solidFill>
+                <a:schemeClr val="bg1"/>
+              </a:solidFill>
+            </a:ln>
+          </p:spPr>
+          <p:style>
+            <a:lnRef idx="1">
+              <a:schemeClr val="accent3"/>
+            </a:lnRef>
+            <a:fillRef idx="3">
+              <a:schemeClr val="accent3"/>
+            </a:fillRef>
+            <a:effectRef idx="2">
+              <a:schemeClr val="accent3"/>
+            </a:effectRef>
+            <a:fontRef idx="minor">
+              <a:schemeClr val="lt1"/>
+            </a:fontRef>
+          </p:style>
+          <p:txBody>
+            <a:bodyPr rtlCol="0" anchor="ctr"/>
+            <a:lstStyle/>
+            <a:p>
+              <a:pPr algn="ctr"/>
+              <a:endParaRPr lang="en-US"/>
+            </a:p>
+          </p:txBody>
+        </p:sp>
+        <p:sp>
+          <p:nvSpPr>
+            <p:cNvPr id="25" name="TextBox 24"/>
+            <p:cNvSpPr txBox="1"/>
+            <p:nvPr/>
+          </p:nvSpPr>
+          <p:spPr>
+            <a:xfrm>
+              <a:off x="2980505" y="3369069"/>
+              <a:ext cx="723763" cy="369332"/>
+            </a:xfrm>
+            <a:prstGeom prst="rect">
+              <a:avLst/>
+            </a:prstGeom>
+            <a:noFill/>
+          </p:spPr>
+          <p:txBody>
+            <a:bodyPr wrap="none" rtlCol="0">
+              <a:spAutoFit/>
+            </a:bodyPr>
+            <a:lstStyle/>
+            <a:p>
+              <a:r>
+                <a:rPr lang="en-US" dirty="0" smtClean="0">
+                  <a:solidFill>
+                    <a:srgbClr val="7F7F7F"/>
+                  </a:solidFill>
+                </a:rPr>
+                <a:t>Log 4</a:t>
+              </a:r>
+              <a:endParaRPr lang="en-US" dirty="0">
+                <a:solidFill>
+                  <a:srgbClr val="7F7F7F"/>
+                </a:solidFill>
+              </a:endParaRPr>
+            </a:p>
+          </p:txBody>
+        </p:sp>
+      </p:grpSp>
+      <p:sp>
+        <p:nvSpPr>
+          <p:cNvPr id="26" name="Oval 25"/>
+          <p:cNvSpPr/>
+          <p:nvPr/>
+        </p:nvSpPr>
+        <p:spPr>
+          <a:xfrm>
+            <a:off x="7619727" y="4224296"/>
+            <a:ext cx="168464" cy="168464"/>
+          </a:xfrm>
+          <a:prstGeom prst="ellipse">
+            <a:avLst/>
+          </a:prstGeom>
+          <a:solidFill>
+            <a:schemeClr val="accent4">
+              <a:lumMod val="60000"/>
+              <a:lumOff val="40000"/>
+            </a:schemeClr>
+          </a:solidFill>
+          <a:ln>
+            <a:noFill/>
+          </a:ln>
+        </p:spPr>
+        <p:style>
+          <a:lnRef idx="1">
+            <a:schemeClr val="accent4"/>
+          </a:lnRef>
+          <a:fillRef idx="3">
+            <a:schemeClr val="accent4"/>
+          </a:fillRef>
+          <a:effectRef idx="2">
+            <a:schemeClr val="accent4"/>
+          </a:effectRef>
+          <a:fontRef idx="minor">
+            <a:schemeClr val="lt1"/>
+          </a:fontRef>
+        </p:style>
+        <p:txBody>
+          <a:bodyPr rtlCol="0" anchor="ctr"/>
+          <a:lstStyle/>
+          <a:p>
+            <a:pPr algn="ctr"/>
+            <a:endParaRPr lang="en-US"/>
+          </a:p>
+        </p:txBody>
+      </p:sp>
+      <p:sp>
+        <p:nvSpPr>
+          <p:cNvPr id="27" name="Oval 26"/>
+          <p:cNvSpPr/>
+          <p:nvPr/>
+        </p:nvSpPr>
+        <p:spPr>
+          <a:xfrm>
+            <a:off x="7878532" y="4224285"/>
+            <a:ext cx="168464" cy="168464"/>
+          </a:xfrm>
+          <a:prstGeom prst="ellipse">
+            <a:avLst/>
+          </a:prstGeom>
+          <a:solidFill>
+            <a:schemeClr val="accent4">
+              <a:lumMod val="60000"/>
+              <a:lumOff val="40000"/>
+            </a:schemeClr>
+          </a:solidFill>
+          <a:ln>
+            <a:noFill/>
+          </a:ln>
+        </p:spPr>
+        <p:style>
+          <a:lnRef idx="1">
+            <a:schemeClr val="accent4"/>
+          </a:lnRef>
+          <a:fillRef idx="3">
+            <a:schemeClr val="accent4"/>
+          </a:fillRef>
+          <a:effectRef idx="2">
+            <a:schemeClr val="accent4"/>
+          </a:effectRef>
+          <a:fontRef idx="minor">
+            <a:schemeClr val="lt1"/>
+          </a:fontRef>
+        </p:style>
+        <p:txBody>
+          <a:bodyPr rtlCol="0" anchor="ctr"/>
+          <a:lstStyle/>
+          <a:p>
+            <a:pPr algn="ctr"/>
+            <a:endParaRPr lang="en-US"/>
+          </a:p>
+        </p:txBody>
+      </p:sp>
+      <p:sp>
+        <p:nvSpPr>
+          <p:cNvPr id="28" name="Oval 27"/>
+          <p:cNvSpPr/>
+          <p:nvPr/>
+        </p:nvSpPr>
+        <p:spPr>
+          <a:xfrm>
+            <a:off x="8137336" y="4230774"/>
+            <a:ext cx="168464" cy="168464"/>
+          </a:xfrm>
+          <a:prstGeom prst="ellipse">
+            <a:avLst/>
+          </a:prstGeom>
+          <a:solidFill>
+            <a:schemeClr val="accent4">
+              <a:lumMod val="60000"/>
+              <a:lumOff val="40000"/>
+            </a:schemeClr>
+          </a:solidFill>
+          <a:ln>
+            <a:noFill/>
+          </a:ln>
+        </p:spPr>
+        <p:style>
+          <a:lnRef idx="1">
+            <a:schemeClr val="accent4"/>
+          </a:lnRef>
+          <a:fillRef idx="3">
+            <a:schemeClr val="accent4"/>
+          </a:fillRef>
+          <a:effectRef idx="2">
+            <a:schemeClr val="accent4"/>
+          </a:effectRef>
+          <a:fontRef idx="minor">
+            <a:schemeClr val="lt1"/>
+          </a:fontRef>
+        </p:style>
+        <p:txBody>
+          <a:bodyPr rtlCol="0" anchor="ctr"/>
+          <a:lstStyle/>
+          <a:p>
+            <a:pPr algn="ctr"/>
+            <a:endParaRPr lang="en-US"/>
           </a:p>
         </p:txBody>
       </p:sp>
     </p:spTree>
     <p:extLst>
       <p:ext uri="{BB962C8B-B14F-4D97-AF65-F5344CB8AC3E}">
-        <p14:creationId xmlns:p14="http://schemas.microsoft.com/office/powerpoint/2010/main" val="2320103355"/>
+        <p14:creationId xmlns:p14="http://schemas.microsoft.com/office/powerpoint/2010/main" val="3211805466"/>
       </p:ext>
     </p:extLst>
   </p:cSld>
@@ -16409,9 +19475,515 @@
   <p:timing>
     <p:tnLst>
       <p:par>
-        <p:cTn xmlns:p14="http://schemas.microsoft.com/office/powerpoint/2010/main" id="1" dur="indefinite" restart="never" nodeType="tmRoot"/>
+        <p:cTn xmlns:p14="http://schemas.microsoft.com/office/powerpoint/2010/main" id="1" dur="indefinite" restart="never" nodeType="tmRoot">
+          <p:childTnLst>
+            <p:seq concurrent="1" nextAc="seek">
+              <p:cTn id="2" dur="indefinite" nodeType="mainSeq">
+                <p:childTnLst>
+                  <p:par>
+                    <p:cTn id="3" fill="hold">
+                      <p:stCondLst>
+                        <p:cond delay="indefinite"/>
+                      </p:stCondLst>
+                      <p:childTnLst>
+                        <p:par>
+                          <p:cTn id="4" fill="hold">
+                            <p:stCondLst>
+                              <p:cond delay="0"/>
+                            </p:stCondLst>
+                            <p:childTnLst>
+                              <p:par>
+                                <p:cTn id="5" presetID="10" presetClass="entr" presetSubtype="0" fill="hold" grpId="0" nodeType="clickEffect">
+                                  <p:stCondLst>
+                                    <p:cond delay="0"/>
+                                  </p:stCondLst>
+                                  <p:childTnLst>
+                                    <p:set>
+                                      <p:cBhvr>
+                                        <p:cTn id="6" dur="1" fill="hold">
+                                          <p:stCondLst>
+                                            <p:cond delay="0"/>
+                                          </p:stCondLst>
+                                        </p:cTn>
+                                        <p:tgtEl>
+                                          <p:spTgt spid="8"/>
+                                        </p:tgtEl>
+                                        <p:attrNameLst>
+                                          <p:attrName>style.visibility</p:attrName>
+                                        </p:attrNameLst>
+                                      </p:cBhvr>
+                                      <p:to>
+                                        <p:strVal val="visible"/>
+                                      </p:to>
+                                    </p:set>
+                                    <p:animEffect transition="in" filter="fade">
+                                      <p:cBhvr>
+                                        <p:cTn id="7" dur="500"/>
+                                        <p:tgtEl>
+                                          <p:spTgt spid="8"/>
+                                        </p:tgtEl>
+                                      </p:cBhvr>
+                                    </p:animEffect>
+                                  </p:childTnLst>
+                                </p:cTn>
+                              </p:par>
+                              <p:par>
+                                <p:cTn id="8" presetID="10" presetClass="entr" presetSubtype="0" fill="hold" grpId="0" nodeType="withEffect">
+                                  <p:stCondLst>
+                                    <p:cond delay="0"/>
+                                  </p:stCondLst>
+                                  <p:childTnLst>
+                                    <p:set>
+                                      <p:cBhvr>
+                                        <p:cTn id="9" dur="1" fill="hold">
+                                          <p:stCondLst>
+                                            <p:cond delay="0"/>
+                                          </p:stCondLst>
+                                        </p:cTn>
+                                        <p:tgtEl>
+                                          <p:spTgt spid="26"/>
+                                        </p:tgtEl>
+                                        <p:attrNameLst>
+                                          <p:attrName>style.visibility</p:attrName>
+                                        </p:attrNameLst>
+                                      </p:cBhvr>
+                                      <p:to>
+                                        <p:strVal val="visible"/>
+                                      </p:to>
+                                    </p:set>
+                                    <p:animEffect transition="in" filter="fade">
+                                      <p:cBhvr>
+                                        <p:cTn id="10" dur="500"/>
+                                        <p:tgtEl>
+                                          <p:spTgt spid="26"/>
+                                        </p:tgtEl>
+                                      </p:cBhvr>
+                                    </p:animEffect>
+                                  </p:childTnLst>
+                                </p:cTn>
+                              </p:par>
+                              <p:par>
+                                <p:cTn id="11" presetID="10" presetClass="entr" presetSubtype="0" fill="hold" grpId="0" nodeType="withEffect">
+                                  <p:stCondLst>
+                                    <p:cond delay="0"/>
+                                  </p:stCondLst>
+                                  <p:childTnLst>
+                                    <p:set>
+                                      <p:cBhvr>
+                                        <p:cTn id="12" dur="1" fill="hold">
+                                          <p:stCondLst>
+                                            <p:cond delay="0"/>
+                                          </p:stCondLst>
+                                        </p:cTn>
+                                        <p:tgtEl>
+                                          <p:spTgt spid="27"/>
+                                        </p:tgtEl>
+                                        <p:attrNameLst>
+                                          <p:attrName>style.visibility</p:attrName>
+                                        </p:attrNameLst>
+                                      </p:cBhvr>
+                                      <p:to>
+                                        <p:strVal val="visible"/>
+                                      </p:to>
+                                    </p:set>
+                                    <p:animEffect transition="in" filter="fade">
+                                      <p:cBhvr>
+                                        <p:cTn id="13" dur="500"/>
+                                        <p:tgtEl>
+                                          <p:spTgt spid="27"/>
+                                        </p:tgtEl>
+                                      </p:cBhvr>
+                                    </p:animEffect>
+                                  </p:childTnLst>
+                                </p:cTn>
+                              </p:par>
+                              <p:par>
+                                <p:cTn id="14" presetID="10" presetClass="entr" presetSubtype="0" fill="hold" grpId="0" nodeType="withEffect">
+                                  <p:stCondLst>
+                                    <p:cond delay="0"/>
+                                  </p:stCondLst>
+                                  <p:childTnLst>
+                                    <p:set>
+                                      <p:cBhvr>
+                                        <p:cTn id="15" dur="1" fill="hold">
+                                          <p:stCondLst>
+                                            <p:cond delay="0"/>
+                                          </p:stCondLst>
+                                        </p:cTn>
+                                        <p:tgtEl>
+                                          <p:spTgt spid="28"/>
+                                        </p:tgtEl>
+                                        <p:attrNameLst>
+                                          <p:attrName>style.visibility</p:attrName>
+                                        </p:attrNameLst>
+                                      </p:cBhvr>
+                                      <p:to>
+                                        <p:strVal val="visible"/>
+                                      </p:to>
+                                    </p:set>
+                                    <p:animEffect transition="in" filter="fade">
+                                      <p:cBhvr>
+                                        <p:cTn id="16" dur="500"/>
+                                        <p:tgtEl>
+                                          <p:spTgt spid="28"/>
+                                        </p:tgtEl>
+                                      </p:cBhvr>
+                                    </p:animEffect>
+                                  </p:childTnLst>
+                                </p:cTn>
+                              </p:par>
+                              <p:par>
+                                <p:cTn id="17" presetID="10" presetClass="entr" presetSubtype="0" fill="hold" grpId="0" nodeType="withEffect">
+                                  <p:stCondLst>
+                                    <p:cond delay="0"/>
+                                  </p:stCondLst>
+                                  <p:childTnLst>
+                                    <p:set>
+                                      <p:cBhvr>
+                                        <p:cTn id="18" dur="1" fill="hold">
+                                          <p:stCondLst>
+                                            <p:cond delay="0"/>
+                                          </p:stCondLst>
+                                        </p:cTn>
+                                        <p:tgtEl>
+                                          <p:spTgt spid="10"/>
+                                        </p:tgtEl>
+                                        <p:attrNameLst>
+                                          <p:attrName>style.visibility</p:attrName>
+                                        </p:attrNameLst>
+                                      </p:cBhvr>
+                                      <p:to>
+                                        <p:strVal val="visible"/>
+                                      </p:to>
+                                    </p:set>
+                                    <p:animEffect transition="in" filter="fade">
+                                      <p:cBhvr>
+                                        <p:cTn id="19" dur="500"/>
+                                        <p:tgtEl>
+                                          <p:spTgt spid="10"/>
+                                        </p:tgtEl>
+                                      </p:cBhvr>
+                                    </p:animEffect>
+                                  </p:childTnLst>
+                                </p:cTn>
+                              </p:par>
+                              <p:par>
+                                <p:cTn id="20" presetID="10" presetClass="entr" presetSubtype="0" fill="hold" grpId="0" nodeType="withEffect">
+                                  <p:stCondLst>
+                                    <p:cond delay="0"/>
+                                  </p:stCondLst>
+                                  <p:childTnLst>
+                                    <p:set>
+                                      <p:cBhvr>
+                                        <p:cTn id="21" dur="1" fill="hold">
+                                          <p:stCondLst>
+                                            <p:cond delay="0"/>
+                                          </p:stCondLst>
+                                        </p:cTn>
+                                        <p:tgtEl>
+                                          <p:spTgt spid="9"/>
+                                        </p:tgtEl>
+                                        <p:attrNameLst>
+                                          <p:attrName>style.visibility</p:attrName>
+                                        </p:attrNameLst>
+                                      </p:cBhvr>
+                                      <p:to>
+                                        <p:strVal val="visible"/>
+                                      </p:to>
+                                    </p:set>
+                                    <p:animEffect transition="in" filter="fade">
+                                      <p:cBhvr>
+                                        <p:cTn id="22" dur="500"/>
+                                        <p:tgtEl>
+                                          <p:spTgt spid="9"/>
+                                        </p:tgtEl>
+                                      </p:cBhvr>
+                                    </p:animEffect>
+                                  </p:childTnLst>
+                                </p:cTn>
+                              </p:par>
+                            </p:childTnLst>
+                          </p:cTn>
+                        </p:par>
+                      </p:childTnLst>
+                    </p:cTn>
+                  </p:par>
+                  <p:par>
+                    <p:cTn id="23" fill="hold">
+                      <p:stCondLst>
+                        <p:cond delay="indefinite"/>
+                      </p:stCondLst>
+                      <p:childTnLst>
+                        <p:par>
+                          <p:cTn id="24" fill="hold">
+                            <p:stCondLst>
+                              <p:cond delay="0"/>
+                            </p:stCondLst>
+                            <p:childTnLst>
+                              <p:par>
+                                <p:cTn id="25" presetID="10" presetClass="entr" presetSubtype="0" fill="hold" nodeType="clickEffect">
+                                  <p:stCondLst>
+                                    <p:cond delay="0"/>
+                                  </p:stCondLst>
+                                  <p:childTnLst>
+                                    <p:set>
+                                      <p:cBhvr>
+                                        <p:cTn id="26" dur="1" fill="hold">
+                                          <p:stCondLst>
+                                            <p:cond delay="0"/>
+                                          </p:stCondLst>
+                                        </p:cTn>
+                                        <p:tgtEl>
+                                          <p:spTgt spid="13"/>
+                                        </p:tgtEl>
+                                        <p:attrNameLst>
+                                          <p:attrName>style.visibility</p:attrName>
+                                        </p:attrNameLst>
+                                      </p:cBhvr>
+                                      <p:to>
+                                        <p:strVal val="visible"/>
+                                      </p:to>
+                                    </p:set>
+                                    <p:animEffect transition="in" filter="fade">
+                                      <p:cBhvr>
+                                        <p:cTn id="27" dur="500"/>
+                                        <p:tgtEl>
+                                          <p:spTgt spid="13"/>
+                                        </p:tgtEl>
+                                      </p:cBhvr>
+                                    </p:animEffect>
+                                  </p:childTnLst>
+                                </p:cTn>
+                              </p:par>
+                            </p:childTnLst>
+                          </p:cTn>
+                        </p:par>
+                      </p:childTnLst>
+                    </p:cTn>
+                  </p:par>
+                  <p:par>
+                    <p:cTn id="28" fill="hold">
+                      <p:stCondLst>
+                        <p:cond delay="indefinite"/>
+                      </p:stCondLst>
+                      <p:childTnLst>
+                        <p:par>
+                          <p:cTn id="29" fill="hold">
+                            <p:stCondLst>
+                              <p:cond delay="0"/>
+                            </p:stCondLst>
+                            <p:childTnLst>
+                              <p:par>
+                                <p:cTn id="30" presetID="10" presetClass="entr" presetSubtype="0" fill="hold" nodeType="clickEffect">
+                                  <p:stCondLst>
+                                    <p:cond delay="0"/>
+                                  </p:stCondLst>
+                                  <p:childTnLst>
+                                    <p:set>
+                                      <p:cBhvr>
+                                        <p:cTn id="31" dur="1" fill="hold">
+                                          <p:stCondLst>
+                                            <p:cond delay="0"/>
+                                          </p:stCondLst>
+                                        </p:cTn>
+                                        <p:tgtEl>
+                                          <p:spTgt spid="14"/>
+                                        </p:tgtEl>
+                                        <p:attrNameLst>
+                                          <p:attrName>style.visibility</p:attrName>
+                                        </p:attrNameLst>
+                                      </p:cBhvr>
+                                      <p:to>
+                                        <p:strVal val="visible"/>
+                                      </p:to>
+                                    </p:set>
+                                    <p:animEffect transition="in" filter="fade">
+                                      <p:cBhvr>
+                                        <p:cTn id="32" dur="500"/>
+                                        <p:tgtEl>
+                                          <p:spTgt spid="14"/>
+                                        </p:tgtEl>
+                                      </p:cBhvr>
+                                    </p:animEffect>
+                                  </p:childTnLst>
+                                </p:cTn>
+                              </p:par>
+                            </p:childTnLst>
+                          </p:cTn>
+                        </p:par>
+                      </p:childTnLst>
+                    </p:cTn>
+                  </p:par>
+                  <p:par>
+                    <p:cTn id="33" fill="hold">
+                      <p:stCondLst>
+                        <p:cond delay="indefinite"/>
+                      </p:stCondLst>
+                      <p:childTnLst>
+                        <p:par>
+                          <p:cTn id="34" fill="hold">
+                            <p:stCondLst>
+                              <p:cond delay="0"/>
+                            </p:stCondLst>
+                            <p:childTnLst>
+                              <p:par>
+                                <p:cTn id="35" presetID="10" presetClass="entr" presetSubtype="0" fill="hold" nodeType="clickEffect">
+                                  <p:stCondLst>
+                                    <p:cond delay="0"/>
+                                  </p:stCondLst>
+                                  <p:childTnLst>
+                                    <p:set>
+                                      <p:cBhvr>
+                                        <p:cTn id="36" dur="1" fill="hold">
+                                          <p:stCondLst>
+                                            <p:cond delay="0"/>
+                                          </p:stCondLst>
+                                        </p:cTn>
+                                        <p:tgtEl>
+                                          <p:spTgt spid="17"/>
+                                        </p:tgtEl>
+                                        <p:attrNameLst>
+                                          <p:attrName>style.visibility</p:attrName>
+                                        </p:attrNameLst>
+                                      </p:cBhvr>
+                                      <p:to>
+                                        <p:strVal val="visible"/>
+                                      </p:to>
+                                    </p:set>
+                                    <p:animEffect transition="in" filter="fade">
+                                      <p:cBhvr>
+                                        <p:cTn id="37" dur="500"/>
+                                        <p:tgtEl>
+                                          <p:spTgt spid="17"/>
+                                        </p:tgtEl>
+                                      </p:cBhvr>
+                                    </p:animEffect>
+                                  </p:childTnLst>
+                                </p:cTn>
+                              </p:par>
+                            </p:childTnLst>
+                          </p:cTn>
+                        </p:par>
+                      </p:childTnLst>
+                    </p:cTn>
+                  </p:par>
+                  <p:par>
+                    <p:cTn id="38" fill="hold">
+                      <p:stCondLst>
+                        <p:cond delay="indefinite"/>
+                      </p:stCondLst>
+                      <p:childTnLst>
+                        <p:par>
+                          <p:cTn id="39" fill="hold">
+                            <p:stCondLst>
+                              <p:cond delay="0"/>
+                            </p:stCondLst>
+                            <p:childTnLst>
+                              <p:par>
+                                <p:cTn id="40" presetID="10" presetClass="entr" presetSubtype="0" fill="hold" nodeType="clickEffect">
+                                  <p:stCondLst>
+                                    <p:cond delay="0"/>
+                                  </p:stCondLst>
+                                  <p:childTnLst>
+                                    <p:set>
+                                      <p:cBhvr>
+                                        <p:cTn id="41" dur="1" fill="hold">
+                                          <p:stCondLst>
+                                            <p:cond delay="0"/>
+                                          </p:stCondLst>
+                                        </p:cTn>
+                                        <p:tgtEl>
+                                          <p:spTgt spid="20"/>
+                                        </p:tgtEl>
+                                        <p:attrNameLst>
+                                          <p:attrName>style.visibility</p:attrName>
+                                        </p:attrNameLst>
+                                      </p:cBhvr>
+                                      <p:to>
+                                        <p:strVal val="visible"/>
+                                      </p:to>
+                                    </p:set>
+                                    <p:animEffect transition="in" filter="fade">
+                                      <p:cBhvr>
+                                        <p:cTn id="42" dur="500"/>
+                                        <p:tgtEl>
+                                          <p:spTgt spid="20"/>
+                                        </p:tgtEl>
+                                      </p:cBhvr>
+                                    </p:animEffect>
+                                  </p:childTnLst>
+                                </p:cTn>
+                              </p:par>
+                              <p:par>
+                                <p:cTn id="43" presetID="10" presetClass="entr" presetSubtype="0" fill="hold" nodeType="withEffect">
+                                  <p:stCondLst>
+                                    <p:cond delay="0"/>
+                                  </p:stCondLst>
+                                  <p:childTnLst>
+                                    <p:set>
+                                      <p:cBhvr>
+                                        <p:cTn id="44" dur="1" fill="hold">
+                                          <p:stCondLst>
+                                            <p:cond delay="0"/>
+                                          </p:stCondLst>
+                                        </p:cTn>
+                                        <p:tgtEl>
+                                          <p:spTgt spid="23"/>
+                                        </p:tgtEl>
+                                        <p:attrNameLst>
+                                          <p:attrName>style.visibility</p:attrName>
+                                        </p:attrNameLst>
+                                      </p:cBhvr>
+                                      <p:to>
+                                        <p:strVal val="visible"/>
+                                      </p:to>
+                                    </p:set>
+                                    <p:animEffect transition="in" filter="fade">
+                                      <p:cBhvr>
+                                        <p:cTn id="45" dur="500"/>
+                                        <p:tgtEl>
+                                          <p:spTgt spid="23"/>
+                                        </p:tgtEl>
+                                      </p:cBhvr>
+                                    </p:animEffect>
+                                  </p:childTnLst>
+                                </p:cTn>
+                              </p:par>
+                            </p:childTnLst>
+                          </p:cTn>
+                        </p:par>
+                      </p:childTnLst>
+                    </p:cTn>
+                  </p:par>
+                </p:childTnLst>
+              </p:cTn>
+              <p:prevCondLst>
+                <p:cond evt="onPrev" delay="0">
+                  <p:tgtEl>
+                    <p:sldTgt/>
+                  </p:tgtEl>
+                </p:cond>
+              </p:prevCondLst>
+              <p:nextCondLst>
+                <p:cond evt="onNext" delay="0">
+                  <p:tgtEl>
+                    <p:sldTgt/>
+                  </p:tgtEl>
+                </p:cond>
+              </p:nextCondLst>
+            </p:seq>
+          </p:childTnLst>
+        </p:cTn>
       </p:par>
     </p:tnLst>
+    <p:bldLst>
+      <p:bldP spid="8" grpId="0" animBg="1"/>
+      <p:bldP spid="9" grpId="0"/>
+      <p:bldP spid="10" grpId="0" animBg="1"/>
+      <p:bldP spid="26" grpId="0" animBg="1"/>
+      <p:bldP spid="27" grpId="0" animBg="1"/>
+      <p:bldP spid="28" grpId="0" animBg="1"/>
+    </p:bldLst>
   </p:timing>
 </p:sld>
 </file>
@@ -16450,11 +20022,11 @@
           <a:p>
             <a:r>
               <a:rPr lang="en-US" dirty="0" err="1" smtClean="0"/>
-              <a:t>Acesso</a:t>
+              <a:t>Configuração</a:t>
             </a:r>
             <a:r>
               <a:rPr lang="en-US" dirty="0" smtClean="0"/>
-              <a:t> a views</a:t>
+              <a:t>: WAL</a:t>
             </a:r>
             <a:endParaRPr lang="en-US" dirty="0"/>
           </a:p>
@@ -16476,27 +20048,28 @@
           <a:lstStyle/>
           <a:p>
             <a:r>
+              <a:rPr lang="en-US" dirty="0" err="1" smtClean="0"/>
+              <a:t>Habilitar</a:t>
+            </a:r>
+            <a:r>
+              <a:rPr lang="en-US" dirty="0"/>
+              <a:t> </a:t>
+            </a:r>
+            <a:r>
+              <a:rPr lang="en-US" dirty="0" err="1" smtClean="0"/>
+              <a:t>arquivamento</a:t>
+            </a:r>
+            <a:r>
               <a:rPr lang="en-US" dirty="0" smtClean="0"/>
-              <a:t>Na </a:t>
+              <a:t> </a:t>
             </a:r>
             <a:r>
               <a:rPr lang="en-US" dirty="0" err="1" smtClean="0"/>
-              <a:t>aplicação</a:t>
+              <a:t>contínuo</a:t>
             </a:r>
             <a:r>
               <a:rPr lang="en-US" dirty="0" smtClean="0"/>
-              <a:t> Web:</a:t>
-            </a:r>
-          </a:p>
-          <a:p>
-            <a:pPr lvl="1"/>
-            <a:r>
-              <a:rPr lang="en-US" dirty="0" err="1" smtClean="0"/>
-              <a:t>Abstração</a:t>
-            </a:r>
-            <a:r>
-              <a:rPr lang="en-US" dirty="0" smtClean="0"/>
-              <a:t> da view </a:t>
+              <a:t> </a:t>
             </a:r>
             <a:r>
               <a:rPr lang="en-US" dirty="0" err="1" smtClean="0"/>
@@ -16508,50 +20081,7 @@
             </a:r>
             <a:r>
               <a:rPr lang="en-US" dirty="0" err="1" smtClean="0"/>
-              <a:t>tabela</a:t>
-            </a:r>
-            <a:r>
-              <a:rPr lang="en-US" dirty="0" smtClean="0"/>
-              <a:t>;</a:t>
-            </a:r>
-          </a:p>
-          <a:p>
-            <a:pPr lvl="1"/>
-            <a:r>
-              <a:rPr lang="en-US" dirty="0" err="1" smtClean="0"/>
-              <a:t>Exceção</a:t>
-            </a:r>
-            <a:r>
-              <a:rPr lang="en-US" dirty="0" smtClean="0"/>
-              <a:t> </a:t>
-            </a:r>
-            <a:r>
-              <a:rPr lang="en-US" dirty="0" err="1" smtClean="0"/>
-              <a:t>gerada</a:t>
-            </a:r>
-            <a:r>
-              <a:rPr lang="en-US" dirty="0" smtClean="0"/>
-              <a:t> </a:t>
-            </a:r>
-            <a:r>
-              <a:rPr lang="en-US" dirty="0" err="1" smtClean="0"/>
-              <a:t>em</a:t>
-            </a:r>
-            <a:r>
-              <a:rPr lang="en-US" dirty="0" smtClean="0"/>
-              <a:t> </a:t>
-            </a:r>
-            <a:r>
-              <a:rPr lang="en-US" dirty="0" err="1" smtClean="0"/>
-              <a:t>métodos</a:t>
-            </a:r>
-            <a:r>
-              <a:rPr lang="en-US" dirty="0" smtClean="0"/>
-              <a:t> de </a:t>
-            </a:r>
-            <a:r>
-              <a:rPr lang="en-US" dirty="0" err="1" smtClean="0"/>
-              <a:t>escrita</a:t>
+              <a:t>postgresql.conf</a:t>
             </a:r>
             <a:r>
               <a:rPr lang="en-US" dirty="0" smtClean="0"/>
@@ -16569,26 +20099,18 @@
         </p:nvSpPr>
         <p:spPr>
           <a:xfrm>
-            <a:off x="551280" y="3641185"/>
-            <a:ext cx="8041440" cy="557193"/>
+            <a:off x="838200" y="2724319"/>
+            <a:ext cx="7467600" cy="2176938"/>
           </a:xfrm>
           <a:prstGeom prst="rect">
             <a:avLst/>
           </a:prstGeom>
           <a:solidFill>
             <a:schemeClr val="tx1">
-              <a:lumMod val="85000"/>
-              <a:lumOff val="15000"/>
+              <a:lumMod val="75000"/>
+              <a:lumOff val="25000"/>
             </a:schemeClr>
           </a:solidFill>
-          <a:ln>
-            <a:solidFill>
-              <a:schemeClr val="tx1">
-                <a:lumMod val="85000"/>
-                <a:lumOff val="15000"/>
-              </a:schemeClr>
-            </a:solidFill>
-          </a:ln>
         </p:spPr>
         <p:style>
           <a:lnRef idx="1">
@@ -16609,11 +20131,224 @@
           <a:lstStyle/>
           <a:p>
             <a:r>
-              <a:rPr lang="en-US" dirty="0" err="1" smtClean="0">
-                <a:latin typeface="Consolas"/>
-                <a:cs typeface="Consolas"/>
-              </a:rPr>
-              <a:t>ProfessorProject.all</a:t>
+              <a:rPr lang="tr-TR" dirty="0" smtClean="0">
+                <a:latin typeface="Consolas"/>
+                <a:cs typeface="Consolas"/>
+              </a:rPr>
+              <a:t># </a:t>
+            </a:r>
+            <a:r>
+              <a:rPr lang="tr-TR" dirty="0" err="1" smtClean="0">
+                <a:latin typeface="Consolas"/>
+                <a:cs typeface="Consolas"/>
+              </a:rPr>
+              <a:t>postgresql.conf</a:t>
+            </a:r>
+            <a:endParaRPr lang="tr-TR" dirty="0" smtClean="0">
+              <a:latin typeface="Consolas"/>
+              <a:cs typeface="Consolas"/>
+            </a:endParaRPr>
+          </a:p>
+          <a:p>
+            <a:endParaRPr lang="tr-TR" dirty="0" smtClean="0">
+              <a:latin typeface="Consolas"/>
+              <a:cs typeface="Consolas"/>
+            </a:endParaRPr>
+          </a:p>
+          <a:p>
+            <a:r>
+              <a:rPr lang="tr-TR" dirty="0" err="1" smtClean="0">
+                <a:latin typeface="Consolas"/>
+                <a:cs typeface="Consolas"/>
+              </a:rPr>
+              <a:t>wal_level</a:t>
+            </a:r>
+            <a:r>
+              <a:rPr lang="tr-TR" dirty="0" smtClean="0">
+                <a:latin typeface="Consolas"/>
+                <a:cs typeface="Consolas"/>
+              </a:rPr>
+              <a:t> </a:t>
+            </a:r>
+            <a:r>
+              <a:rPr lang="tr-TR" dirty="0">
+                <a:latin typeface="Consolas"/>
+                <a:cs typeface="Consolas"/>
+              </a:rPr>
+              <a:t>= </a:t>
+            </a:r>
+            <a:r>
+              <a:rPr lang="tr-TR" dirty="0" err="1">
+                <a:latin typeface="Consolas"/>
+                <a:cs typeface="Consolas"/>
+              </a:rPr>
+              <a:t>archive</a:t>
+            </a:r>
+            <a:r>
+              <a:rPr lang="tr-TR" dirty="0">
+                <a:latin typeface="Consolas"/>
+                <a:cs typeface="Consolas"/>
+              </a:rPr>
+              <a:t> # </a:t>
+            </a:r>
+            <a:r>
+              <a:rPr lang="tr-TR" dirty="0" err="1">
+                <a:latin typeface="Consolas"/>
+                <a:cs typeface="Consolas"/>
+              </a:rPr>
+              <a:t>ou</a:t>
+            </a:r>
+            <a:r>
+              <a:rPr lang="tr-TR" dirty="0">
+                <a:latin typeface="Consolas"/>
+                <a:cs typeface="Consolas"/>
+              </a:rPr>
+              <a:t> </a:t>
+            </a:r>
+            <a:r>
+              <a:rPr lang="tr-TR" dirty="0" err="1">
+                <a:latin typeface="Consolas"/>
+                <a:cs typeface="Consolas"/>
+              </a:rPr>
+              <a:t>hot_standby</a:t>
+            </a:r>
+            <a:endParaRPr lang="tr-TR" dirty="0">
+              <a:latin typeface="Consolas"/>
+              <a:cs typeface="Consolas"/>
+            </a:endParaRPr>
+          </a:p>
+          <a:p>
+            <a:r>
+              <a:rPr lang="tr-TR" dirty="0" err="1">
+                <a:latin typeface="Consolas"/>
+                <a:cs typeface="Consolas"/>
+              </a:rPr>
+              <a:t>archive_mode</a:t>
+            </a:r>
+            <a:r>
+              <a:rPr lang="tr-TR" dirty="0">
+                <a:latin typeface="Consolas"/>
+                <a:cs typeface="Consolas"/>
+              </a:rPr>
+              <a:t> = on</a:t>
+            </a:r>
+          </a:p>
+          <a:p>
+            <a:r>
+              <a:rPr lang="tr-TR" dirty="0" err="1">
+                <a:latin typeface="Consolas"/>
+                <a:cs typeface="Consolas"/>
+              </a:rPr>
+              <a:t>archive_command</a:t>
+            </a:r>
+            <a:r>
+              <a:rPr lang="tr-TR" dirty="0">
+                <a:latin typeface="Consolas"/>
+                <a:cs typeface="Consolas"/>
+              </a:rPr>
+              <a:t> = \</a:t>
+            </a:r>
+          </a:p>
+          <a:p>
+            <a:r>
+              <a:rPr lang="tr-TR" dirty="0">
+                <a:latin typeface="Consolas"/>
+                <a:cs typeface="Consolas"/>
+              </a:rPr>
+              <a:t>  'test ! -f /</a:t>
+            </a:r>
+            <a:r>
+              <a:rPr lang="tr-TR" dirty="0" err="1">
+                <a:latin typeface="Consolas"/>
+                <a:cs typeface="Consolas"/>
+              </a:rPr>
+              <a:t>mnt</a:t>
+            </a:r>
+            <a:r>
+              <a:rPr lang="tr-TR" dirty="0">
+                <a:latin typeface="Consolas"/>
+                <a:cs typeface="Consolas"/>
+              </a:rPr>
+              <a:t>/server/</a:t>
+            </a:r>
+            <a:r>
+              <a:rPr lang="tr-TR" dirty="0" err="1">
+                <a:latin typeface="Consolas"/>
+                <a:cs typeface="Consolas"/>
+              </a:rPr>
+              <a:t>archivedir</a:t>
+            </a:r>
+            <a:r>
+              <a:rPr lang="tr-TR" dirty="0">
+                <a:latin typeface="Consolas"/>
+                <a:cs typeface="Consolas"/>
+              </a:rPr>
+              <a:t>/%f &amp;&amp; </a:t>
+            </a:r>
+            <a:r>
+              <a:rPr lang="tr-TR" dirty="0" smtClean="0">
+                <a:latin typeface="Consolas"/>
+                <a:cs typeface="Consolas"/>
+              </a:rPr>
+              <a:t>\</a:t>
+            </a:r>
+          </a:p>
+          <a:p>
+            <a:r>
+              <a:rPr lang="tr-TR" dirty="0" smtClean="0">
+                <a:latin typeface="Consolas"/>
+                <a:cs typeface="Consolas"/>
+              </a:rPr>
+              <a:t>  </a:t>
+            </a:r>
+            <a:r>
+              <a:rPr lang="tr-TR" dirty="0" err="1" smtClean="0">
+                <a:latin typeface="Consolas"/>
+                <a:cs typeface="Consolas"/>
+              </a:rPr>
+              <a:t>cp</a:t>
+            </a:r>
+            <a:r>
+              <a:rPr lang="tr-TR" dirty="0" smtClean="0">
+                <a:latin typeface="Consolas"/>
+                <a:cs typeface="Consolas"/>
+              </a:rPr>
+              <a:t> </a:t>
+            </a:r>
+            <a:r>
+              <a:rPr lang="tr-TR" dirty="0">
+                <a:latin typeface="Consolas"/>
+                <a:cs typeface="Consolas"/>
+              </a:rPr>
+              <a:t>%p /</a:t>
+            </a:r>
+            <a:r>
+              <a:rPr lang="tr-TR" dirty="0" err="1">
+                <a:latin typeface="Consolas"/>
+                <a:cs typeface="Consolas"/>
+              </a:rPr>
+              <a:t>mnt</a:t>
+            </a:r>
+            <a:r>
+              <a:rPr lang="tr-TR" dirty="0">
+                <a:latin typeface="Consolas"/>
+                <a:cs typeface="Consolas"/>
+              </a:rPr>
+              <a:t>/server/</a:t>
+            </a:r>
+            <a:r>
+              <a:rPr lang="tr-TR" dirty="0" err="1">
+                <a:latin typeface="Consolas"/>
+                <a:cs typeface="Consolas"/>
+              </a:rPr>
+              <a:t>archivedir</a:t>
+            </a:r>
+            <a:r>
+              <a:rPr lang="tr-TR" dirty="0">
+                <a:latin typeface="Consolas"/>
+                <a:cs typeface="Consolas"/>
+              </a:rPr>
+              <a:t>/%f'</a:t>
             </a:r>
             <a:endParaRPr lang="en-US" dirty="0">
               <a:latin typeface="Consolas"/>
@@ -16625,7 +20360,7 @@
     </p:spTree>
     <p:extLst>
       <p:ext uri="{BB962C8B-B14F-4D97-AF65-F5344CB8AC3E}">
-        <p14:creationId xmlns:p14="http://schemas.microsoft.com/office/powerpoint/2010/main" val="2963230078"/>
+        <p14:creationId xmlns:p14="http://schemas.microsoft.com/office/powerpoint/2010/main" val="2005561968"/>
       </p:ext>
     </p:extLst>
   </p:cSld>
@@ -16661,7 +20396,7 @@
       </p:grpSpPr>
       <p:sp>
         <p:nvSpPr>
-          <p:cNvPr id="6" name="Title 5"/>
+          <p:cNvPr id="2" name="Title 1"/>
           <p:cNvSpPr>
             <a:spLocks noGrp="1"/>
           </p:cNvSpPr>
@@ -16675,8 +20410,16 @@
           <a:lstStyle/>
           <a:p>
             <a:r>
+              <a:rPr lang="en-US" dirty="0" err="1"/>
+              <a:t>Configuração</a:t>
+            </a:r>
+            <a:r>
+              <a:rPr lang="en-US" dirty="0"/>
+              <a:t>: </a:t>
+            </a:r>
+            <a:r>
               <a:rPr lang="en-US" dirty="0" smtClean="0"/>
-              <a:t>Indexes</a:t>
+              <a:t>Backup base</a:t>
             </a:r>
             <a:endParaRPr lang="en-US" dirty="0"/>
           </a:p>
@@ -16684,7 +20427,440 @@
       </p:sp>
       <p:sp>
         <p:nvSpPr>
-          <p:cNvPr id="7" name="Text Placeholder 6"/>
+          <p:cNvPr id="3" name="Content Placeholder 2"/>
+          <p:cNvSpPr>
+            <a:spLocks noGrp="1"/>
+          </p:cNvSpPr>
+          <p:nvPr>
+            <p:ph idx="1"/>
+          </p:nvPr>
+        </p:nvSpPr>
+        <p:spPr/>
+        <p:txBody>
+          <a:bodyPr/>
+          <a:lstStyle/>
+          <a:p>
+            <a:r>
+              <a:rPr lang="en-US" dirty="0" err="1" smtClean="0"/>
+              <a:t>Entrar</a:t>
+            </a:r>
+            <a:r>
+              <a:rPr lang="en-US" dirty="0" smtClean="0"/>
+              <a:t> </a:t>
+            </a:r>
+            <a:r>
+              <a:rPr lang="en-US" dirty="0" err="1" smtClean="0"/>
+              <a:t>em</a:t>
+            </a:r>
+            <a:r>
+              <a:rPr lang="en-US" dirty="0" smtClean="0"/>
+              <a:t> </a:t>
+            </a:r>
+            <a:r>
+              <a:rPr lang="en-US" dirty="0" err="1" smtClean="0"/>
+              <a:t>modo</a:t>
+            </a:r>
+            <a:r>
+              <a:rPr lang="en-US" dirty="0" smtClean="0"/>
+              <a:t> backup no console </a:t>
+            </a:r>
+            <a:r>
+              <a:rPr lang="en-US" dirty="0" err="1" smtClean="0"/>
+              <a:t>PostgreSQL</a:t>
+            </a:r>
+            <a:r>
+              <a:rPr lang="en-US" dirty="0" smtClean="0"/>
+              <a:t>:</a:t>
+            </a:r>
+          </a:p>
+          <a:p>
+            <a:endParaRPr lang="en-US" dirty="0"/>
+          </a:p>
+          <a:p>
+            <a:endParaRPr lang="en-US" dirty="0" smtClean="0"/>
+          </a:p>
+          <a:p>
+            <a:r>
+              <a:rPr lang="en-US" dirty="0" err="1" smtClean="0"/>
+              <a:t>Fazer</a:t>
+            </a:r>
+            <a:r>
+              <a:rPr lang="en-US" dirty="0" smtClean="0"/>
+              <a:t> o backup manual (console UNIX):</a:t>
+            </a:r>
+          </a:p>
+          <a:p>
+            <a:endParaRPr lang="en-US" dirty="0"/>
+          </a:p>
+          <a:p>
+            <a:endParaRPr lang="en-US" dirty="0" smtClean="0"/>
+          </a:p>
+          <a:p>
+            <a:r>
+              <a:rPr lang="en-US" dirty="0" err="1" smtClean="0"/>
+              <a:t>Sair</a:t>
+            </a:r>
+            <a:r>
+              <a:rPr lang="en-US" dirty="0" smtClean="0"/>
+              <a:t>  do </a:t>
+            </a:r>
+            <a:r>
+              <a:rPr lang="en-US" dirty="0" err="1" smtClean="0"/>
+              <a:t>modo</a:t>
+            </a:r>
+            <a:r>
+              <a:rPr lang="en-US" dirty="0" smtClean="0"/>
+              <a:t> backup no console </a:t>
+            </a:r>
+            <a:r>
+              <a:rPr lang="en-US" dirty="0" err="1" smtClean="0"/>
+              <a:t>PostgreSQL</a:t>
+            </a:r>
+            <a:r>
+              <a:rPr lang="en-US" dirty="0" smtClean="0"/>
+              <a:t>:</a:t>
+            </a:r>
+            <a:endParaRPr lang="en-US" dirty="0"/>
+          </a:p>
+        </p:txBody>
+      </p:sp>
+      <p:sp>
+        <p:nvSpPr>
+          <p:cNvPr id="4" name="Rectangle 3"/>
+          <p:cNvSpPr/>
+          <p:nvPr/>
+        </p:nvSpPr>
+        <p:spPr>
+          <a:xfrm>
+            <a:off x="838200" y="2620655"/>
+            <a:ext cx="7467600" cy="554045"/>
+          </a:xfrm>
+          <a:prstGeom prst="rect">
+            <a:avLst/>
+          </a:prstGeom>
+          <a:solidFill>
+            <a:schemeClr val="tx1">
+              <a:lumMod val="75000"/>
+              <a:lumOff val="25000"/>
+            </a:schemeClr>
+          </a:solidFill>
+        </p:spPr>
+        <p:style>
+          <a:lnRef idx="1">
+            <a:schemeClr val="dk1"/>
+          </a:lnRef>
+          <a:fillRef idx="3">
+            <a:schemeClr val="dk1"/>
+          </a:fillRef>
+          <a:effectRef idx="2">
+            <a:schemeClr val="dk1"/>
+          </a:effectRef>
+          <a:fontRef idx="minor">
+            <a:schemeClr val="lt1"/>
+          </a:fontRef>
+        </p:style>
+        <p:txBody>
+          <a:bodyPr rtlCol="0" anchor="ctr"/>
+          <a:lstStyle/>
+          <a:p>
+            <a:r>
+              <a:rPr lang="en-US" dirty="0" smtClean="0">
+                <a:latin typeface="Consolas"/>
+                <a:cs typeface="Consolas"/>
+              </a:rPr>
+              <a:t>=# SELECT </a:t>
+            </a:r>
+            <a:r>
+              <a:rPr lang="en-US" dirty="0" err="1" smtClean="0">
+                <a:latin typeface="Consolas"/>
+                <a:cs typeface="Consolas"/>
+              </a:rPr>
+              <a:t>pg_start_backup</a:t>
+            </a:r>
+            <a:r>
+              <a:rPr lang="en-US" dirty="0" smtClean="0">
+                <a:latin typeface="Consolas"/>
+                <a:cs typeface="Consolas"/>
+              </a:rPr>
+              <a:t>('label');</a:t>
+            </a:r>
+            <a:endParaRPr lang="en-US" dirty="0">
+              <a:latin typeface="Consolas"/>
+              <a:cs typeface="Consolas"/>
+            </a:endParaRPr>
+          </a:p>
+        </p:txBody>
+      </p:sp>
+      <p:sp>
+        <p:nvSpPr>
+          <p:cNvPr id="5" name="Rectangle 4"/>
+          <p:cNvSpPr/>
+          <p:nvPr/>
+        </p:nvSpPr>
+        <p:spPr>
+          <a:xfrm>
+            <a:off x="838200" y="3874482"/>
+            <a:ext cx="7467600" cy="554045"/>
+          </a:xfrm>
+          <a:prstGeom prst="rect">
+            <a:avLst/>
+          </a:prstGeom>
+          <a:solidFill>
+            <a:schemeClr val="tx1">
+              <a:lumMod val="75000"/>
+              <a:lumOff val="25000"/>
+            </a:schemeClr>
+          </a:solidFill>
+        </p:spPr>
+        <p:style>
+          <a:lnRef idx="1">
+            <a:schemeClr val="dk1"/>
+          </a:lnRef>
+          <a:fillRef idx="3">
+            <a:schemeClr val="dk1"/>
+          </a:fillRef>
+          <a:effectRef idx="2">
+            <a:schemeClr val="dk1"/>
+          </a:effectRef>
+          <a:fontRef idx="minor">
+            <a:schemeClr val="lt1"/>
+          </a:fontRef>
+        </p:style>
+        <p:txBody>
+          <a:bodyPr rtlCol="0" anchor="ctr"/>
+          <a:lstStyle/>
+          <a:p>
+            <a:r>
+              <a:rPr lang="en-US" dirty="0" smtClean="0">
+                <a:latin typeface="Consolas"/>
+                <a:cs typeface="Consolas"/>
+              </a:rPr>
+              <a:t>$ tar </a:t>
+            </a:r>
+            <a:r>
+              <a:rPr lang="en-US" dirty="0" smtClean="0">
+                <a:latin typeface="Consolas"/>
+                <a:cs typeface="Consolas"/>
+              </a:rPr>
+              <a:t>-</a:t>
+            </a:r>
+            <a:r>
+              <a:rPr lang="en-US" dirty="0" err="1" smtClean="0">
+                <a:latin typeface="Consolas"/>
+                <a:cs typeface="Consolas"/>
+              </a:rPr>
+              <a:t>zcf</a:t>
+            </a:r>
+            <a:r>
+              <a:rPr lang="en-US" dirty="0" smtClean="0">
+                <a:latin typeface="Consolas"/>
+                <a:cs typeface="Consolas"/>
+              </a:rPr>
+              <a:t> </a:t>
+            </a:r>
+            <a:r>
+              <a:rPr lang="en-US" dirty="0">
+                <a:latin typeface="Consolas"/>
+                <a:cs typeface="Consolas"/>
+              </a:rPr>
+              <a:t>/</a:t>
+            </a:r>
+            <a:r>
+              <a:rPr lang="en-US" dirty="0" err="1">
+                <a:latin typeface="Consolas"/>
+                <a:cs typeface="Consolas"/>
+              </a:rPr>
+              <a:t>var</a:t>
+            </a:r>
+            <a:r>
+              <a:rPr lang="en-US" dirty="0">
+                <a:latin typeface="Consolas"/>
+                <a:cs typeface="Consolas"/>
+              </a:rPr>
+              <a:t>/lib/</a:t>
+            </a:r>
+            <a:r>
+              <a:rPr lang="en-US" dirty="0" err="1">
+                <a:latin typeface="Consolas"/>
+                <a:cs typeface="Consolas"/>
+              </a:rPr>
+              <a:t>pgsql</a:t>
+            </a:r>
+            <a:r>
+              <a:rPr lang="en-US" dirty="0">
+                <a:latin typeface="Consolas"/>
+                <a:cs typeface="Consolas"/>
+              </a:rPr>
+              <a:t>/</a:t>
+            </a:r>
+            <a:r>
+              <a:rPr lang="en-US" dirty="0" err="1">
+                <a:latin typeface="Consolas"/>
+                <a:cs typeface="Consolas"/>
+              </a:rPr>
+              <a:t>backup.tar</a:t>
+            </a:r>
+            <a:r>
+              <a:rPr lang="en-US" dirty="0">
+                <a:latin typeface="Consolas"/>
+                <a:cs typeface="Consolas"/>
+              </a:rPr>
+              <a:t> /</a:t>
+            </a:r>
+            <a:r>
+              <a:rPr lang="en-US" dirty="0" err="1">
+                <a:latin typeface="Consolas"/>
+                <a:cs typeface="Consolas"/>
+              </a:rPr>
+              <a:t>var</a:t>
+            </a:r>
+            <a:r>
+              <a:rPr lang="en-US" dirty="0">
+                <a:latin typeface="Consolas"/>
+                <a:cs typeface="Consolas"/>
+              </a:rPr>
+              <a:t>/lib/</a:t>
+            </a:r>
+            <a:r>
+              <a:rPr lang="en-US" dirty="0" err="1">
+                <a:latin typeface="Consolas"/>
+                <a:cs typeface="Consolas"/>
+              </a:rPr>
+              <a:t>pgsql</a:t>
+            </a:r>
+            <a:r>
+              <a:rPr lang="en-US" dirty="0">
+                <a:latin typeface="Consolas"/>
+                <a:cs typeface="Consolas"/>
+              </a:rPr>
+              <a:t>/data/</a:t>
+            </a:r>
+          </a:p>
+        </p:txBody>
+      </p:sp>
+      <p:sp>
+        <p:nvSpPr>
+          <p:cNvPr id="6" name="Rectangle 5"/>
+          <p:cNvSpPr/>
+          <p:nvPr/>
+        </p:nvSpPr>
+        <p:spPr>
+          <a:xfrm>
+            <a:off x="838200" y="5183236"/>
+            <a:ext cx="7467600" cy="554045"/>
+          </a:xfrm>
+          <a:prstGeom prst="rect">
+            <a:avLst/>
+          </a:prstGeom>
+          <a:solidFill>
+            <a:schemeClr val="tx1">
+              <a:lumMod val="75000"/>
+              <a:lumOff val="25000"/>
+            </a:schemeClr>
+          </a:solidFill>
+        </p:spPr>
+        <p:style>
+          <a:lnRef idx="1">
+            <a:schemeClr val="dk1"/>
+          </a:lnRef>
+          <a:fillRef idx="3">
+            <a:schemeClr val="dk1"/>
+          </a:fillRef>
+          <a:effectRef idx="2">
+            <a:schemeClr val="dk1"/>
+          </a:effectRef>
+          <a:fontRef idx="minor">
+            <a:schemeClr val="lt1"/>
+          </a:fontRef>
+        </p:style>
+        <p:txBody>
+          <a:bodyPr rtlCol="0" anchor="ctr"/>
+          <a:lstStyle/>
+          <a:p>
+            <a:r>
+              <a:rPr lang="en-US" dirty="0" smtClean="0">
+                <a:latin typeface="Consolas"/>
+                <a:cs typeface="Consolas"/>
+              </a:rPr>
+              <a:t>=# SELECT </a:t>
+            </a:r>
+            <a:r>
+              <a:rPr lang="en-US" dirty="0" err="1" smtClean="0">
+                <a:latin typeface="Consolas"/>
+                <a:cs typeface="Consolas"/>
+              </a:rPr>
+              <a:t>pg_stop_backup</a:t>
+            </a:r>
+            <a:r>
+              <a:rPr lang="en-US" dirty="0" smtClean="0">
+                <a:latin typeface="Consolas"/>
+                <a:cs typeface="Consolas"/>
+              </a:rPr>
+              <a:t>();</a:t>
+            </a:r>
+            <a:endParaRPr lang="en-US" dirty="0">
+              <a:latin typeface="Consolas"/>
+              <a:cs typeface="Consolas"/>
+            </a:endParaRPr>
+          </a:p>
+        </p:txBody>
+      </p:sp>
+    </p:spTree>
+    <p:extLst>
+      <p:ext uri="{BB962C8B-B14F-4D97-AF65-F5344CB8AC3E}">
+        <p14:creationId xmlns:p14="http://schemas.microsoft.com/office/powerpoint/2010/main" val="1600669007"/>
+      </p:ext>
+    </p:extLst>
+  </p:cSld>
+  <p:clrMapOvr>
+    <a:masterClrMapping/>
+  </p:clrMapOvr>
+</p:sld>
+</file>
+
+<file path=ppt/slides/slide6.xml><?xml version="1.0" encoding="utf-8"?>
+<p:sld xmlns:a="http://schemas.openxmlformats.org/drawingml/2006/main" xmlns:r="http://schemas.openxmlformats.org/officeDocument/2006/relationships" xmlns:p="http://schemas.openxmlformats.org/presentationml/2006/main">
+  <p:cSld>
+    <p:spTree>
+      <p:nvGrpSpPr>
+        <p:cNvPr id="1" name=""/>
+        <p:cNvGrpSpPr/>
+        <p:nvPr/>
+      </p:nvGrpSpPr>
+      <p:grpSpPr>
+        <a:xfrm>
+          <a:off x="0" y="0"/>
+          <a:ext cx="0" cy="0"/>
+          <a:chOff x="0" y="0"/>
+          <a:chExt cx="0" cy="0"/>
+        </a:xfrm>
+      </p:grpSpPr>
+      <p:sp>
+        <p:nvSpPr>
+          <p:cNvPr id="4" name="Title 3"/>
+          <p:cNvSpPr>
+            <a:spLocks noGrp="1"/>
+          </p:cNvSpPr>
+          <p:nvPr>
+            <p:ph type="title"/>
+          </p:nvPr>
+        </p:nvSpPr>
+        <p:spPr/>
+        <p:txBody>
+          <a:bodyPr/>
+          <a:lstStyle/>
+          <a:p>
+            <a:r>
+              <a:rPr lang="en-US" dirty="0" err="1" smtClean="0"/>
+              <a:t>Recuperação</a:t>
+            </a:r>
+            <a:endParaRPr lang="en-US" dirty="0"/>
+          </a:p>
+        </p:txBody>
+      </p:sp>
+      <p:sp>
+        <p:nvSpPr>
+          <p:cNvPr id="5" name="Text Placeholder 4"/>
           <p:cNvSpPr>
             <a:spLocks noGrp="1"/>
           </p:cNvSpPr>
@@ -16698,20 +20874,36 @@
           <a:lstStyle/>
           <a:p>
             <a:r>
+              <a:rPr lang="en-US" dirty="0" err="1" smtClean="0"/>
+              <a:t>Não</a:t>
+            </a:r>
+            <a:r>
               <a:rPr lang="en-US" dirty="0" smtClean="0"/>
-              <a:t>Uma nova </a:t>
+              <a:t> </a:t>
             </a:r>
             <a:r>
               <a:rPr lang="en-US" dirty="0" err="1" smtClean="0"/>
-              <a:t>estrutura</a:t>
+              <a:t>contavam</a:t>
             </a:r>
             <a:r>
               <a:rPr lang="en-US" dirty="0" smtClean="0"/>
-              <a:t> no </a:t>
+              <a:t> com a </a:t>
             </a:r>
             <a:r>
               <a:rPr lang="en-US" dirty="0" err="1" smtClean="0"/>
-              <a:t>banco</a:t>
+              <a:t>minha</a:t>
+            </a:r>
+            <a:r>
+              <a:rPr lang="en-US" dirty="0" smtClean="0"/>
+              <a:t> </a:t>
+            </a:r>
+            <a:r>
+              <a:rPr lang="en-US" dirty="0" err="1" smtClean="0"/>
+              <a:t>astúcia</a:t>
+            </a:r>
+            <a:r>
+              <a:rPr lang="en-US" dirty="0" smtClean="0"/>
+              <a:t>!</a:t>
             </a:r>
             <a:endParaRPr lang="en-US" dirty="0"/>
           </a:p>
@@ -16720,24 +20912,508 @@
     </p:spTree>
     <p:extLst>
       <p:ext uri="{BB962C8B-B14F-4D97-AF65-F5344CB8AC3E}">
-        <p14:creationId xmlns:p14="http://schemas.microsoft.com/office/powerpoint/2010/main" val="2298972492"/>
+        <p14:creationId xmlns:p14="http://schemas.microsoft.com/office/powerpoint/2010/main" val="3973188287"/>
       </p:ext>
     </p:extLst>
   </p:cSld>
   <p:clrMapOvr>
     <a:masterClrMapping/>
   </p:clrMapOvr>
-  <p:timing>
-    <p:tnLst>
-      <p:par>
-        <p:cTn xmlns:p14="http://schemas.microsoft.com/office/powerpoint/2010/main" id="1" dur="indefinite" restart="never" nodeType="tmRoot"/>
-      </p:par>
-    </p:tnLst>
-  </p:timing>
 </p:sld>
 </file>
 
-<file path=ppt/slides/slide6.xml><?xml version="1.0" encoding="utf-8"?>
+<file path=ppt/slides/slide7.xml><?xml version="1.0" encoding="utf-8"?>
+<p:sld xmlns:a="http://schemas.openxmlformats.org/drawingml/2006/main" xmlns:r="http://schemas.openxmlformats.org/officeDocument/2006/relationships" xmlns:p="http://schemas.openxmlformats.org/presentationml/2006/main">
+  <p:cSld>
+    <p:spTree>
+      <p:nvGrpSpPr>
+        <p:cNvPr id="1" name=""/>
+        <p:cNvGrpSpPr/>
+        <p:nvPr/>
+      </p:nvGrpSpPr>
+      <p:grpSpPr>
+        <a:xfrm>
+          <a:off x="0" y="0"/>
+          <a:ext cx="0" cy="0"/>
+          <a:chOff x="0" y="0"/>
+          <a:chExt cx="0" cy="0"/>
+        </a:xfrm>
+      </p:grpSpPr>
+      <p:sp>
+        <p:nvSpPr>
+          <p:cNvPr id="4" name="Title 3"/>
+          <p:cNvSpPr>
+            <a:spLocks noGrp="1"/>
+          </p:cNvSpPr>
+          <p:nvPr>
+            <p:ph type="title"/>
+          </p:nvPr>
+        </p:nvSpPr>
+        <p:spPr/>
+        <p:txBody>
+          <a:bodyPr/>
+          <a:lstStyle/>
+          <a:p>
+            <a:r>
+              <a:rPr lang="en-US" dirty="0" err="1" smtClean="0"/>
+              <a:t>Processo</a:t>
+            </a:r>
+            <a:r>
+              <a:rPr lang="en-US" dirty="0" smtClean="0"/>
+              <a:t> de </a:t>
+            </a:r>
+            <a:r>
+              <a:rPr lang="en-US" dirty="0" err="1" smtClean="0"/>
+              <a:t>recuperaç</a:t>
+            </a:r>
+            <a:r>
+              <a:rPr lang="en-US" dirty="0" err="1" smtClean="0"/>
+              <a:t>ão</a:t>
+            </a:r>
+            <a:endParaRPr lang="en-US" dirty="0"/>
+          </a:p>
+        </p:txBody>
+      </p:sp>
+      <p:sp>
+        <p:nvSpPr>
+          <p:cNvPr id="5" name="Content Placeholder 4"/>
+          <p:cNvSpPr>
+            <a:spLocks noGrp="1"/>
+          </p:cNvSpPr>
+          <p:nvPr>
+            <p:ph idx="1"/>
+          </p:nvPr>
+        </p:nvSpPr>
+        <p:spPr/>
+        <p:txBody>
+          <a:bodyPr>
+            <a:normAutofit/>
+          </a:bodyPr>
+          <a:lstStyle/>
+          <a:p>
+            <a:pPr>
+              <a:lnSpc>
+                <a:spcPct val="150000"/>
+              </a:lnSpc>
+            </a:pPr>
+            <a:r>
+              <a:rPr lang="en-US" dirty="0" err="1" smtClean="0"/>
+              <a:t>Pode</a:t>
+            </a:r>
+            <a:r>
+              <a:rPr lang="en-US" dirty="0" smtClean="0"/>
+              <a:t> </a:t>
+            </a:r>
+            <a:r>
+              <a:rPr lang="en-US" dirty="0" err="1" smtClean="0"/>
+              <a:t>ser</a:t>
+            </a:r>
+            <a:r>
+              <a:rPr lang="en-US" dirty="0" smtClean="0"/>
+              <a:t> </a:t>
+            </a:r>
+            <a:r>
+              <a:rPr lang="en-US" dirty="0" err="1" smtClean="0"/>
+              <a:t>realizado</a:t>
+            </a:r>
+            <a:r>
+              <a:rPr lang="en-US" dirty="0" smtClean="0"/>
+              <a:t> </a:t>
+            </a:r>
+            <a:r>
+              <a:rPr lang="en-US" dirty="0" err="1" smtClean="0"/>
+              <a:t>nas</a:t>
+            </a:r>
+            <a:r>
+              <a:rPr lang="en-US" dirty="0" smtClean="0"/>
+              <a:t> 8 </a:t>
+            </a:r>
+            <a:r>
+              <a:rPr lang="en-US" dirty="0" err="1" smtClean="0"/>
+              <a:t>etapas</a:t>
+            </a:r>
+            <a:r>
+              <a:rPr lang="en-US" dirty="0" smtClean="0"/>
+              <a:t> </a:t>
+            </a:r>
+            <a:r>
+              <a:rPr lang="en-US" dirty="0" err="1" smtClean="0"/>
+              <a:t>que</a:t>
+            </a:r>
+            <a:r>
+              <a:rPr lang="en-US" dirty="0" smtClean="0"/>
+              <a:t> se </a:t>
+            </a:r>
+            <a:r>
+              <a:rPr lang="en-US" dirty="0" err="1" smtClean="0"/>
+              <a:t>seguem</a:t>
+            </a:r>
+            <a:r>
+              <a:rPr lang="en-US" dirty="0" smtClean="0"/>
+              <a:t>:</a:t>
+            </a:r>
+          </a:p>
+          <a:p>
+            <a:pPr marL="786384" lvl="1" indent="-457200">
+              <a:buFont typeface="+mj-lt"/>
+              <a:buAutoNum type="arabicPeriod"/>
+            </a:pPr>
+            <a:r>
+              <a:rPr lang="en-US" sz="2000" dirty="0" err="1" smtClean="0"/>
+              <a:t>Parar</a:t>
+            </a:r>
+            <a:r>
+              <a:rPr lang="en-US" sz="2000" dirty="0" smtClean="0"/>
+              <a:t> a </a:t>
+            </a:r>
+            <a:r>
+              <a:rPr lang="en-US" sz="2000" dirty="0" err="1" smtClean="0"/>
+              <a:t>conex</a:t>
+            </a:r>
+            <a:r>
+              <a:rPr lang="en-US" sz="2000" dirty="0" err="1" smtClean="0"/>
+              <a:t>ão</a:t>
+            </a:r>
+            <a:r>
+              <a:rPr lang="en-US" sz="2000" dirty="0" smtClean="0"/>
+              <a:t> com o </a:t>
+            </a:r>
+            <a:r>
+              <a:rPr lang="en-US" sz="2000" dirty="0" err="1" smtClean="0"/>
+              <a:t>banco</a:t>
+            </a:r>
+            <a:r>
+              <a:rPr lang="en-US" sz="2000" dirty="0" smtClean="0"/>
+              <a:t>, </a:t>
+            </a:r>
+            <a:r>
+              <a:rPr lang="en-US" sz="2000" dirty="0" err="1" smtClean="0"/>
+              <a:t>caso</a:t>
+            </a:r>
+            <a:r>
+              <a:rPr lang="en-US" sz="2000" dirty="0" smtClean="0"/>
+              <a:t> </a:t>
+            </a:r>
+            <a:r>
+              <a:rPr lang="en-US" sz="2000" dirty="0" err="1" smtClean="0"/>
+              <a:t>esteja</a:t>
+            </a:r>
+            <a:r>
+              <a:rPr lang="en-US" sz="2000" dirty="0" smtClean="0"/>
+              <a:t> </a:t>
+            </a:r>
+            <a:r>
+              <a:rPr lang="en-US" sz="2000" dirty="0" err="1" smtClean="0"/>
+              <a:t>ativa</a:t>
+            </a:r>
+            <a:r>
+              <a:rPr lang="en-US" sz="2000" dirty="0" smtClean="0"/>
+              <a:t>;</a:t>
+            </a:r>
+          </a:p>
+          <a:p>
+            <a:pPr marL="786384" lvl="1" indent="-457200">
+              <a:buFont typeface="+mj-lt"/>
+              <a:buAutoNum type="arabicPeriod"/>
+            </a:pPr>
+            <a:r>
+              <a:rPr lang="en-US" sz="2000" dirty="0" err="1" smtClean="0"/>
+              <a:t>Verificar</a:t>
+            </a:r>
+            <a:r>
+              <a:rPr lang="en-US" sz="2000" dirty="0" smtClean="0"/>
+              <a:t> se </a:t>
+            </a:r>
+            <a:r>
+              <a:rPr lang="en-US" sz="2000" dirty="0" err="1" smtClean="0"/>
+              <a:t>existem</a:t>
+            </a:r>
+            <a:r>
+              <a:rPr lang="en-US" sz="2000" dirty="0" smtClean="0"/>
+              <a:t> </a:t>
+            </a:r>
+            <a:r>
+              <a:rPr lang="en-US" sz="2000" dirty="0" err="1" smtClean="0"/>
+              <a:t>arquivos</a:t>
+            </a:r>
+            <a:r>
+              <a:rPr lang="en-US" sz="2000" dirty="0" smtClean="0"/>
+              <a:t> de log </a:t>
+            </a:r>
+            <a:r>
+              <a:rPr lang="en-US" sz="2000" dirty="0" err="1" smtClean="0"/>
+              <a:t>n</a:t>
+            </a:r>
+            <a:r>
+              <a:rPr lang="en-US" sz="2000" dirty="0" err="1" smtClean="0"/>
+              <a:t>ão</a:t>
+            </a:r>
+            <a:r>
+              <a:rPr lang="en-US" sz="2000" dirty="0" smtClean="0"/>
+              <a:t> </a:t>
+            </a:r>
+            <a:r>
+              <a:rPr lang="en-US" sz="2000" dirty="0" err="1" smtClean="0"/>
+              <a:t>arquivados</a:t>
+            </a:r>
+            <a:r>
+              <a:rPr lang="en-US" sz="2000" dirty="0" smtClean="0"/>
+              <a:t>;</a:t>
+            </a:r>
+          </a:p>
+          <a:p>
+            <a:pPr marL="786384" lvl="1" indent="-457200">
+              <a:buFont typeface="+mj-lt"/>
+              <a:buAutoNum type="arabicPeriod"/>
+            </a:pPr>
+            <a:r>
+              <a:rPr lang="en-US" sz="2000" dirty="0" err="1" smtClean="0"/>
+              <a:t>Extrair</a:t>
+            </a:r>
+            <a:r>
+              <a:rPr lang="en-US" sz="2000" dirty="0" smtClean="0"/>
+              <a:t> o backup base </a:t>
+            </a:r>
+            <a:r>
+              <a:rPr lang="en-US" sz="2000" dirty="0" err="1" smtClean="0"/>
+              <a:t>para</a:t>
+            </a:r>
+            <a:r>
+              <a:rPr lang="en-US" sz="2000" dirty="0" smtClean="0"/>
+              <a:t> a pasta de dados;</a:t>
+            </a:r>
+          </a:p>
+          <a:p>
+            <a:pPr marL="786384" lvl="1" indent="-457200">
+              <a:buFont typeface="+mj-lt"/>
+              <a:buAutoNum type="arabicPeriod"/>
+            </a:pPr>
+            <a:r>
+              <a:rPr lang="en-US" sz="2000" dirty="0" smtClean="0"/>
+              <a:t>Remover </a:t>
+            </a:r>
+            <a:r>
+              <a:rPr lang="en-US" sz="2000" dirty="0" err="1" smtClean="0"/>
+              <a:t>arquivos</a:t>
+            </a:r>
+            <a:r>
+              <a:rPr lang="en-US" sz="2000" dirty="0" smtClean="0"/>
+              <a:t> da pasta </a:t>
+            </a:r>
+            <a:r>
+              <a:rPr lang="en-US" sz="2000" dirty="0" err="1" smtClean="0"/>
+              <a:t>pg_xlog</a:t>
+            </a:r>
+            <a:r>
+              <a:rPr lang="en-US" sz="2000" dirty="0" smtClean="0"/>
+              <a:t>;</a:t>
+            </a:r>
+          </a:p>
+          <a:p>
+            <a:pPr marL="786384" lvl="1" indent="-457200">
+              <a:buFont typeface="+mj-lt"/>
+              <a:buAutoNum type="arabicPeriod"/>
+            </a:pPr>
+            <a:r>
+              <a:rPr lang="en-US" sz="2000" dirty="0" err="1" smtClean="0"/>
+              <a:t>Caso</a:t>
+            </a:r>
+            <a:r>
+              <a:rPr lang="en-US" sz="2000" dirty="0" smtClean="0"/>
+              <a:t> </a:t>
+            </a:r>
+            <a:r>
+              <a:rPr lang="en-US" sz="2000" dirty="0" err="1" smtClean="0"/>
+              <a:t>existam</a:t>
+            </a:r>
+            <a:r>
+              <a:rPr lang="en-US" sz="2000" dirty="0" smtClean="0"/>
+              <a:t> logs </a:t>
+            </a:r>
+            <a:r>
+              <a:rPr lang="en-US" sz="2000" dirty="0" err="1" smtClean="0"/>
+              <a:t>n</a:t>
+            </a:r>
+            <a:r>
+              <a:rPr lang="en-US" sz="2000" dirty="0" err="1" smtClean="0"/>
+              <a:t>ão</a:t>
+            </a:r>
+            <a:r>
+              <a:rPr lang="en-US" sz="2000" dirty="0" smtClean="0"/>
+              <a:t> </a:t>
+            </a:r>
+            <a:r>
+              <a:rPr lang="en-US" sz="2000" dirty="0" err="1" smtClean="0"/>
+              <a:t>arquivados</a:t>
+            </a:r>
+            <a:r>
+              <a:rPr lang="en-US" sz="2000" dirty="0" smtClean="0"/>
+              <a:t> </a:t>
+            </a:r>
+            <a:r>
+              <a:rPr lang="en-US" sz="2000" dirty="0" err="1" smtClean="0"/>
+              <a:t>copiá</a:t>
+            </a:r>
+            <a:r>
+              <a:rPr lang="en-US" sz="2000" dirty="0" smtClean="0"/>
+              <a:t>-los </a:t>
+            </a:r>
+            <a:r>
+              <a:rPr lang="en-US" sz="2000" dirty="0" err="1" smtClean="0"/>
+              <a:t>para</a:t>
+            </a:r>
+            <a:r>
+              <a:rPr lang="en-US" sz="2000" dirty="0" smtClean="0"/>
+              <a:t> </a:t>
+            </a:r>
+            <a:r>
+              <a:rPr lang="en-US" sz="2000" dirty="0" err="1" smtClean="0"/>
+              <a:t>pg_xlog</a:t>
+            </a:r>
+            <a:r>
+              <a:rPr lang="en-US" sz="2000" dirty="0" smtClean="0"/>
+              <a:t>;</a:t>
+            </a:r>
+          </a:p>
+          <a:p>
+            <a:pPr marL="786384" lvl="1" indent="-457200">
+              <a:buFont typeface="+mj-lt"/>
+              <a:buAutoNum type="arabicPeriod"/>
+            </a:pPr>
+            <a:r>
+              <a:rPr lang="en-US" sz="2000" dirty="0" err="1" smtClean="0"/>
+              <a:t>Criar</a:t>
+            </a:r>
+            <a:r>
+              <a:rPr lang="en-US" sz="2000" dirty="0" smtClean="0"/>
+              <a:t> um </a:t>
+            </a:r>
+            <a:r>
+              <a:rPr lang="en-US" sz="2000" dirty="0" err="1" smtClean="0"/>
+              <a:t>arquivo</a:t>
+            </a:r>
+            <a:r>
+              <a:rPr lang="en-US" sz="2000" dirty="0" smtClean="0"/>
+              <a:t> de </a:t>
+            </a:r>
+            <a:r>
+              <a:rPr lang="en-US" sz="2000" dirty="0" err="1" smtClean="0"/>
+              <a:t>configuraç</a:t>
+            </a:r>
+            <a:r>
+              <a:rPr lang="en-US" sz="2000" dirty="0" err="1" smtClean="0"/>
+              <a:t>ão</a:t>
+            </a:r>
+            <a:r>
+              <a:rPr lang="en-US" sz="2000" dirty="0" smtClean="0"/>
+              <a:t> </a:t>
+            </a:r>
+            <a:r>
+              <a:rPr lang="en-US" sz="2000" dirty="0" err="1" smtClean="0"/>
+              <a:t>recovery.conf</a:t>
+            </a:r>
+            <a:r>
+              <a:rPr lang="en-US" sz="2000" dirty="0" smtClean="0"/>
+              <a:t>;</a:t>
+            </a:r>
+          </a:p>
+          <a:p>
+            <a:pPr marL="786384" lvl="1" indent="-457200">
+              <a:buFont typeface="+mj-lt"/>
+              <a:buAutoNum type="arabicPeriod"/>
+            </a:pPr>
+            <a:r>
+              <a:rPr lang="en-US" sz="2000" dirty="0" err="1" smtClean="0"/>
+              <a:t>Reiniciar</a:t>
+            </a:r>
+            <a:r>
+              <a:rPr lang="en-US" sz="2000" dirty="0" smtClean="0"/>
+              <a:t> o </a:t>
+            </a:r>
+            <a:r>
+              <a:rPr lang="en-US" sz="2000" dirty="0" err="1" smtClean="0"/>
+              <a:t>servidor</a:t>
+            </a:r>
+            <a:r>
+              <a:rPr lang="en-US" sz="2000" dirty="0" smtClean="0"/>
+              <a:t> de </a:t>
+            </a:r>
+            <a:r>
+              <a:rPr lang="en-US" sz="2000" dirty="0" err="1" smtClean="0"/>
+              <a:t>banco</a:t>
+            </a:r>
+            <a:r>
+              <a:rPr lang="en-US" sz="2000" dirty="0" smtClean="0"/>
+              <a:t> de dados;</a:t>
+            </a:r>
+          </a:p>
+          <a:p>
+            <a:pPr marL="786384" lvl="1" indent="-457200">
+              <a:buFont typeface="+mj-lt"/>
+              <a:buAutoNum type="arabicPeriod"/>
+            </a:pPr>
+            <a:r>
+              <a:rPr lang="en-US" sz="2000" dirty="0" err="1" smtClean="0"/>
+              <a:t>Verificar</a:t>
+            </a:r>
+            <a:r>
+              <a:rPr lang="en-US" sz="2000" dirty="0" smtClean="0"/>
+              <a:t> se o </a:t>
+            </a:r>
+            <a:r>
+              <a:rPr lang="en-US" sz="2000" dirty="0" err="1" smtClean="0"/>
+              <a:t>banco</a:t>
+            </a:r>
+            <a:r>
+              <a:rPr lang="en-US" sz="2000" dirty="0" smtClean="0"/>
+              <a:t> de dados </a:t>
+            </a:r>
+            <a:r>
+              <a:rPr lang="en-US" sz="2000" dirty="0" err="1" smtClean="0"/>
+              <a:t>est</a:t>
+            </a:r>
+            <a:r>
+              <a:rPr lang="en-US" sz="2000" dirty="0" err="1" smtClean="0"/>
+              <a:t>á</a:t>
+            </a:r>
+            <a:r>
+              <a:rPr lang="en-US" sz="2000" dirty="0" smtClean="0"/>
+              <a:t> no </a:t>
+            </a:r>
+            <a:r>
+              <a:rPr lang="en-US" sz="2000" dirty="0" err="1" smtClean="0"/>
+              <a:t>estado</a:t>
+            </a:r>
+            <a:r>
+              <a:rPr lang="en-US" sz="2000" dirty="0" smtClean="0"/>
+              <a:t> </a:t>
+            </a:r>
+            <a:r>
+              <a:rPr lang="en-US" sz="2000" dirty="0" err="1" smtClean="0"/>
+              <a:t>esperado</a:t>
+            </a:r>
+            <a:r>
+              <a:rPr lang="en-US" sz="2000" dirty="0" smtClean="0"/>
+              <a:t>;</a:t>
+            </a:r>
+            <a:endParaRPr lang="en-US" dirty="0"/>
+          </a:p>
+        </p:txBody>
+      </p:sp>
+    </p:spTree>
+    <p:extLst>
+      <p:ext uri="{BB962C8B-B14F-4D97-AF65-F5344CB8AC3E}">
+        <p14:creationId xmlns:p14="http://schemas.microsoft.com/office/powerpoint/2010/main" val="2837043930"/>
+      </p:ext>
+    </p:extLst>
+  </p:cSld>
+  <p:clrMapOvr>
+    <a:masterClrMapping/>
+  </p:clrMapOvr>
+</p:sld>
+</file>
+
+<file path=ppt/slides/slide8.xml><?xml version="1.0" encoding="utf-8"?>
 <p:sld xmlns:a="http://schemas.openxmlformats.org/drawingml/2006/main" xmlns:r="http://schemas.openxmlformats.org/officeDocument/2006/relationships" xmlns:p="http://schemas.openxmlformats.org/presentationml/2006/main">
   <p:cSld>
     <p:spTree>
@@ -16771,11 +21447,7 @@
           <a:p>
             <a:r>
               <a:rPr lang="en-US" dirty="0" err="1" smtClean="0"/>
-              <a:t>Uso</a:t>
-            </a:r>
-            <a:r>
-              <a:rPr lang="en-US" dirty="0" smtClean="0"/>
-              <a:t> de indexes</a:t>
+              <a:t>recovery.conf</a:t>
             </a:r>
             <a:endParaRPr lang="en-US" dirty="0"/>
           </a:p>
@@ -16797,16 +21469,16 @@
           <a:lstStyle/>
           <a:p>
             <a:r>
+              <a:rPr lang="en-US" dirty="0" smtClean="0"/>
+              <a:t>Uma </a:t>
+            </a:r>
+            <a:r>
               <a:rPr lang="en-US" dirty="0" err="1" smtClean="0"/>
-              <a:t>Melhoria</a:t>
-            </a:r>
-            <a:r>
-              <a:rPr lang="en-US" dirty="0" smtClean="0"/>
-              <a:t> da performance </a:t>
+              <a:t>poss</a:t>
             </a:r>
             <a:r>
               <a:rPr lang="en-US" dirty="0" err="1" smtClean="0"/>
-              <a:t>em</a:t>
+              <a:t>ível</a:t>
             </a:r>
             <a:r>
               <a:rPr lang="en-US" dirty="0" smtClean="0"/>
@@ -16814,359 +21486,11 @@
             </a:r>
             <a:r>
               <a:rPr lang="en-US" dirty="0" err="1" smtClean="0"/>
-              <a:t>consultas</a:t>
-            </a:r>
-            <a:r>
-              <a:rPr lang="en-US" dirty="0" smtClean="0"/>
-              <a:t>;</a:t>
-            </a:r>
-          </a:p>
-          <a:p>
-            <a:r>
-              <a:rPr lang="en-US" dirty="0" smtClean="0"/>
-              <a:t>Chaves </a:t>
-            </a:r>
-            <a:r>
-              <a:rPr lang="en-US" dirty="0" err="1" smtClean="0"/>
-              <a:t>primárias</a:t>
-            </a:r>
-            <a:r>
-              <a:rPr lang="en-US" dirty="0" smtClean="0"/>
-              <a:t> </a:t>
-            </a:r>
-            <a:r>
-              <a:rPr lang="en-US" dirty="0" err="1" smtClean="0"/>
-              <a:t>são</a:t>
-            </a:r>
-            <a:r>
-              <a:rPr lang="en-US" dirty="0" smtClean="0"/>
-              <a:t> </a:t>
-            </a:r>
-            <a:r>
-              <a:rPr lang="en-US" dirty="0" err="1" smtClean="0"/>
-              <a:t>indexadas</a:t>
-            </a:r>
-            <a:r>
-              <a:rPr lang="en-US" dirty="0" smtClean="0"/>
-              <a:t>;</a:t>
-            </a:r>
-          </a:p>
-          <a:p>
-            <a:r>
-              <a:rPr lang="en-US" dirty="0" smtClean="0"/>
-              <a:t>Chaves </a:t>
-            </a:r>
-            <a:r>
-              <a:rPr lang="en-US" dirty="0" err="1" smtClean="0"/>
-              <a:t>estrangeiras</a:t>
-            </a:r>
-            <a:r>
-              <a:rPr lang="en-US" dirty="0" smtClean="0"/>
-              <a:t> </a:t>
-            </a:r>
-            <a:r>
-              <a:rPr lang="en-US" dirty="0" err="1" smtClean="0"/>
-              <a:t>necessitam</a:t>
-            </a:r>
-            <a:r>
-              <a:rPr lang="en-US" dirty="0" smtClean="0"/>
-              <a:t> </a:t>
-            </a:r>
-            <a:r>
-              <a:rPr lang="en-US" dirty="0" err="1" smtClean="0"/>
-              <a:t>ser</a:t>
-            </a:r>
-            <a:r>
-              <a:rPr lang="en-US" dirty="0" smtClean="0"/>
-              <a:t> </a:t>
-            </a:r>
-            <a:r>
-              <a:rPr lang="en-US" dirty="0" err="1" smtClean="0"/>
-              <a:t>indexadas</a:t>
-            </a:r>
-            <a:r>
-              <a:rPr lang="en-US" dirty="0" smtClean="0"/>
-              <a:t>;</a:t>
-            </a:r>
-            <a:endParaRPr lang="en-US" dirty="0"/>
-          </a:p>
-          <a:p>
-            <a:r>
-              <a:rPr lang="en-US" dirty="0" err="1" smtClean="0"/>
-              <a:t>Atributos</a:t>
-            </a:r>
-            <a:r>
-              <a:rPr lang="en-US" dirty="0" smtClean="0"/>
-              <a:t> </a:t>
-            </a:r>
-            <a:r>
-              <a:rPr lang="en-US" dirty="0" err="1" smtClean="0"/>
-              <a:t>comuns</a:t>
-            </a:r>
-            <a:r>
-              <a:rPr lang="en-US" dirty="0" smtClean="0"/>
-              <a:t> </a:t>
-            </a:r>
-            <a:r>
-              <a:rPr lang="en-US" dirty="0" err="1" smtClean="0"/>
-              <a:t>em</a:t>
-            </a:r>
-            <a:r>
-              <a:rPr lang="en-US" dirty="0" smtClean="0"/>
-              <a:t> </a:t>
-            </a:r>
-            <a:r>
-              <a:rPr lang="en-US" dirty="0" err="1" smtClean="0"/>
-              <a:t>consultas</a:t>
-            </a:r>
-            <a:r>
-              <a:rPr lang="en-US" dirty="0" smtClean="0"/>
-              <a:t> </a:t>
-            </a:r>
-            <a:r>
-              <a:rPr lang="en-US" dirty="0" err="1" smtClean="0"/>
-              <a:t>indexados</a:t>
+              <a:t>configuração</a:t>
             </a:r>
             <a:r>
               <a:rPr lang="en-US" dirty="0" smtClean="0"/>
               <a:t>:</a:t>
-            </a:r>
-          </a:p>
-          <a:p>
-            <a:pPr lvl="1"/>
-            <a:r>
-              <a:rPr lang="en-US" dirty="0" err="1" smtClean="0"/>
-              <a:t>User.email</a:t>
-            </a:r>
-            <a:r>
-              <a:rPr lang="en-US" dirty="0" smtClean="0"/>
-              <a:t> e </a:t>
-            </a:r>
-            <a:r>
-              <a:rPr lang="en-US" dirty="0" err="1" smtClean="0"/>
-              <a:t>User.reset_password_token</a:t>
-            </a:r>
-            <a:r>
-              <a:rPr lang="en-US" dirty="0" smtClean="0"/>
-              <a:t>;</a:t>
-            </a:r>
-          </a:p>
-          <a:p>
-            <a:pPr lvl="1"/>
-            <a:r>
-              <a:rPr lang="en-US" dirty="0" err="1" smtClean="0"/>
-              <a:t>Project.title</a:t>
-            </a:r>
-            <a:r>
-              <a:rPr lang="en-US" dirty="0" smtClean="0"/>
-              <a:t>;</a:t>
-            </a:r>
-          </a:p>
-          <a:p>
-            <a:pPr lvl="1"/>
-            <a:r>
-              <a:rPr lang="en-US" dirty="0" err="1" smtClean="0"/>
-              <a:t>Resource.title</a:t>
-            </a:r>
-            <a:r>
-              <a:rPr lang="en-US" dirty="0" smtClean="0"/>
-              <a:t> e </a:t>
-            </a:r>
-            <a:r>
-              <a:rPr lang="en-US" dirty="0" err="1" smtClean="0"/>
-              <a:t>Resource.relevance</a:t>
-            </a:r>
-            <a:r>
-              <a:rPr lang="en-US" dirty="0" smtClean="0"/>
-              <a:t>;</a:t>
-            </a:r>
-          </a:p>
-          <a:p>
-            <a:pPr lvl="1"/>
-            <a:r>
-              <a:rPr lang="en-US" dirty="0" err="1" smtClean="0"/>
-              <a:t>Author.name</a:t>
-            </a:r>
-            <a:r>
-              <a:rPr lang="en-US" dirty="0" smtClean="0"/>
-              <a:t>;</a:t>
-            </a:r>
-          </a:p>
-          <a:p>
-            <a:pPr lvl="1"/>
-            <a:r>
-              <a:rPr lang="en-US" dirty="0" err="1" smtClean="0"/>
-              <a:t>Task.title</a:t>
-            </a:r>
-            <a:r>
-              <a:rPr lang="en-US" dirty="0" smtClean="0"/>
-              <a:t>;</a:t>
-            </a:r>
-          </a:p>
-          <a:p>
-            <a:pPr lvl="1"/>
-            <a:endParaRPr lang="en-US" dirty="0" smtClean="0"/>
-          </a:p>
-          <a:p>
-            <a:pPr lvl="1"/>
-            <a:endParaRPr lang="en-US" dirty="0"/>
-          </a:p>
-        </p:txBody>
-      </p:sp>
-    </p:spTree>
-    <p:extLst>
-      <p:ext uri="{BB962C8B-B14F-4D97-AF65-F5344CB8AC3E}">
-        <p14:creationId xmlns:p14="http://schemas.microsoft.com/office/powerpoint/2010/main" val="1873901329"/>
-      </p:ext>
-    </p:extLst>
-  </p:cSld>
-  <p:clrMapOvr>
-    <a:masterClrMapping/>
-  </p:clrMapOvr>
-  <p:timing>
-    <p:tnLst>
-      <p:par>
-        <p:cTn xmlns:p14="http://schemas.microsoft.com/office/powerpoint/2010/main" id="1" dur="indefinite" restart="never" nodeType="tmRoot"/>
-      </p:par>
-    </p:tnLst>
-  </p:timing>
-</p:sld>
-</file>
-
-<file path=ppt/slides/slide7.xml><?xml version="1.0" encoding="utf-8"?>
-<p:sld xmlns:a="http://schemas.openxmlformats.org/drawingml/2006/main" xmlns:r="http://schemas.openxmlformats.org/officeDocument/2006/relationships" xmlns:p="http://schemas.openxmlformats.org/presentationml/2006/main">
-  <p:cSld>
-    <p:spTree>
-      <p:nvGrpSpPr>
-        <p:cNvPr id="1" name=""/>
-        <p:cNvGrpSpPr/>
-        <p:nvPr/>
-      </p:nvGrpSpPr>
-      <p:grpSpPr>
-        <a:xfrm>
-          <a:off x="0" y="0"/>
-          <a:ext cx="0" cy="0"/>
-          <a:chOff x="0" y="0"/>
-          <a:chExt cx="0" cy="0"/>
-        </a:xfrm>
-      </p:grpSpPr>
-      <p:sp>
-        <p:nvSpPr>
-          <p:cNvPr id="2" name="Title 1"/>
-          <p:cNvSpPr>
-            <a:spLocks noGrp="1"/>
-          </p:cNvSpPr>
-          <p:nvPr>
-            <p:ph type="title"/>
-          </p:nvPr>
-        </p:nvSpPr>
-        <p:spPr/>
-        <p:txBody>
-          <a:bodyPr/>
-          <a:lstStyle/>
-          <a:p>
-            <a:r>
-              <a:rPr lang="en-US" dirty="0" err="1" smtClean="0"/>
-              <a:t>Implementação</a:t>
-            </a:r>
-            <a:r>
-              <a:rPr lang="en-US" dirty="0" smtClean="0"/>
-              <a:t> de indexes</a:t>
-            </a:r>
-            <a:endParaRPr lang="en-US" dirty="0"/>
-          </a:p>
-        </p:txBody>
-      </p:sp>
-      <p:sp>
-        <p:nvSpPr>
-          <p:cNvPr id="3" name="Content Placeholder 2"/>
-          <p:cNvSpPr>
-            <a:spLocks noGrp="1"/>
-          </p:cNvSpPr>
-          <p:nvPr>
-            <p:ph idx="1"/>
-          </p:nvPr>
-        </p:nvSpPr>
-        <p:spPr/>
-        <p:txBody>
-          <a:bodyPr/>
-          <a:lstStyle/>
-          <a:p>
-            <a:r>
-              <a:rPr lang="en-US" dirty="0" smtClean="0"/>
-              <a:t>Na migration </a:t>
-            </a:r>
-            <a:r>
-              <a:rPr lang="en-US" dirty="0" err="1" smtClean="0"/>
-              <a:t>é</a:t>
-            </a:r>
-            <a:r>
-              <a:rPr lang="en-US" dirty="0" smtClean="0"/>
-              <a:t> </a:t>
-            </a:r>
-            <a:r>
-              <a:rPr lang="en-US" dirty="0" err="1" smtClean="0"/>
-              <a:t>utilizado</a:t>
-            </a:r>
-            <a:r>
-              <a:rPr lang="en-US" dirty="0" smtClean="0"/>
-              <a:t> o </a:t>
-            </a:r>
-            <a:r>
-              <a:rPr lang="en-US" dirty="0" err="1" smtClean="0"/>
-              <a:t>seguinte</a:t>
-            </a:r>
-            <a:r>
-              <a:rPr lang="en-US" dirty="0" smtClean="0"/>
-              <a:t> </a:t>
-            </a:r>
-            <a:r>
-              <a:rPr lang="en-US" dirty="0" err="1" smtClean="0"/>
-              <a:t>comando</a:t>
-            </a:r>
-            <a:r>
-              <a:rPr lang="en-US" dirty="0" smtClean="0"/>
-              <a:t>:</a:t>
-            </a:r>
-          </a:p>
-          <a:p>
-            <a:endParaRPr lang="en-US" dirty="0"/>
-          </a:p>
-          <a:p>
-            <a:endParaRPr lang="en-US" dirty="0" smtClean="0"/>
-          </a:p>
-          <a:p>
-            <a:r>
-              <a:rPr lang="en-US" dirty="0" smtClean="0"/>
-              <a:t>Para </a:t>
-            </a:r>
-            <a:r>
-              <a:rPr lang="en-US" dirty="0" err="1" smtClean="0"/>
-              <a:t>índices</a:t>
-            </a:r>
-            <a:r>
-              <a:rPr lang="en-US" dirty="0" smtClean="0"/>
-              <a:t> </a:t>
-            </a:r>
-            <a:r>
-              <a:rPr lang="en-US" dirty="0" err="1" smtClean="0"/>
-              <a:t>únicos</a:t>
-            </a:r>
-            <a:r>
-              <a:rPr lang="en-US" dirty="0" smtClean="0"/>
-              <a:t>:</a:t>
-            </a:r>
-          </a:p>
-          <a:p>
-            <a:endParaRPr lang="en-US" dirty="0"/>
-          </a:p>
-          <a:p>
-            <a:endParaRPr lang="en-US" dirty="0" smtClean="0"/>
-          </a:p>
-          <a:p>
-            <a:r>
-              <a:rPr lang="en-US" dirty="0" smtClean="0"/>
-              <a:t>Ex.:</a:t>
             </a:r>
             <a:endParaRPr lang="en-US" dirty="0"/>
           </a:p>
@@ -17180,16 +21504,16 @@
         </p:nvSpPr>
         <p:spPr>
           <a:xfrm>
-            <a:off x="551280" y="2682296"/>
-            <a:ext cx="8041440" cy="557193"/>
+            <a:off x="551280" y="2617507"/>
+            <a:ext cx="8041440" cy="958890"/>
           </a:xfrm>
           <a:prstGeom prst="rect">
             <a:avLst/>
           </a:prstGeom>
           <a:solidFill>
             <a:schemeClr val="tx1">
-              <a:lumMod val="85000"/>
-              <a:lumOff val="15000"/>
+              <a:lumMod val="75000"/>
+              <a:lumOff val="25000"/>
             </a:schemeClr>
           </a:solidFill>
           <a:ln>
@@ -17220,154 +21544,104 @@
           <a:lstStyle/>
           <a:p>
             <a:r>
-              <a:rPr lang="en-US" dirty="0" err="1" smtClean="0">
-                <a:latin typeface="Consolas"/>
-                <a:cs typeface="Consolas"/>
-              </a:rPr>
-              <a:t>add_index</a:t>
+              <a:rPr lang="en-US" dirty="0" err="1">
+                <a:latin typeface="Consolas"/>
+                <a:cs typeface="Consolas"/>
+              </a:rPr>
+              <a:t>restore_command</a:t>
+            </a:r>
+            <a:r>
+              <a:rPr lang="en-US" dirty="0">
+                <a:latin typeface="Consolas"/>
+                <a:cs typeface="Consolas"/>
+              </a:rPr>
+              <a:t> = </a:t>
             </a:r>
             <a:r>
               <a:rPr lang="en-US" dirty="0" smtClean="0">
                 <a:latin typeface="Consolas"/>
                 <a:cs typeface="Consolas"/>
               </a:rPr>
-              <a:t> :table, :column</a:t>
-            </a:r>
-            <a:endParaRPr lang="en-US" dirty="0">
-              <a:latin typeface="Consolas"/>
-              <a:cs typeface="Consolas"/>
-            </a:endParaRPr>
-          </a:p>
-        </p:txBody>
-      </p:sp>
-      <p:sp>
-        <p:nvSpPr>
-          <p:cNvPr id="5" name="Rectangle 4"/>
-          <p:cNvSpPr/>
-          <p:nvPr/>
-        </p:nvSpPr>
-        <p:spPr>
-          <a:xfrm>
-            <a:off x="551280" y="3923164"/>
-            <a:ext cx="8041440" cy="557193"/>
-          </a:xfrm>
-          <a:prstGeom prst="rect">
-            <a:avLst/>
-          </a:prstGeom>
-          <a:solidFill>
-            <a:schemeClr val="tx1">
-              <a:lumMod val="85000"/>
-              <a:lumOff val="15000"/>
-            </a:schemeClr>
-          </a:solidFill>
-          <a:ln>
-            <a:solidFill>
-              <a:schemeClr val="tx1">
-                <a:lumMod val="85000"/>
-                <a:lumOff val="15000"/>
-              </a:schemeClr>
-            </a:solidFill>
-          </a:ln>
-        </p:spPr>
-        <p:style>
-          <a:lnRef idx="1">
-            <a:schemeClr val="dk1"/>
-          </a:lnRef>
-          <a:fillRef idx="3">
-            <a:schemeClr val="dk1"/>
-          </a:fillRef>
-          <a:effectRef idx="2">
-            <a:schemeClr val="dk1"/>
-          </a:effectRef>
-          <a:fontRef idx="minor">
-            <a:schemeClr val="lt1"/>
-          </a:fontRef>
-        </p:style>
-        <p:txBody>
-          <a:bodyPr rtlCol="0" anchor="ctr"/>
-          <a:lstStyle/>
-          <a:p>
-            <a:r>
-              <a:rPr lang="en-US" dirty="0" err="1" smtClean="0">
-                <a:latin typeface="Consolas"/>
-                <a:cs typeface="Consolas"/>
-              </a:rPr>
-              <a:t>add_index</a:t>
+              <a:t>'</a:t>
+            </a:r>
+            <a:r>
+              <a:rPr lang="en-US" dirty="0" err="1">
+                <a:latin typeface="Consolas"/>
+                <a:cs typeface="Consolas"/>
+              </a:rPr>
+              <a:t>cp</a:t>
+            </a:r>
+            <a:r>
+              <a:rPr lang="en-US" dirty="0">
+                <a:latin typeface="Consolas"/>
+                <a:cs typeface="Consolas"/>
+              </a:rPr>
+              <a:t> /</a:t>
+            </a:r>
+            <a:r>
+              <a:rPr lang="en-US" dirty="0" err="1">
+                <a:latin typeface="Consolas"/>
+                <a:cs typeface="Consolas"/>
+              </a:rPr>
+              <a:t>mnt</a:t>
+            </a:r>
+            <a:r>
+              <a:rPr lang="en-US" dirty="0">
+                <a:latin typeface="Consolas"/>
+                <a:cs typeface="Consolas"/>
+              </a:rPr>
+              <a:t>/server/</a:t>
+            </a:r>
+            <a:r>
+              <a:rPr lang="en-US" dirty="0" err="1">
+                <a:latin typeface="Consolas"/>
+                <a:cs typeface="Consolas"/>
+              </a:rPr>
+              <a:t>archivedir</a:t>
+            </a:r>
+            <a:r>
+              <a:rPr lang="en-US" dirty="0">
+                <a:latin typeface="Consolas"/>
+                <a:cs typeface="Consolas"/>
+              </a:rPr>
+              <a:t>/%f %</a:t>
             </a:r>
             <a:r>
               <a:rPr lang="en-US" dirty="0" smtClean="0">
                 <a:latin typeface="Consolas"/>
                 <a:cs typeface="Consolas"/>
               </a:rPr>
-              <a:t> :table, :column, unique: true</a:t>
-            </a:r>
-            <a:endParaRPr lang="en-US" dirty="0">
-              <a:latin typeface="Consolas"/>
-              <a:cs typeface="Consolas"/>
-            </a:endParaRPr>
-          </a:p>
-        </p:txBody>
-      </p:sp>
-      <p:sp>
-        <p:nvSpPr>
-          <p:cNvPr id="6" name="Rectangle 5"/>
-          <p:cNvSpPr/>
-          <p:nvPr/>
-        </p:nvSpPr>
-        <p:spPr>
-          <a:xfrm>
-            <a:off x="551280" y="5254739"/>
-            <a:ext cx="8041440" cy="557193"/>
-          </a:xfrm>
-          <a:prstGeom prst="rect">
-            <a:avLst/>
-          </a:prstGeom>
-          <a:solidFill>
-            <a:schemeClr val="tx1">
-              <a:lumMod val="85000"/>
-              <a:lumOff val="15000"/>
-            </a:schemeClr>
-          </a:solidFill>
-          <a:ln>
-            <a:solidFill>
-              <a:schemeClr val="tx1">
-                <a:lumMod val="85000"/>
-                <a:lumOff val="15000"/>
-              </a:schemeClr>
-            </a:solidFill>
-          </a:ln>
-        </p:spPr>
-        <p:style>
-          <a:lnRef idx="1">
-            <a:schemeClr val="dk1"/>
-          </a:lnRef>
-          <a:fillRef idx="3">
-            <a:schemeClr val="dk1"/>
-          </a:fillRef>
-          <a:effectRef idx="2">
-            <a:schemeClr val="dk1"/>
-          </a:effectRef>
-          <a:fontRef idx="minor">
-            <a:schemeClr val="lt1"/>
-          </a:fontRef>
-        </p:style>
-        <p:txBody>
-          <a:bodyPr rtlCol="0" anchor="ctr"/>
-          <a:lstStyle/>
-          <a:p>
-            <a:r>
-              <a:rPr lang="en-US" dirty="0" err="1" smtClean="0">
-                <a:latin typeface="Consolas"/>
-                <a:cs typeface="Consolas"/>
-              </a:rPr>
-              <a:t>add_index</a:t>
+              <a:t>p'</a:t>
+            </a:r>
+          </a:p>
+          <a:p>
+            <a:r>
+              <a:rPr lang="en-US" dirty="0" err="1">
+                <a:latin typeface="Consolas"/>
+                <a:cs typeface="Consolas"/>
+              </a:rPr>
+              <a:t>recovery_target_time</a:t>
+            </a:r>
+            <a:r>
+              <a:rPr lang="en-US" dirty="0">
+                <a:latin typeface="Consolas"/>
+                <a:cs typeface="Consolas"/>
+              </a:rPr>
+              <a:t> = </a:t>
             </a:r>
             <a:r>
               <a:rPr lang="en-US" dirty="0" smtClean="0">
                 <a:latin typeface="Consolas"/>
                 <a:cs typeface="Consolas"/>
               </a:rPr>
-              <a:t> :users, :email, unique: true</a:t>
+              <a:t>'</a:t>
+            </a:r>
+            <a:r>
+              <a:rPr lang="en-US" dirty="0">
+                <a:latin typeface="Consolas"/>
+                <a:cs typeface="Consolas"/>
+              </a:rPr>
+              <a:t>2004-07-14 22:39:00 EST'</a:t>
             </a:r>
             <a:endParaRPr lang="en-US" dirty="0">
               <a:latin typeface="Consolas"/>
@@ -17379,119 +21653,13 @@
     </p:spTree>
     <p:extLst>
       <p:ext uri="{BB962C8B-B14F-4D97-AF65-F5344CB8AC3E}">
-        <p14:creationId xmlns:p14="http://schemas.microsoft.com/office/powerpoint/2010/main" val="3445437427"/>
+        <p14:creationId xmlns:p14="http://schemas.microsoft.com/office/powerpoint/2010/main" val="1236594974"/>
       </p:ext>
     </p:extLst>
   </p:cSld>
   <p:clrMapOvr>
     <a:masterClrMapping/>
   </p:clrMapOvr>
-  <p:timing>
-    <p:tnLst>
-      <p:par>
-        <p:cTn xmlns:p14="http://schemas.microsoft.com/office/powerpoint/2010/main" id="1" dur="indefinite" restart="never" nodeType="tmRoot"/>
-      </p:par>
-    </p:tnLst>
-  </p:timing>
-</p:sld>
-</file>
-
-<file path=ppt/slides/slide8.xml><?xml version="1.0" encoding="utf-8"?>
-<p:sld xmlns:a="http://schemas.openxmlformats.org/drawingml/2006/main" xmlns:r="http://schemas.openxmlformats.org/officeDocument/2006/relationships" xmlns:p="http://schemas.openxmlformats.org/presentationml/2006/main">
-  <p:cSld>
-    <p:spTree>
-      <p:nvGrpSpPr>
-        <p:cNvPr id="1" name=""/>
-        <p:cNvGrpSpPr/>
-        <p:nvPr/>
-      </p:nvGrpSpPr>
-      <p:grpSpPr>
-        <a:xfrm>
-          <a:off x="0" y="0"/>
-          <a:ext cx="0" cy="0"/>
-          <a:chOff x="0" y="0"/>
-          <a:chExt cx="0" cy="0"/>
-        </a:xfrm>
-      </p:grpSpPr>
-      <p:sp>
-        <p:nvSpPr>
-          <p:cNvPr id="4" name="Title 3"/>
-          <p:cNvSpPr>
-            <a:spLocks noGrp="1"/>
-          </p:cNvSpPr>
-          <p:nvPr>
-            <p:ph type="title"/>
-          </p:nvPr>
-        </p:nvSpPr>
-        <p:spPr/>
-        <p:txBody>
-          <a:bodyPr/>
-          <a:lstStyle/>
-          <a:p>
-            <a:r>
-              <a:rPr lang="en-US" dirty="0" smtClean="0"/>
-              <a:t>Optimization</a:t>
-            </a:r>
-            <a:endParaRPr lang="en-US" dirty="0"/>
-          </a:p>
-        </p:txBody>
-      </p:sp>
-      <p:sp>
-        <p:nvSpPr>
-          <p:cNvPr id="5" name="Text Placeholder 4"/>
-          <p:cNvSpPr>
-            <a:spLocks noGrp="1"/>
-          </p:cNvSpPr>
-          <p:nvPr>
-            <p:ph type="body" idx="1"/>
-          </p:nvPr>
-        </p:nvSpPr>
-        <p:spPr/>
-        <p:txBody>
-          <a:bodyPr/>
-          <a:lstStyle/>
-          <a:p>
-            <a:r>
-              <a:rPr lang="en-US" dirty="0" err="1" smtClean="0"/>
-              <a:t>Melhorando</a:t>
-            </a:r>
-            <a:r>
-              <a:rPr lang="en-US" dirty="0" smtClean="0"/>
-              <a:t> a </a:t>
-            </a:r>
-            <a:r>
-              <a:rPr lang="en-US" dirty="0" err="1" smtClean="0"/>
-              <a:t>velocidade</a:t>
-            </a:r>
-            <a:r>
-              <a:rPr lang="en-US" dirty="0" smtClean="0"/>
-              <a:t> das </a:t>
-            </a:r>
-            <a:r>
-              <a:rPr lang="en-US" dirty="0" err="1" smtClean="0"/>
-              <a:t>consultas</a:t>
-            </a:r>
-            <a:endParaRPr lang="en-US" dirty="0"/>
-          </a:p>
-        </p:txBody>
-      </p:sp>
-    </p:spTree>
-    <p:extLst>
-      <p:ext uri="{BB962C8B-B14F-4D97-AF65-F5344CB8AC3E}">
-        <p14:creationId xmlns:p14="http://schemas.microsoft.com/office/powerpoint/2010/main" val="1960053597"/>
-      </p:ext>
-    </p:extLst>
-  </p:cSld>
-  <p:clrMapOvr>
-    <a:masterClrMapping/>
-  </p:clrMapOvr>
-  <p:timing>
-    <p:tnLst>
-      <p:par>
-        <p:cTn xmlns:p14="http://schemas.microsoft.com/office/powerpoint/2010/main" id="1" dur="indefinite" restart="never" nodeType="tmRoot"/>
-      </p:par>
-    </p:tnLst>
-  </p:timing>
 </p:sld>
 </file>
 
@@ -17514,7 +21682,7 @@
       </p:grpSpPr>
       <p:sp>
         <p:nvSpPr>
-          <p:cNvPr id="4" name="Title 3"/>
+          <p:cNvPr id="6" name="Title 5"/>
           <p:cNvSpPr>
             <a:spLocks noGrp="1"/>
           </p:cNvSpPr>
@@ -17528,8 +21696,12 @@
           <a:lstStyle/>
           <a:p>
             <a:r>
-              <a:rPr lang="en-US" dirty="0" smtClean="0"/>
-              <a:t>Optimization through indexes</a:t>
+              <a:rPr lang="en-US" dirty="0" err="1" smtClean="0"/>
+              <a:t>Autorizaç</a:t>
+            </a:r>
+            <a:r>
+              <a:rPr lang="en-US" dirty="0" err="1" smtClean="0"/>
+              <a:t>ão</a:t>
             </a:r>
             <a:endParaRPr lang="en-US" dirty="0"/>
           </a:p>
@@ -17537,12 +21709,12 @@
       </p:sp>
       <p:sp>
         <p:nvSpPr>
-          <p:cNvPr id="5" name="Content Placeholder 4"/>
+          <p:cNvPr id="7" name="Text Placeholder 6"/>
           <p:cNvSpPr>
             <a:spLocks noGrp="1"/>
           </p:cNvSpPr>
           <p:nvPr>
-            <p:ph idx="1"/>
+            <p:ph type="body" idx="1"/>
           </p:nvPr>
         </p:nvSpPr>
         <p:spPr/>
@@ -17552,7 +21724,7 @@
           <a:p>
             <a:r>
               <a:rPr lang="en-US" dirty="0" err="1" smtClean="0"/>
-              <a:t>Três</a:t>
+              <a:t>Quem</a:t>
             </a:r>
             <a:r>
               <a:rPr lang="en-US" dirty="0" smtClean="0"/>
@@ -17560,17 +21732,7 @@
             </a:r>
             <a:r>
               <a:rPr lang="en-US" dirty="0" err="1" smtClean="0"/>
-              <a:t>diferentes</a:t>
-            </a:r>
-            <a:r>
-              <a:rPr lang="en-US" dirty="0" smtClean="0"/>
-              <a:t> testes;</a:t>
-            </a:r>
-          </a:p>
-          <a:p>
-            <a:r>
-              <a:rPr lang="en-US" dirty="0" err="1" smtClean="0"/>
-              <a:t>Parâmetros</a:t>
+              <a:t>pode</a:t>
             </a:r>
             <a:r>
               <a:rPr lang="en-US" dirty="0" smtClean="0"/>
@@ -17578,80 +21740,35 @@
             </a:r>
             <a:r>
               <a:rPr lang="en-US" dirty="0" err="1" smtClean="0"/>
-              <a:t>utilizados</a:t>
+              <a:t>entrar</a:t>
             </a:r>
             <a:r>
               <a:rPr lang="en-US" dirty="0" smtClean="0"/>
-              <a:t>:</a:t>
-            </a:r>
-          </a:p>
-          <a:p>
-            <a:pPr lvl="1"/>
+              <a:t> e </a:t>
+            </a:r>
             <a:r>
               <a:rPr lang="en-US" dirty="0" err="1" smtClean="0"/>
-              <a:t>Tipo</a:t>
+              <a:t>quem</a:t>
             </a:r>
             <a:r>
               <a:rPr lang="en-US" dirty="0" smtClean="0"/>
-              <a:t> de </a:t>
+              <a:t> </a:t>
             </a:r>
             <a:r>
               <a:rPr lang="en-US" dirty="0" err="1" smtClean="0"/>
-              <a:t>índice</a:t>
+              <a:t>n</a:t>
+            </a:r>
+            <a:r>
+              <a:rPr lang="en-US" dirty="0" err="1" smtClean="0"/>
+              <a:t>ão</a:t>
             </a:r>
             <a:r>
               <a:rPr lang="en-US" dirty="0" smtClean="0"/>
-              <a:t>;</a:t>
-            </a:r>
-          </a:p>
-          <a:p>
-            <a:pPr lvl="1"/>
-            <a:r>
-              <a:rPr lang="en-US" dirty="0" smtClean="0"/>
-              <a:t>Tempo de </a:t>
+              <a:t> </a:t>
             </a:r>
             <a:r>
               <a:rPr lang="en-US" dirty="0" err="1" smtClean="0"/>
-              <a:t>resposta</a:t>
-            </a:r>
-            <a:r>
-              <a:rPr lang="en-US" dirty="0" smtClean="0"/>
-              <a:t> da </a:t>
-            </a:r>
-            <a:r>
-              <a:rPr lang="en-US" dirty="0" err="1" smtClean="0"/>
-              <a:t>consulta</a:t>
-            </a:r>
-            <a:r>
-              <a:rPr lang="en-US" dirty="0" smtClean="0"/>
-              <a:t>;</a:t>
-            </a:r>
-          </a:p>
-          <a:p>
-            <a:r>
-              <a:rPr lang="en-US" dirty="0" smtClean="0"/>
-              <a:t>Testes:</a:t>
-            </a:r>
-          </a:p>
-          <a:p>
-            <a:pPr lvl="1"/>
-            <a:r>
-              <a:rPr lang="en-US" dirty="0" smtClean="0"/>
-              <a:t>SELECT * FROM...;</a:t>
-            </a:r>
-          </a:p>
-          <a:p>
-            <a:pPr lvl="1"/>
-            <a:r>
-              <a:rPr lang="en-US" dirty="0" smtClean="0"/>
-              <a:t>SELECT * FROM... INNER JOIN;</a:t>
-            </a:r>
-          </a:p>
-          <a:p>
-            <a:pPr lvl="1"/>
-            <a:r>
-              <a:rPr lang="en-US" dirty="0" smtClean="0"/>
-              <a:t>SELECT * FROM... INNER JOIN... INNER JOIN...;</a:t>
+              <a:t>pode</a:t>
             </a:r>
             <a:endParaRPr lang="en-US" dirty="0"/>
           </a:p>
@@ -17660,7 +21777,7 @@
     </p:spTree>
     <p:extLst>
       <p:ext uri="{BB962C8B-B14F-4D97-AF65-F5344CB8AC3E}">
-        <p14:creationId xmlns:p14="http://schemas.microsoft.com/office/powerpoint/2010/main" val="4210304254"/>
+        <p14:creationId xmlns:p14="http://schemas.microsoft.com/office/powerpoint/2010/main" val="2298972492"/>
       </p:ext>
     </p:extLst>
   </p:cSld>
